--- a/old/apcsa_12_2.pptx
+++ b/old/apcsa_12_2.pptx
@@ -16,7 +16,6 @@
     <p:sldId id="261" r:id="rId13"/>
     <p:sldId id="262" r:id="rId14"/>
     <p:sldId id="263" r:id="rId15"/>
-    <p:sldId id="264" r:id="rId16"/>
   </p:sldIdLst>
   <p:sldSz cx="9144000" cy="5143500"/>
   <p:notesSz cx="6858000" cy="9144000"/>
@@ -74,7 +73,7 @@
         <a:latin typeface="+mj-lt"/>
         <a:ea typeface="+mj-ea"/>
         <a:cs typeface="+mj-cs"/>
-        <a:sym typeface="Helvetica"/>
+        <a:sym typeface="Arial"/>
       </a:defRPr>
     </a:lvl1pPr>
     <a:lvl2pPr marL="0" marR="0" indent="0" algn="l" defTabSz="914400" rtl="0" fontAlgn="auto" latinLnBrk="0" hangingPunct="0">
@@ -104,7 +103,7 @@
         <a:latin typeface="+mj-lt"/>
         <a:ea typeface="+mj-ea"/>
         <a:cs typeface="+mj-cs"/>
-        <a:sym typeface="Helvetica"/>
+        <a:sym typeface="Arial"/>
       </a:defRPr>
     </a:lvl2pPr>
     <a:lvl3pPr marL="0" marR="0" indent="0" algn="l" defTabSz="914400" rtl="0" fontAlgn="auto" latinLnBrk="0" hangingPunct="0">
@@ -134,7 +133,7 @@
         <a:latin typeface="+mj-lt"/>
         <a:ea typeface="+mj-ea"/>
         <a:cs typeface="+mj-cs"/>
-        <a:sym typeface="Helvetica"/>
+        <a:sym typeface="Arial"/>
       </a:defRPr>
     </a:lvl3pPr>
     <a:lvl4pPr marL="0" marR="0" indent="0" algn="l" defTabSz="914400" rtl="0" fontAlgn="auto" latinLnBrk="0" hangingPunct="0">
@@ -164,7 +163,7 @@
         <a:latin typeface="+mj-lt"/>
         <a:ea typeface="+mj-ea"/>
         <a:cs typeface="+mj-cs"/>
-        <a:sym typeface="Helvetica"/>
+        <a:sym typeface="Arial"/>
       </a:defRPr>
     </a:lvl4pPr>
     <a:lvl5pPr marL="0" marR="0" indent="0" algn="l" defTabSz="914400" rtl="0" fontAlgn="auto" latinLnBrk="0" hangingPunct="0">
@@ -194,7 +193,7 @@
         <a:latin typeface="+mj-lt"/>
         <a:ea typeface="+mj-ea"/>
         <a:cs typeface="+mj-cs"/>
-        <a:sym typeface="Helvetica"/>
+        <a:sym typeface="Arial"/>
       </a:defRPr>
     </a:lvl5pPr>
     <a:lvl6pPr marL="0" marR="0" indent="0" algn="l" defTabSz="914400" rtl="0" fontAlgn="auto" latinLnBrk="0" hangingPunct="0">
@@ -224,7 +223,7 @@
         <a:latin typeface="+mj-lt"/>
         <a:ea typeface="+mj-ea"/>
         <a:cs typeface="+mj-cs"/>
-        <a:sym typeface="Helvetica"/>
+        <a:sym typeface="Arial"/>
       </a:defRPr>
     </a:lvl6pPr>
     <a:lvl7pPr marL="0" marR="0" indent="0" algn="l" defTabSz="914400" rtl="0" fontAlgn="auto" latinLnBrk="0" hangingPunct="0">
@@ -254,7 +253,7 @@
         <a:latin typeface="+mj-lt"/>
         <a:ea typeface="+mj-ea"/>
         <a:cs typeface="+mj-cs"/>
-        <a:sym typeface="Helvetica"/>
+        <a:sym typeface="Arial"/>
       </a:defRPr>
     </a:lvl7pPr>
     <a:lvl8pPr marL="0" marR="0" indent="0" algn="l" defTabSz="914400" rtl="0" fontAlgn="auto" latinLnBrk="0" hangingPunct="0">
@@ -284,7 +283,7 @@
         <a:latin typeface="+mj-lt"/>
         <a:ea typeface="+mj-ea"/>
         <a:cs typeface="+mj-cs"/>
-        <a:sym typeface="Helvetica"/>
+        <a:sym typeface="Arial"/>
       </a:defRPr>
     </a:lvl8pPr>
     <a:lvl9pPr marL="0" marR="0" indent="0" algn="l" defTabSz="914400" rtl="0" fontAlgn="auto" latinLnBrk="0" hangingPunct="0">
@@ -314,7 +313,7 @@
         <a:latin typeface="+mj-lt"/>
         <a:ea typeface="+mj-ea"/>
         <a:cs typeface="+mj-cs"/>
-        <a:sym typeface="Helvetica"/>
+        <a:sym typeface="Arial"/>
       </a:defRPr>
     </a:lvl9pPr>
   </p:defaultTextStyle>
@@ -344,7 +343,7 @@
       </p:grpSpPr>
       <p:sp>
         <p:nvSpPr>
-          <p:cNvPr id="181" name="Shape 181"/>
+          <p:cNvPr id="197" name="Shape 197"/>
           <p:cNvSpPr/>
           <p:nvPr>
             <p:ph type="sldImg"/>
@@ -369,7 +368,7 @@
       </p:sp>
       <p:sp>
         <p:nvSpPr>
-          <p:cNvPr id="182" name="Shape 182"/>
+          <p:cNvPr id="198" name="Shape 198"/>
           <p:cNvSpPr/>
           <p:nvPr>
             <p:ph type="body" sz="quarter" idx="1"/>
@@ -398,73 +397,73 @@
   <p:notesStyle>
     <a:lvl1pPr latinLnBrk="0">
       <a:defRPr sz="1400">
-        <a:latin typeface="+mn-lt"/>
-        <a:ea typeface="+mn-ea"/>
-        <a:cs typeface="+mn-cs"/>
+        <a:latin typeface="+mj-lt"/>
+        <a:ea typeface="+mj-ea"/>
+        <a:cs typeface="+mj-cs"/>
         <a:sym typeface="Arial"/>
       </a:defRPr>
     </a:lvl1pPr>
     <a:lvl2pPr indent="228600" latinLnBrk="0">
       <a:defRPr sz="1400">
-        <a:latin typeface="+mn-lt"/>
-        <a:ea typeface="+mn-ea"/>
-        <a:cs typeface="+mn-cs"/>
+        <a:latin typeface="+mj-lt"/>
+        <a:ea typeface="+mj-ea"/>
+        <a:cs typeface="+mj-cs"/>
         <a:sym typeface="Arial"/>
       </a:defRPr>
     </a:lvl2pPr>
     <a:lvl3pPr indent="457200" latinLnBrk="0">
       <a:defRPr sz="1400">
-        <a:latin typeface="+mn-lt"/>
-        <a:ea typeface="+mn-ea"/>
-        <a:cs typeface="+mn-cs"/>
+        <a:latin typeface="+mj-lt"/>
+        <a:ea typeface="+mj-ea"/>
+        <a:cs typeface="+mj-cs"/>
         <a:sym typeface="Arial"/>
       </a:defRPr>
     </a:lvl3pPr>
     <a:lvl4pPr indent="685800" latinLnBrk="0">
       <a:defRPr sz="1400">
-        <a:latin typeface="+mn-lt"/>
-        <a:ea typeface="+mn-ea"/>
-        <a:cs typeface="+mn-cs"/>
+        <a:latin typeface="+mj-lt"/>
+        <a:ea typeface="+mj-ea"/>
+        <a:cs typeface="+mj-cs"/>
         <a:sym typeface="Arial"/>
       </a:defRPr>
     </a:lvl4pPr>
     <a:lvl5pPr indent="914400" latinLnBrk="0">
       <a:defRPr sz="1400">
-        <a:latin typeface="+mn-lt"/>
-        <a:ea typeface="+mn-ea"/>
-        <a:cs typeface="+mn-cs"/>
+        <a:latin typeface="+mj-lt"/>
+        <a:ea typeface="+mj-ea"/>
+        <a:cs typeface="+mj-cs"/>
         <a:sym typeface="Arial"/>
       </a:defRPr>
     </a:lvl5pPr>
     <a:lvl6pPr indent="1143000" latinLnBrk="0">
       <a:defRPr sz="1400">
-        <a:latin typeface="+mn-lt"/>
-        <a:ea typeface="+mn-ea"/>
-        <a:cs typeface="+mn-cs"/>
+        <a:latin typeface="+mj-lt"/>
+        <a:ea typeface="+mj-ea"/>
+        <a:cs typeface="+mj-cs"/>
         <a:sym typeface="Arial"/>
       </a:defRPr>
     </a:lvl6pPr>
     <a:lvl7pPr indent="1371600" latinLnBrk="0">
       <a:defRPr sz="1400">
-        <a:latin typeface="+mn-lt"/>
-        <a:ea typeface="+mn-ea"/>
-        <a:cs typeface="+mn-cs"/>
+        <a:latin typeface="+mj-lt"/>
+        <a:ea typeface="+mj-ea"/>
+        <a:cs typeface="+mj-cs"/>
         <a:sym typeface="Arial"/>
       </a:defRPr>
     </a:lvl7pPr>
     <a:lvl8pPr indent="1600200" latinLnBrk="0">
       <a:defRPr sz="1400">
-        <a:latin typeface="+mn-lt"/>
-        <a:ea typeface="+mn-ea"/>
-        <a:cs typeface="+mn-cs"/>
+        <a:latin typeface="+mj-lt"/>
+        <a:ea typeface="+mj-ea"/>
+        <a:cs typeface="+mj-cs"/>
         <a:sym typeface="Arial"/>
       </a:defRPr>
     </a:lvl8pPr>
     <a:lvl9pPr indent="1828800" latinLnBrk="0">
       <a:defRPr sz="1400">
-        <a:latin typeface="+mn-lt"/>
-        <a:ea typeface="+mn-ea"/>
-        <a:cs typeface="+mn-cs"/>
+        <a:latin typeface="+mj-lt"/>
+        <a:ea typeface="+mj-ea"/>
+        <a:cs typeface="+mj-cs"/>
         <a:sym typeface="Arial"/>
       </a:defRPr>
     </a:lvl9pPr>
@@ -491,7 +490,7 @@
       </p:grpSpPr>
       <p:sp>
         <p:nvSpPr>
-          <p:cNvPr id="186" name="Shape 186"/>
+          <p:cNvPr id="207" name="Shape 207"/>
           <p:cNvSpPr/>
           <p:nvPr>
             <p:ph type="sldImg"/>
@@ -512,7 +511,7 @@
       </p:sp>
       <p:sp>
         <p:nvSpPr>
-          <p:cNvPr id="187" name="Shape 187"/>
+          <p:cNvPr id="208" name="Shape 208"/>
           <p:cNvSpPr/>
           <p:nvPr>
             <p:ph type="body" sz="quarter" idx="1"/>
@@ -529,13 +528,25 @@
           <a:p>
             <a:pPr/>
             <a:r>
-              <a:t>VOCAB: </a:t>
-            </a:r>
-          </a:p>
-          <a:p>
-            <a:pPr/>
-            <a:r>
-              <a:t>nested loop</a:t>
+              <a:t>5! = 5*4*3*2*1 = 120</a:t>
+            </a:r>
+          </a:p>
+          <a:p>
+            <a:pPr/>
+          </a:p>
+          <a:p>
+            <a:pPr/>
+            <a:r>
+              <a:t>num combinations:</a:t>
+            </a:r>
+          </a:p>
+          <a:p>
+            <a:pPr/>
+          </a:p>
+          <a:p>
+            <a:pPr/>
+            <a:r>
+              <a:t>4! / 3!(4-3)! = 4! / 3!*1! = 4! / 3! = 4*3*2*1 / 3*2*1 = 4</a:t>
             </a:r>
           </a:p>
         </p:txBody>
@@ -567,7 +578,7 @@
       </p:grpSpPr>
       <p:sp>
         <p:nvSpPr>
-          <p:cNvPr id="192" name="Shape 192"/>
+          <p:cNvPr id="214" name="Shape 214"/>
           <p:cNvSpPr/>
           <p:nvPr>
             <p:ph type="sldImg"/>
@@ -588,7 +599,7 @@
       </p:sp>
       <p:sp>
         <p:nvSpPr>
-          <p:cNvPr id="193" name="Shape 193"/>
+          <p:cNvPr id="215" name="Shape 215"/>
           <p:cNvSpPr/>
           <p:nvPr>
             <p:ph type="body" sz="quarter" idx="1"/>
@@ -603,30 +614,90 @@
           <a:bodyPr/>
           <a:lstStyle/>
           <a:p>
-            <a:pPr marL="187157" indent="-187157">
-              <a:buSzPct val="100000"/>
-              <a:buAutoNum type="arabicPeriod" startAt="1"/>
-            </a:pPr>
-            <a:r>
-              <a:t>private is for specific people, typically the owner or occupier, public is for anybody.  </a:t>
-            </a:r>
-          </a:p>
-          <a:p>
-            <a:pPr marL="187157" indent="-187157">
-              <a:buSzPct val="100000"/>
-              <a:buAutoNum type="arabicPeriod" startAt="1"/>
-            </a:pPr>
-            <a:r>
-              <a:t>private instance variables, public classes.</a:t>
-            </a:r>
-          </a:p>
-          <a:p>
-            <a:pPr marL="187157" indent="-187157">
-              <a:buSzPct val="100000"/>
-              <a:buAutoNum type="arabicPeriod" startAt="1"/>
-            </a:pPr>
-            <a:r>
-              <a:t>Private means that something can only be accessed within the class where it is defined.  Public means it can be accessed by an external class.  </a:t>
+            <a:pPr/>
+            <a:r>
+              <a:t>if (rsvp){</a:t>
+            </a:r>
+          </a:p>
+          <a:p>
+            <a:pPr/>
+            <a:r>
+              <a:t>   System.out.println(“attending”);</a:t>
+            </a:r>
+          </a:p>
+          <a:p>
+            <a:pPr/>
+            <a:r>
+              <a:t>} else{</a:t>
+            </a:r>
+          </a:p>
+          <a:p>
+            <a:pPr/>
+            <a:r>
+              <a:t>   System.out.println(“not attending”);</a:t>
+            </a:r>
+          </a:p>
+          <a:p>
+            <a:pPr/>
+            <a:r>
+              <a:t>}</a:t>
+            </a:r>
+          </a:p>
+          <a:p>
+            <a:pPr/>
+            <a:r>
+              <a:t>+Why don’t you need to declare rsvp? it’s assumed to already hae been delcared</a:t>
+            </a:r>
+          </a:p>
+          <a:p>
+            <a:pPr/>
+          </a:p>
+          <a:p>
+            <a:pPr/>
+            <a:r>
+              <a:t>b. </a:t>
+            </a:r>
+          </a:p>
+          <a:p>
+            <a:pPr/>
+          </a:p>
+          <a:p>
+            <a:pPr/>
+            <a:r>
+              <a:t>if selection == 1:</a:t>
+            </a:r>
+          </a:p>
+          <a:p>
+            <a:pPr/>
+            <a:r>
+              <a:t>  print(“Beef”)</a:t>
+            </a:r>
+          </a:p>
+          <a:p>
+            <a:pPr/>
+            <a:r>
+              <a:t>else if selection == 2:</a:t>
+            </a:r>
+          </a:p>
+          <a:p>
+            <a:pPr/>
+            <a:r>
+              <a:t> etc.</a:t>
+            </a:r>
+          </a:p>
+          <a:p>
+            <a:pPr/>
+          </a:p>
+          <a:p>
+            <a:pPr/>
+            <a:r>
+              <a:t>else:</a:t>
+            </a:r>
+          </a:p>
+          <a:p>
+            <a:pPr/>
+            <a:r>
+              <a:t>  print fish</a:t>
             </a:r>
           </a:p>
         </p:txBody>
@@ -658,7 +729,7 @@
       </p:grpSpPr>
       <p:sp>
         <p:nvSpPr>
-          <p:cNvPr id="211" name="Shape 211"/>
+          <p:cNvPr id="219" name="Shape 219"/>
           <p:cNvSpPr/>
           <p:nvPr>
             <p:ph type="sldImg"/>
@@ -679,7 +750,7 @@
       </p:sp>
       <p:sp>
         <p:nvSpPr>
-          <p:cNvPr id="212" name="Shape 212"/>
+          <p:cNvPr id="220" name="Shape 220"/>
           <p:cNvSpPr/>
           <p:nvPr>
             <p:ph type="body" sz="quarter" idx="1"/>
@@ -695,194 +766,83 @@
           <a:lstStyle/>
           <a:p>
             <a:pPr/>
-            <a:r>
-              <a:t>-code is intended to define a rectangle with a specific width and height. Then print the width of the rectangle.  </a:t>
-            </a:r>
-          </a:p>
-          <a:p>
-            <a:pPr/>
-          </a:p>
-          <a:p>
-            <a:pPr/>
-            <a:r>
-              <a:t>-no width is supposed to be accessed from outside of the class so this won’t work.</a:t>
-            </a:r>
-          </a:p>
-          <a:p>
-            <a:pPr/>
-          </a:p>
-          <a:p>
-            <a:pPr/>
-            <a:r>
-              <a:t>- this is information that’s only relevant for inside of the rectangle class.  </a:t>
-            </a:r>
-          </a:p>
-        </p:txBody>
-      </p:sp>
-    </p:spTree>
-  </p:cSld>
-  <p:clrMapOvr>
-    <a:masterClrMapping/>
-  </p:clrMapOvr>
-</p:notes>
-</file>
-
-<file path=ppt/notesSlides/notesSlide4.xml><?xml version="1.0" encoding="utf-8"?>
-<p:notes xmlns:a="http://schemas.openxmlformats.org/drawingml/2006/main" xmlns:r="http://schemas.openxmlformats.org/officeDocument/2006/relationships" xmlns:p="http://schemas.openxmlformats.org/presentationml/2006/main" xmlns:m="http://schemas.openxmlformats.org/officeDocument/2006/math" xmlns:a14="http://schemas.microsoft.com/office/drawing/2010/main" showMasterSp="1" showMasterPhAnim="1">
-  <p:cSld>
-    <p:spTree>
-      <p:nvGrpSpPr>
-        <p:cNvPr id="1" name=""/>
-        <p:cNvGrpSpPr/>
-        <p:nvPr/>
-      </p:nvGrpSpPr>
-      <p:grpSpPr>
-        <a:xfrm>
-          <a:off x="0" y="0"/>
-          <a:ext cx="0" cy="0"/>
-          <a:chOff x="0" y="0"/>
-          <a:chExt cx="0" cy="0"/>
-        </a:xfrm>
-      </p:grpSpPr>
-      <p:sp>
-        <p:nvSpPr>
-          <p:cNvPr id="238" name="Shape 238"/>
-          <p:cNvSpPr/>
-          <p:nvPr>
-            <p:ph type="sldImg"/>
-          </p:nvPr>
-        </p:nvSpPr>
-        <p:spPr>
-          <a:prstGeom prst="rect">
-            <a:avLst/>
-          </a:prstGeom>
-        </p:spPr>
-        <p:txBody>
-          <a:bodyPr/>
-          <a:lstStyle/>
-          <a:p>
-            <a:pPr/>
-          </a:p>
-        </p:txBody>
-      </p:sp>
-      <p:sp>
-        <p:nvSpPr>
-          <p:cNvPr id="239" name="Shape 239"/>
-          <p:cNvSpPr/>
-          <p:nvPr>
-            <p:ph type="body" sz="quarter" idx="1"/>
-          </p:nvPr>
-        </p:nvSpPr>
-        <p:spPr>
-          <a:prstGeom prst="rect">
-            <a:avLst/>
-          </a:prstGeom>
-        </p:spPr>
-        <p:txBody>
-          <a:bodyPr/>
-          <a:lstStyle/>
-          <a:p>
-            <a:pPr/>
-            <a:r>
-              <a:t>public variables: withdrawl, deposit, balance, date. </a:t>
-            </a:r>
-          </a:p>
-          <a:p>
-            <a:pPr/>
-            <a:r>
-              <a:t>private: add interest, private instance variables.  </a:t>
-            </a:r>
-          </a:p>
-          <a:p>
-            <a:pPr/>
-          </a:p>
-        </p:txBody>
-      </p:sp>
-    </p:spTree>
-  </p:cSld>
-  <p:clrMapOvr>
-    <a:masterClrMapping/>
-  </p:clrMapOvr>
-</p:notes>
-</file>
-
-<file path=ppt/notesSlides/notesSlide5.xml><?xml version="1.0" encoding="utf-8"?>
-<p:notes xmlns:a="http://schemas.openxmlformats.org/drawingml/2006/main" xmlns:r="http://schemas.openxmlformats.org/officeDocument/2006/relationships" xmlns:p="http://schemas.openxmlformats.org/presentationml/2006/main" xmlns:m="http://schemas.openxmlformats.org/officeDocument/2006/math" xmlns:a14="http://schemas.microsoft.com/office/drawing/2010/main" showMasterSp="1" showMasterPhAnim="1">
-  <p:cSld>
-    <p:spTree>
-      <p:nvGrpSpPr>
-        <p:cNvPr id="1" name=""/>
-        <p:cNvGrpSpPr/>
-        <p:nvPr/>
-      </p:nvGrpSpPr>
-      <p:grpSpPr>
-        <a:xfrm>
-          <a:off x="0" y="0"/>
-          <a:ext cx="0" cy="0"/>
-          <a:chOff x="0" y="0"/>
-          <a:chExt cx="0" cy="0"/>
-        </a:xfrm>
-      </p:grpSpPr>
-      <p:sp>
-        <p:nvSpPr>
-          <p:cNvPr id="245" name="Shape 245"/>
-          <p:cNvSpPr/>
-          <p:nvPr>
-            <p:ph type="sldImg"/>
-          </p:nvPr>
-        </p:nvSpPr>
-        <p:spPr>
-          <a:prstGeom prst="rect">
-            <a:avLst/>
-          </a:prstGeom>
-        </p:spPr>
-        <p:txBody>
-          <a:bodyPr/>
-          <a:lstStyle/>
-          <a:p>
-            <a:pPr/>
-          </a:p>
-        </p:txBody>
-      </p:sp>
-      <p:sp>
-        <p:nvSpPr>
-          <p:cNvPr id="246" name="Shape 246"/>
-          <p:cNvSpPr/>
-          <p:nvPr>
-            <p:ph type="body" sz="quarter" idx="1"/>
-          </p:nvPr>
-        </p:nvSpPr>
-        <p:spPr>
-          <a:prstGeom prst="rect">
-            <a:avLst/>
-          </a:prstGeom>
-        </p:spPr>
-        <p:txBody>
-          <a:bodyPr/>
-          <a:lstStyle/>
-          <a:p>
-            <a:pPr marL="187157" indent="-187157">
-              <a:buSzPct val="100000"/>
-              <a:buAutoNum type="arabicPeriod" startAt="1"/>
-            </a:pPr>
-            <a:r>
-              <a:t>it depends on what kind of information you have, if its something the user will want to know or change.</a:t>
-            </a:r>
-          </a:p>
-          <a:p>
-            <a:pPr marL="187157" indent="-187157">
-              <a:buSzPct val="100000"/>
-              <a:buAutoNum type="arabicPeriod" startAt="1"/>
-            </a:pPr>
-            <a:r>
-              <a:t>This helps us manage complexity in our programs. people should only have to worry about what they </a:t>
-            </a:r>
-            <a:r>
-              <a:rPr b="1"/>
-              <a:t>have </a:t>
-            </a:r>
-            <a:r>
-              <a:t>to worry about!</a:t>
+          </a:p>
+          <a:p>
+            <a:pPr/>
+          </a:p>
+          <a:p>
+            <a:pPr/>
+            <a:r>
+              <a:t>if selection == 1:</a:t>
+            </a:r>
+          </a:p>
+          <a:p>
+            <a:pPr/>
+            <a:r>
+              <a:t>  food = (“Beef”)</a:t>
+            </a:r>
+          </a:p>
+          <a:p>
+            <a:pPr/>
+            <a:r>
+              <a:t>else if selection == 2:</a:t>
+            </a:r>
+          </a:p>
+          <a:p>
+            <a:pPr/>
+            <a:r>
+              <a:t>food = “chicken”</a:t>
+            </a:r>
+          </a:p>
+          <a:p>
+            <a:pPr/>
+            <a:r>
+              <a:t> etc.</a:t>
+            </a:r>
+          </a:p>
+          <a:p>
+            <a:pPr/>
+          </a:p>
+          <a:p>
+            <a:pPr/>
+            <a:r>
+              <a:t>else:</a:t>
+            </a:r>
+          </a:p>
+          <a:p>
+            <a:pPr/>
+            <a:r>
+              <a:t>  food =  fish</a:t>
+            </a:r>
+          </a:p>
+          <a:p>
+            <a:pPr/>
+            <a:r>
+              <a:t>if rsvp:</a:t>
+            </a:r>
+          </a:p>
+          <a:p>
+            <a:pPr/>
+            <a:r>
+              <a:t>   option1  = “THanks for attending. You will be served” + food;</a:t>
+            </a:r>
+          </a:p>
+          <a:p>
+            <a:pPr/>
+            <a:r>
+              <a:t>else:</a:t>
+            </a:r>
+          </a:p>
+          <a:p>
+            <a:pPr/>
+            <a:r>
+              <a:t>“Sorry you can’t make it</a:t>
+            </a:r>
+          </a:p>
+          <a:p>
+            <a:pPr/>
+            <a:r>
+              <a:t> </a:t>
             </a:r>
           </a:p>
         </p:txBody>
@@ -1013,7 +973,7 @@
         <p:spPr>
           <a:xfrm>
             <a:off x="425197" y="415650"/>
-            <a:ext cx="183302" cy="1"/>
+            <a:ext cx="183304" cy="1"/>
           </a:xfrm>
           <a:prstGeom prst="line">
             <a:avLst/>
@@ -1092,7 +1052,7 @@
         <p:txBody>
           <a:bodyPr anchor="b"/>
           <a:lstStyle>
-            <a:lvl1pPr marL="228600" indent="-114300" algn="l">
+            <a:lvl1pPr marL="0" indent="114300" algn="l">
               <a:lnSpc>
                 <a:spcPct val="100000"/>
               </a:lnSpc>
@@ -1106,7 +1066,7 @@
                 </a:solidFill>
               </a:defRPr>
             </a:lvl1pPr>
-            <a:lvl2pPr marL="228600" indent="114300" algn="l">
+            <a:lvl2pPr marL="0" indent="114300" algn="l">
               <a:lnSpc>
                 <a:spcPct val="100000"/>
               </a:lnSpc>
@@ -1120,7 +1080,7 @@
                 </a:solidFill>
               </a:defRPr>
             </a:lvl2pPr>
-            <a:lvl3pPr marL="228600" indent="114300" algn="l">
+            <a:lvl3pPr marL="0" indent="114300" algn="l">
               <a:lnSpc>
                 <a:spcPct val="100000"/>
               </a:lnSpc>
@@ -1134,7 +1094,7 @@
                 </a:solidFill>
               </a:defRPr>
             </a:lvl3pPr>
-            <a:lvl4pPr marL="228600" indent="114300" algn="l">
+            <a:lvl4pPr marL="0" indent="114300" algn="l">
               <a:lnSpc>
                 <a:spcPct val="100000"/>
               </a:lnSpc>
@@ -1148,7 +1108,7 @@
                 </a:solidFill>
               </a:defRPr>
             </a:lvl4pPr>
-            <a:lvl5pPr marL="228600" indent="114300" algn="l">
+            <a:lvl5pPr marL="0" indent="114300" algn="l">
               <a:lnSpc>
                 <a:spcPct val="100000"/>
               </a:lnSpc>
@@ -1282,7 +1242,7 @@
       </p:grpSpPr>
       <p:sp>
         <p:nvSpPr>
-          <p:cNvPr id="121" name="xx%"/>
+          <p:cNvPr id="122" name="xx%"/>
           <p:cNvSpPr txBox="1"/>
           <p:nvPr>
             <p:ph type="title" hasCustomPrompt="1"/>
@@ -1306,7 +1266,7 @@
       </p:sp>
       <p:sp>
         <p:nvSpPr>
-          <p:cNvPr id="122" name="Body Level One…"/>
+          <p:cNvPr id="123" name="Body Level One…"/>
           <p:cNvSpPr txBox="1"/>
           <p:nvPr>
             <p:ph type="body" sz="quarter" idx="1"/>
@@ -1354,7 +1314,7 @@
       </p:sp>
       <p:sp>
         <p:nvSpPr>
-          <p:cNvPr id="123" name="Slide Number"/>
+          <p:cNvPr id="124" name="Slide Number"/>
           <p:cNvSpPr txBox="1"/>
           <p:nvPr>
             <p:ph type="sldNum" sz="quarter" idx="2"/>
@@ -1402,7 +1362,7 @@
       </p:grpSpPr>
       <p:pic>
         <p:nvPicPr>
-          <p:cNvPr id="130" name="Google Shape;9;p1" descr="Google Shape;9;p1"/>
+          <p:cNvPr id="131" name="Google Shape;9;p1" descr="Google Shape;9;p1"/>
           <p:cNvPicPr>
             <a:picLocks noChangeAspect="1"/>
           </p:cNvPicPr>
@@ -1431,7 +1391,7 @@
       </p:pic>
       <p:sp>
         <p:nvSpPr>
-          <p:cNvPr id="131" name="Slide Number"/>
+          <p:cNvPr id="132" name="Slide Number"/>
           <p:cNvSpPr txBox="1"/>
           <p:nvPr>
             <p:ph type="sldNum" sz="quarter" idx="2"/>
@@ -1479,7 +1439,7 @@
       </p:grpSpPr>
       <p:pic>
         <p:nvPicPr>
-          <p:cNvPr id="138" name="Google Shape;9;p1" descr="Google Shape;9;p1"/>
+          <p:cNvPr id="139" name="Google Shape;9;p1" descr="Google Shape;9;p1"/>
           <p:cNvPicPr>
             <a:picLocks noChangeAspect="1"/>
           </p:cNvPicPr>
@@ -1508,7 +1468,7 @@
       </p:pic>
       <p:sp>
         <p:nvSpPr>
-          <p:cNvPr id="139" name="Google Shape;24;p4"/>
+          <p:cNvPr id="140" name="Google Shape;24;p4"/>
           <p:cNvSpPr/>
           <p:nvPr/>
         </p:nvSpPr>
@@ -1530,20 +1490,13 @@
           <a:bodyPr lIns="45718" tIns="45718" rIns="45718" bIns="45718"/>
           <a:lstStyle/>
           <a:p>
-            <a:pPr>
-              <a:defRPr>
-                <a:latin typeface="+mn-lt"/>
-                <a:ea typeface="+mn-ea"/>
-                <a:cs typeface="+mn-cs"/>
-                <a:sym typeface="Arial"/>
-              </a:defRPr>
-            </a:pPr>
-          </a:p>
-        </p:txBody>
-      </p:sp>
-      <p:sp>
-        <p:nvSpPr>
-          <p:cNvPr id="140" name="Google Shape;25;p4"/>
+            <a:pPr/>
+          </a:p>
+        </p:txBody>
+      </p:sp>
+      <p:sp>
+        <p:nvSpPr>
+          <p:cNvPr id="141" name="Google Shape;25;p4"/>
           <p:cNvSpPr/>
           <p:nvPr/>
         </p:nvSpPr>
@@ -1565,27 +1518,20 @@
           <a:bodyPr lIns="45718" tIns="45718" rIns="45718" bIns="45718"/>
           <a:lstStyle/>
           <a:p>
-            <a:pPr>
-              <a:defRPr>
-                <a:latin typeface="+mn-lt"/>
-                <a:ea typeface="+mn-ea"/>
-                <a:cs typeface="+mn-cs"/>
-                <a:sym typeface="Arial"/>
-              </a:defRPr>
-            </a:pPr>
-          </a:p>
-        </p:txBody>
-      </p:sp>
-      <p:sp>
-        <p:nvSpPr>
-          <p:cNvPr id="141" name="Google Shape;26;p4"/>
+            <a:pPr/>
+          </a:p>
+        </p:txBody>
+      </p:sp>
+      <p:sp>
+        <p:nvSpPr>
+          <p:cNvPr id="142" name="Google Shape;26;p4"/>
           <p:cNvSpPr/>
           <p:nvPr/>
         </p:nvSpPr>
         <p:spPr>
           <a:xfrm>
             <a:off x="425197" y="415650"/>
-            <a:ext cx="183303" cy="1"/>
+            <a:ext cx="183305" cy="1"/>
           </a:xfrm>
           <a:prstGeom prst="line">
             <a:avLst/>
@@ -1600,20 +1546,13 @@
           <a:bodyPr lIns="45718" tIns="45718" rIns="45718" bIns="45718"/>
           <a:lstStyle/>
           <a:p>
-            <a:pPr>
-              <a:defRPr>
-                <a:latin typeface="+mn-lt"/>
-                <a:ea typeface="+mn-ea"/>
-                <a:cs typeface="+mn-cs"/>
-                <a:sym typeface="Arial"/>
-              </a:defRPr>
-            </a:pPr>
-          </a:p>
-        </p:txBody>
-      </p:sp>
-      <p:sp>
-        <p:nvSpPr>
-          <p:cNvPr id="142" name="Title Text"/>
+            <a:pPr/>
+          </a:p>
+        </p:txBody>
+      </p:sp>
+      <p:sp>
+        <p:nvSpPr>
+          <p:cNvPr id="143" name="Title Text"/>
           <p:cNvSpPr txBox="1"/>
           <p:nvPr>
             <p:ph type="title"/>
@@ -1629,7 +1568,7 @@
           </a:prstGeom>
         </p:spPr>
         <p:txBody>
-          <a:bodyPr lIns="91422" tIns="91422" rIns="91422" bIns="91422" anchor="t"/>
+          <a:bodyPr lIns="91421" tIns="91421" rIns="91421" bIns="91421" anchor="t"/>
           <a:lstStyle>
             <a:lvl1pPr algn="l">
               <a:defRPr sz="3000">
@@ -1653,7 +1592,7 @@
       </p:sp>
       <p:sp>
         <p:nvSpPr>
-          <p:cNvPr id="143" name="Body Level One…"/>
+          <p:cNvPr id="144" name="Body Level One…"/>
           <p:cNvSpPr txBox="1"/>
           <p:nvPr>
             <p:ph type="body" idx="1"/>
@@ -1662,17 +1601,17 @@
         <p:spPr>
           <a:xfrm>
             <a:off x="2410111" y="1595776"/>
-            <a:ext cx="6321603" cy="3002403"/>
-          </a:xfrm>
-          <a:prstGeom prst="rect">
-            <a:avLst/>
-          </a:prstGeom>
-        </p:spPr>
-        <p:txBody>
-          <a:bodyPr lIns="91422" tIns="91422" rIns="91422" bIns="91422"/>
+            <a:ext cx="6321603" cy="3002404"/>
+          </a:xfrm>
+          <a:prstGeom prst="rect">
+            <a:avLst/>
+          </a:prstGeom>
+        </p:spPr>
+        <p:txBody>
+          <a:bodyPr lIns="91421" tIns="91421" rIns="91421" bIns="91421"/>
           <a:lstStyle>
             <a:lvl1pPr algn="l"/>
-            <a:lvl2pPr indent="-408213" algn="l"/>
+            <a:lvl2pPr algn="l"/>
             <a:lvl3pPr algn="l"/>
             <a:lvl4pPr algn="l"/>
             <a:lvl5pPr algn="l"/>
@@ -1711,14 +1650,14 @@
       </p:sp>
       <p:sp>
         <p:nvSpPr>
-          <p:cNvPr id="144" name="Google Shape;30;p4"/>
+          <p:cNvPr id="145" name="Google Shape;30;p4"/>
           <p:cNvSpPr txBox="1"/>
           <p:nvPr/>
         </p:nvSpPr>
         <p:spPr>
           <a:xfrm>
             <a:off x="169150" y="4739999"/>
-            <a:ext cx="8552700" cy="398747"/>
+            <a:ext cx="8552700" cy="398743"/>
           </a:xfrm>
           <a:prstGeom prst="rect">
             <a:avLst/>
@@ -1733,7 +1672,7 @@
           </a:extLst>
         </p:spPr>
         <p:txBody>
-          <a:bodyPr lIns="91422" tIns="91422" rIns="91422" bIns="91422">
+          <a:bodyPr lIns="91421" tIns="91421" rIns="91421" bIns="91421">
             <a:spAutoFit/>
           </a:bodyPr>
           <a:lstStyle/>
@@ -1768,14 +1707,14 @@
       </p:sp>
       <p:sp>
         <p:nvSpPr>
-          <p:cNvPr id="145" name="Google Shape;31;p4"/>
+          <p:cNvPr id="146" name="Google Shape;31;p4"/>
           <p:cNvSpPr txBox="1"/>
           <p:nvPr/>
         </p:nvSpPr>
         <p:spPr>
           <a:xfrm>
-            <a:off x="7263947" y="6563"/>
-            <a:ext cx="5621103" cy="398747"/>
+            <a:off x="7263947" y="6561"/>
+            <a:ext cx="5621105" cy="398743"/>
           </a:xfrm>
           <a:prstGeom prst="rect">
             <a:avLst/>
@@ -1790,7 +1729,7 @@
           </a:extLst>
         </p:spPr>
         <p:txBody>
-          <a:bodyPr lIns="91422" tIns="91422" rIns="91422" bIns="91422">
+          <a:bodyPr lIns="91421" tIns="91421" rIns="91421" bIns="91421">
             <a:spAutoFit/>
           </a:bodyPr>
           <a:lstStyle>
@@ -1816,7 +1755,7 @@
       </p:sp>
       <p:sp>
         <p:nvSpPr>
-          <p:cNvPr id="146" name="Slide Number"/>
+          <p:cNvPr id="147" name="Slide Number"/>
           <p:cNvSpPr txBox="1"/>
           <p:nvPr>
             <p:ph type="sldNum" sz="quarter" idx="2"/>
@@ -1824,15 +1763,15 @@
         </p:nvSpPr>
         <p:spPr>
           <a:xfrm>
-            <a:off x="8709890" y="4717936"/>
-            <a:ext cx="336809" cy="335247"/>
-          </a:xfrm>
-          <a:prstGeom prst="rect">
-            <a:avLst/>
-          </a:prstGeom>
-        </p:spPr>
-        <p:txBody>
-          <a:bodyPr lIns="91422" tIns="91422" rIns="91422" bIns="91422"/>
+            <a:off x="8709894" y="4717938"/>
+            <a:ext cx="336805" cy="335243"/>
+          </a:xfrm>
+          <a:prstGeom prst="rect">
+            <a:avLst/>
+          </a:prstGeom>
+        </p:spPr>
+        <p:txBody>
+          <a:bodyPr lIns="91421" tIns="91421" rIns="91421" bIns="91421"/>
           <a:lstStyle/>
           <a:p>
             <a:pPr/>
@@ -1868,7 +1807,7 @@
       </p:grpSpPr>
       <p:pic>
         <p:nvPicPr>
-          <p:cNvPr id="153" name="Google Shape;9;p1" descr="Google Shape;9;p1"/>
+          <p:cNvPr id="154" name="Google Shape;9;p1" descr="Google Shape;9;p1"/>
           <p:cNvPicPr>
             <a:picLocks noChangeAspect="1"/>
           </p:cNvPicPr>
@@ -1897,7 +1836,7 @@
       </p:pic>
       <p:sp>
         <p:nvSpPr>
-          <p:cNvPr id="154" name="Google Shape;24;p4"/>
+          <p:cNvPr id="155" name="Google Shape;24;p4"/>
           <p:cNvSpPr/>
           <p:nvPr/>
         </p:nvSpPr>
@@ -1919,20 +1858,13 @@
           <a:bodyPr lIns="45718" tIns="45718" rIns="45718" bIns="45718"/>
           <a:lstStyle/>
           <a:p>
-            <a:pPr>
-              <a:defRPr>
-                <a:latin typeface="+mn-lt"/>
-                <a:ea typeface="+mn-ea"/>
-                <a:cs typeface="+mn-cs"/>
-                <a:sym typeface="Arial"/>
-              </a:defRPr>
-            </a:pPr>
-          </a:p>
-        </p:txBody>
-      </p:sp>
-      <p:sp>
-        <p:nvSpPr>
-          <p:cNvPr id="155" name="Google Shape;25;p4"/>
+            <a:pPr/>
+          </a:p>
+        </p:txBody>
+      </p:sp>
+      <p:sp>
+        <p:nvSpPr>
+          <p:cNvPr id="156" name="Google Shape;25;p4"/>
           <p:cNvSpPr/>
           <p:nvPr/>
         </p:nvSpPr>
@@ -1954,27 +1886,20 @@
           <a:bodyPr lIns="45718" tIns="45718" rIns="45718" bIns="45718"/>
           <a:lstStyle/>
           <a:p>
-            <a:pPr>
-              <a:defRPr>
-                <a:latin typeface="+mn-lt"/>
-                <a:ea typeface="+mn-ea"/>
-                <a:cs typeface="+mn-cs"/>
-                <a:sym typeface="Arial"/>
-              </a:defRPr>
-            </a:pPr>
-          </a:p>
-        </p:txBody>
-      </p:sp>
-      <p:sp>
-        <p:nvSpPr>
-          <p:cNvPr id="156" name="Google Shape;26;p4"/>
+            <a:pPr/>
+          </a:p>
+        </p:txBody>
+      </p:sp>
+      <p:sp>
+        <p:nvSpPr>
+          <p:cNvPr id="157" name="Google Shape;26;p4"/>
           <p:cNvSpPr/>
           <p:nvPr/>
         </p:nvSpPr>
         <p:spPr>
           <a:xfrm>
             <a:off x="425197" y="415650"/>
-            <a:ext cx="183304" cy="4"/>
+            <a:ext cx="183306" cy="6"/>
           </a:xfrm>
           <a:prstGeom prst="line">
             <a:avLst/>
@@ -1989,20 +1914,13 @@
           <a:bodyPr lIns="45718" tIns="45718" rIns="45718" bIns="45718"/>
           <a:lstStyle/>
           <a:p>
-            <a:pPr>
-              <a:defRPr>
-                <a:latin typeface="+mn-lt"/>
-                <a:ea typeface="+mn-ea"/>
-                <a:cs typeface="+mn-cs"/>
-                <a:sym typeface="Arial"/>
-              </a:defRPr>
-            </a:pPr>
-          </a:p>
-        </p:txBody>
-      </p:sp>
-      <p:sp>
-        <p:nvSpPr>
-          <p:cNvPr id="157" name="Title Text"/>
+            <a:pPr/>
+          </a:p>
+        </p:txBody>
+      </p:sp>
+      <p:sp>
+        <p:nvSpPr>
+          <p:cNvPr id="158" name="Title Text"/>
           <p:cNvSpPr txBox="1"/>
           <p:nvPr>
             <p:ph type="title"/>
@@ -2042,7 +1960,7 @@
       </p:sp>
       <p:sp>
         <p:nvSpPr>
-          <p:cNvPr id="158" name="Body Level One…"/>
+          <p:cNvPr id="159" name="Body Level One…"/>
           <p:cNvSpPr txBox="1"/>
           <p:nvPr>
             <p:ph type="body" idx="1"/>
@@ -2061,7 +1979,7 @@
           <a:bodyPr lIns="91421" tIns="91421" rIns="91421" bIns="91421"/>
           <a:lstStyle>
             <a:lvl1pPr algn="l"/>
-            <a:lvl2pPr indent="-408213" algn="l"/>
+            <a:lvl2pPr algn="l"/>
             <a:lvl3pPr algn="l"/>
             <a:lvl4pPr algn="l"/>
             <a:lvl5pPr algn="l"/>
@@ -2100,7 +2018,7 @@
       </p:sp>
       <p:sp>
         <p:nvSpPr>
-          <p:cNvPr id="159" name="Dr. O’Brien 9/23/21"/>
+          <p:cNvPr id="160" name="Dr. O’Brien 9/23/21"/>
           <p:cNvSpPr txBox="1"/>
           <p:nvPr/>
         </p:nvSpPr>
@@ -2125,7 +2043,16 @@
           <a:bodyPr wrap="none" lIns="0" tIns="0" rIns="0" bIns="0">
             <a:spAutoFit/>
           </a:bodyPr>
-          <a:lstStyle/>
+          <a:lstStyle>
+            <a:lvl1pPr>
+              <a:defRPr>
+                <a:latin typeface="+mn-lt"/>
+                <a:ea typeface="+mn-ea"/>
+                <a:cs typeface="+mn-cs"/>
+                <a:sym typeface="Helvetica"/>
+              </a:defRPr>
+            </a:lvl1pPr>
+          </a:lstStyle>
           <a:p>
             <a:pPr/>
             <a:r>
@@ -2136,7 +2063,7 @@
       </p:sp>
       <p:sp>
         <p:nvSpPr>
-          <p:cNvPr id="160" name="Slide Number"/>
+          <p:cNvPr id="161" name="Slide Number"/>
           <p:cNvSpPr txBox="1"/>
           <p:nvPr>
             <p:ph type="sldNum" sz="quarter" idx="2"/>
@@ -2144,8 +2071,8 @@
         </p:nvSpPr>
         <p:spPr>
           <a:xfrm>
-            <a:off x="8709893" y="4717937"/>
-            <a:ext cx="336807" cy="335245"/>
+            <a:off x="8709895" y="4717938"/>
+            <a:ext cx="336806" cy="335243"/>
           </a:xfrm>
           <a:prstGeom prst="rect">
             <a:avLst/>
@@ -2188,7 +2115,7 @@
       </p:grpSpPr>
       <p:pic>
         <p:nvPicPr>
-          <p:cNvPr id="167" name="Google Shape;9;p1" descr="Google Shape;9;p1"/>
+          <p:cNvPr id="168" name="Google Shape;9;p1" descr="Google Shape;9;p1"/>
           <p:cNvPicPr>
             <a:picLocks noChangeAspect="1"/>
           </p:cNvPicPr>
@@ -2217,7 +2144,7 @@
       </p:pic>
       <p:sp>
         <p:nvSpPr>
-          <p:cNvPr id="168" name="Google Shape;24;p4"/>
+          <p:cNvPr id="169" name="Google Shape;24;p4"/>
           <p:cNvSpPr/>
           <p:nvPr/>
         </p:nvSpPr>
@@ -2245,7 +2172,7 @@
       </p:sp>
       <p:sp>
         <p:nvSpPr>
-          <p:cNvPr id="169" name="Google Shape;25;p4"/>
+          <p:cNvPr id="170" name="Google Shape;25;p4"/>
           <p:cNvSpPr/>
           <p:nvPr/>
         </p:nvSpPr>
@@ -2273,14 +2200,14 @@
       </p:sp>
       <p:sp>
         <p:nvSpPr>
-          <p:cNvPr id="170" name="Google Shape;26;p4"/>
+          <p:cNvPr id="171" name="Google Shape;26;p4"/>
           <p:cNvSpPr/>
           <p:nvPr/>
         </p:nvSpPr>
         <p:spPr>
           <a:xfrm>
             <a:off x="425197" y="415650"/>
-            <a:ext cx="183302" cy="1"/>
+            <a:ext cx="183304" cy="1"/>
           </a:xfrm>
           <a:prstGeom prst="line">
             <a:avLst/>
@@ -2301,7 +2228,7 @@
       </p:sp>
       <p:sp>
         <p:nvSpPr>
-          <p:cNvPr id="171" name="Title Text"/>
+          <p:cNvPr id="172" name="Title Text"/>
           <p:cNvSpPr txBox="1"/>
           <p:nvPr>
             <p:ph type="title"/>
@@ -2310,7 +2237,7 @@
         <p:spPr>
           <a:xfrm>
             <a:off x="2400250" y="575950"/>
-            <a:ext cx="6321601" cy="635402"/>
+            <a:ext cx="6321601" cy="635403"/>
           </a:xfrm>
           <a:prstGeom prst="rect">
             <a:avLst/>
@@ -2341,7 +2268,7 @@
       </p:sp>
       <p:sp>
         <p:nvSpPr>
-          <p:cNvPr id="172" name="Body Level One…"/>
+          <p:cNvPr id="173" name="Body Level One…"/>
           <p:cNvSpPr txBox="1"/>
           <p:nvPr>
             <p:ph type="body" idx="1"/>
@@ -2350,7 +2277,7 @@
         <p:spPr>
           <a:xfrm>
             <a:off x="2410111" y="1595776"/>
-            <a:ext cx="6321603" cy="3002402"/>
+            <a:ext cx="6321603" cy="3002404"/>
           </a:xfrm>
           <a:prstGeom prst="rect">
             <a:avLst/>
@@ -2399,14 +2326,14 @@
       </p:sp>
       <p:sp>
         <p:nvSpPr>
-          <p:cNvPr id="173" name="Google Shape;30;p4"/>
+          <p:cNvPr id="174" name="Google Shape;30;p4"/>
           <p:cNvSpPr txBox="1"/>
           <p:nvPr/>
         </p:nvSpPr>
         <p:spPr>
           <a:xfrm>
-            <a:off x="159380" y="4629606"/>
-            <a:ext cx="8552701" cy="398749"/>
+            <a:off x="159379" y="4629606"/>
+            <a:ext cx="8552703" cy="398745"/>
           </a:xfrm>
           <a:prstGeom prst="rect">
             <a:avLst/>
@@ -2421,7 +2348,7 @@
           </a:extLst>
         </p:spPr>
         <p:txBody>
-          <a:bodyPr lIns="91423" tIns="91423" rIns="91423" bIns="91423">
+          <a:bodyPr lIns="91421" tIns="91421" rIns="91421" bIns="91421">
             <a:spAutoFit/>
           </a:bodyPr>
           <a:lstStyle/>
@@ -2442,17 +2369,10 @@
             </a:r>
             <a:r>
               <a:rPr b="0"/>
-              <a:t>AP CS A</a:t>
-            </a:r>
-            <a:r>
-              <a:rPr b="0"/>
-              <a:t> </a:t>
-            </a:r>
-            <a:r>
-              <a:t>g</a:t>
-            </a:r>
-            <a:r>
-              <a:t>oal: </a:t>
+              <a:t>AP CS A </a:t>
+            </a:r>
+            <a:r>
+              <a:t>goal: </a:t>
             </a:r>
             <a:r>
               <a:rPr b="0"/>
@@ -2463,14 +2383,14 @@
       </p:sp>
       <p:sp>
         <p:nvSpPr>
-          <p:cNvPr id="174" name="Google Shape;31;p4"/>
+          <p:cNvPr id="175" name="Google Shape;31;p4"/>
           <p:cNvSpPr txBox="1"/>
           <p:nvPr/>
         </p:nvSpPr>
         <p:spPr>
           <a:xfrm>
-            <a:off x="7263947" y="6563"/>
-            <a:ext cx="5621102" cy="398748"/>
+            <a:off x="7263947" y="6562"/>
+            <a:ext cx="5621104" cy="398745"/>
           </a:xfrm>
           <a:prstGeom prst="rect">
             <a:avLst/>
@@ -2485,7 +2405,7 @@
           </a:extLst>
         </p:spPr>
         <p:txBody>
-          <a:bodyPr lIns="91423" tIns="91423" rIns="91423" bIns="91423">
+          <a:bodyPr lIns="91421" tIns="91421" rIns="91421" bIns="91421">
             <a:spAutoFit/>
           </a:bodyPr>
           <a:lstStyle>
@@ -2511,7 +2431,368 @@
       </p:sp>
       <p:sp>
         <p:nvSpPr>
-          <p:cNvPr id="175" name="Slide Number"/>
+          <p:cNvPr id="176" name="Slide Number"/>
+          <p:cNvSpPr txBox="1"/>
+          <p:nvPr>
+            <p:ph type="sldNum" sz="quarter" idx="2"/>
+          </p:nvPr>
+        </p:nvSpPr>
+        <p:spPr>
+          <a:prstGeom prst="rect">
+            <a:avLst/>
+          </a:prstGeom>
+        </p:spPr>
+        <p:txBody>
+          <a:bodyPr/>
+          <a:lstStyle/>
+          <a:p>
+            <a:pPr/>
+            <a:fld id="{86CB4B4D-7CA3-9044-876B-883B54F8677D}" type="slidenum"/>
+          </a:p>
+        </p:txBody>
+      </p:sp>
+    </p:spTree>
+  </p:cSld>
+  <p:clrMapOvr>
+    <a:masterClrMapping/>
+  </p:clrMapOvr>
+  <p:transition xmlns:p14="http://schemas.microsoft.com/office/powerpoint/2010/main" spd="med" advClick="1"/>
+</p:sldLayout>
+</file>
+
+<file path=ppt/slideLayouts/slideLayout15.xml><?xml version="1.0" encoding="utf-8"?>
+<p:sldLayout xmlns:a="http://schemas.openxmlformats.org/drawingml/2006/main" xmlns:r="http://schemas.openxmlformats.org/officeDocument/2006/relationships" xmlns:p="http://schemas.openxmlformats.org/presentationml/2006/main" xmlns:m="http://schemas.openxmlformats.org/officeDocument/2006/math" xmlns:a14="http://schemas.microsoft.com/office/drawing/2010/main" type="tx" showMasterSp="0" showMasterPhAnim="1">
+  <p:cSld name="TITLE_AND_BODY">
+    <p:spTree>
+      <p:nvGrpSpPr>
+        <p:cNvPr id="1" name=""/>
+        <p:cNvGrpSpPr/>
+        <p:nvPr/>
+      </p:nvGrpSpPr>
+      <p:grpSpPr>
+        <a:xfrm>
+          <a:off x="0" y="0"/>
+          <a:ext cx="0" cy="0"/>
+          <a:chOff x="0" y="0"/>
+          <a:chExt cx="0" cy="0"/>
+        </a:xfrm>
+      </p:grpSpPr>
+      <p:pic>
+        <p:nvPicPr>
+          <p:cNvPr id="183" name="Google Shape;9;p1" descr="Google Shape;9;p1"/>
+          <p:cNvPicPr>
+            <a:picLocks noChangeAspect="1"/>
+          </p:cNvPicPr>
+          <p:nvPr/>
+        </p:nvPicPr>
+        <p:blipFill>
+          <a:blip r:embed="rId2">
+            <a:extLst/>
+          </a:blip>
+          <a:stretch>
+            <a:fillRect/>
+          </a:stretch>
+        </p:blipFill>
+        <p:spPr>
+          <a:xfrm>
+            <a:off x="0" y="0"/>
+            <a:ext cx="1241700" cy="1241700"/>
+          </a:xfrm>
+          <a:prstGeom prst="rect">
+            <a:avLst/>
+          </a:prstGeom>
+          <a:ln w="12700">
+            <a:miter lim="400000"/>
+          </a:ln>
+        </p:spPr>
+      </p:pic>
+      <p:sp>
+        <p:nvSpPr>
+          <p:cNvPr id="184" name="Google Shape;24;p4"/>
+          <p:cNvSpPr/>
+          <p:nvPr/>
+        </p:nvSpPr>
+        <p:spPr>
+          <a:xfrm>
+            <a:off x="2477722" y="415650"/>
+            <a:ext cx="6244203" cy="1"/>
+          </a:xfrm>
+          <a:prstGeom prst="line">
+            <a:avLst/>
+          </a:prstGeom>
+          <a:ln w="38100">
+            <a:solidFill>
+              <a:srgbClr val="000000"/>
+            </a:solidFill>
+          </a:ln>
+        </p:spPr>
+        <p:txBody>
+          <a:bodyPr lIns="45718" tIns="45718" rIns="45718" bIns="45718"/>
+          <a:lstStyle/>
+          <a:p>
+            <a:pPr/>
+          </a:p>
+        </p:txBody>
+      </p:sp>
+      <p:sp>
+        <p:nvSpPr>
+          <p:cNvPr id="185" name="Google Shape;25;p4"/>
+          <p:cNvSpPr/>
+          <p:nvPr/>
+        </p:nvSpPr>
+        <p:spPr>
+          <a:xfrm>
+            <a:off x="2477722" y="4739999"/>
+            <a:ext cx="6244203" cy="1"/>
+          </a:xfrm>
+          <a:prstGeom prst="line">
+            <a:avLst/>
+          </a:prstGeom>
+          <a:ln w="19050">
+            <a:solidFill>
+              <a:srgbClr val="000000"/>
+            </a:solidFill>
+          </a:ln>
+        </p:spPr>
+        <p:txBody>
+          <a:bodyPr lIns="45718" tIns="45718" rIns="45718" bIns="45718"/>
+          <a:lstStyle/>
+          <a:p>
+            <a:pPr/>
+          </a:p>
+        </p:txBody>
+      </p:sp>
+      <p:sp>
+        <p:nvSpPr>
+          <p:cNvPr id="186" name="Google Shape;26;p4"/>
+          <p:cNvSpPr/>
+          <p:nvPr/>
+        </p:nvSpPr>
+        <p:spPr>
+          <a:xfrm>
+            <a:off x="425197" y="415650"/>
+            <a:ext cx="183304" cy="1"/>
+          </a:xfrm>
+          <a:prstGeom prst="line">
+            <a:avLst/>
+          </a:prstGeom>
+          <a:ln w="19050">
+            <a:solidFill>
+              <a:srgbClr val="000000"/>
+            </a:solidFill>
+          </a:ln>
+        </p:spPr>
+        <p:txBody>
+          <a:bodyPr lIns="45718" tIns="45718" rIns="45718" bIns="45718"/>
+          <a:lstStyle/>
+          <a:p>
+            <a:pPr/>
+          </a:p>
+        </p:txBody>
+      </p:sp>
+      <p:sp>
+        <p:nvSpPr>
+          <p:cNvPr id="187" name="Title Text"/>
+          <p:cNvSpPr txBox="1"/>
+          <p:nvPr>
+            <p:ph type="title"/>
+          </p:nvPr>
+        </p:nvSpPr>
+        <p:spPr>
+          <a:xfrm>
+            <a:off x="2400250" y="575950"/>
+            <a:ext cx="6321601" cy="635403"/>
+          </a:xfrm>
+          <a:prstGeom prst="rect">
+            <a:avLst/>
+          </a:prstGeom>
+        </p:spPr>
+        <p:txBody>
+          <a:bodyPr anchor="t"/>
+          <a:lstStyle>
+            <a:lvl1pPr algn="l">
+              <a:defRPr sz="3000">
+                <a:solidFill>
+                  <a:srgbClr val="000000"/>
+                </a:solidFill>
+                <a:latin typeface="Raleway"/>
+                <a:ea typeface="Raleway"/>
+                <a:cs typeface="Raleway"/>
+                <a:sym typeface="Raleway"/>
+              </a:defRPr>
+            </a:lvl1pPr>
+          </a:lstStyle>
+          <a:p>
+            <a:pPr/>
+            <a:r>
+              <a:t>Title Text</a:t>
+            </a:r>
+          </a:p>
+        </p:txBody>
+      </p:sp>
+      <p:sp>
+        <p:nvSpPr>
+          <p:cNvPr id="188" name="Body Level One…"/>
+          <p:cNvSpPr txBox="1"/>
+          <p:nvPr>
+            <p:ph type="body" idx="1"/>
+          </p:nvPr>
+        </p:nvSpPr>
+        <p:spPr>
+          <a:xfrm>
+            <a:off x="2410111" y="1595776"/>
+            <a:ext cx="6321603" cy="3002404"/>
+          </a:xfrm>
+          <a:prstGeom prst="rect">
+            <a:avLst/>
+          </a:prstGeom>
+        </p:spPr>
+        <p:txBody>
+          <a:bodyPr/>
+          <a:lstStyle>
+            <a:lvl1pPr algn="l"/>
+            <a:lvl2pPr algn="l"/>
+            <a:lvl3pPr algn="l"/>
+            <a:lvl4pPr algn="l"/>
+            <a:lvl5pPr algn="l"/>
+          </a:lstStyle>
+          <a:p>
+            <a:pPr/>
+            <a:r>
+              <a:t>Body Level One</a:t>
+            </a:r>
+          </a:p>
+          <a:p>
+            <a:pPr lvl="1"/>
+            <a:r>
+              <a:t>Body Level Two</a:t>
+            </a:r>
+          </a:p>
+          <a:p>
+            <a:pPr lvl="2"/>
+            <a:r>
+              <a:t>Body Level Three</a:t>
+            </a:r>
+          </a:p>
+          <a:p>
+            <a:pPr lvl="3"/>
+            <a:r>
+              <a:t>Body Level Four</a:t>
+            </a:r>
+          </a:p>
+          <a:p>
+            <a:pPr lvl="4"/>
+            <a:r>
+              <a:t>Body Level Five</a:t>
+            </a:r>
+          </a:p>
+        </p:txBody>
+      </p:sp>
+      <p:sp>
+        <p:nvSpPr>
+          <p:cNvPr id="189" name="Google Shape;30;p4"/>
+          <p:cNvSpPr txBox="1"/>
+          <p:nvPr/>
+        </p:nvSpPr>
+        <p:spPr>
+          <a:xfrm>
+            <a:off x="159379" y="4629606"/>
+            <a:ext cx="8552703" cy="398745"/>
+          </a:xfrm>
+          <a:prstGeom prst="rect">
+            <a:avLst/>
+          </a:prstGeom>
+          <a:ln w="12700">
+            <a:miter lim="400000"/>
+          </a:ln>
+          <a:extLst>
+            <a:ext uri="{C572A759-6A51-4108-AA02-DFA0A04FC94B}">
+              <ma14:wrappingTextBoxFlag xmlns:ma14="http://schemas.microsoft.com/office/mac/drawingml/2011/main" val="1"/>
+            </a:ext>
+          </a:extLst>
+        </p:spPr>
+        <p:txBody>
+          <a:bodyPr lIns="91421" tIns="91421" rIns="91421" bIns="91421">
+            <a:spAutoFit/>
+          </a:bodyPr>
+          <a:lstStyle/>
+          <a:p>
+            <a:pPr>
+              <a:defRPr b="1">
+                <a:solidFill>
+                  <a:srgbClr val="000000"/>
+                </a:solidFill>
+                <a:latin typeface="Lato"/>
+                <a:ea typeface="Lato"/>
+                <a:cs typeface="Lato"/>
+                <a:sym typeface="Lato"/>
+              </a:defRPr>
+            </a:pPr>
+            <a:r>
+              <a:t>class: </a:t>
+            </a:r>
+            <a:r>
+              <a:rPr b="0"/>
+              <a:t>AP CS A </a:t>
+            </a:r>
+            <a:r>
+              <a:t>goal: </a:t>
+            </a:r>
+            <a:r>
+              <a:rPr b="0"/>
+              <a:t>HDW use recursion to solve computational problems?</a:t>
+            </a:r>
+          </a:p>
+        </p:txBody>
+      </p:sp>
+      <p:sp>
+        <p:nvSpPr>
+          <p:cNvPr id="190" name="Dr. O’Brien. 3/1/22"/>
+          <p:cNvSpPr txBox="1"/>
+          <p:nvPr/>
+        </p:nvSpPr>
+        <p:spPr>
+          <a:xfrm>
+            <a:off x="7260108" y="39450"/>
+            <a:ext cx="1574267" cy="215901"/>
+          </a:xfrm>
+          <a:prstGeom prst="rect">
+            <a:avLst/>
+          </a:prstGeom>
+          <a:ln w="12700">
+            <a:miter lim="400000"/>
+          </a:ln>
+          <a:extLst>
+            <a:ext uri="{C572A759-6A51-4108-AA02-DFA0A04FC94B}">
+              <ma14:wrappingTextBoxFlag xmlns:ma14="http://schemas.microsoft.com/office/mac/drawingml/2011/main" val="1"/>
+            </a:ext>
+          </a:extLst>
+        </p:spPr>
+        <p:txBody>
+          <a:bodyPr wrap="none" lIns="0" tIns="0" rIns="0" bIns="0">
+            <a:spAutoFit/>
+          </a:bodyPr>
+          <a:lstStyle>
+            <a:lvl1pPr>
+              <a:defRPr>
+                <a:latin typeface="+mn-lt"/>
+                <a:ea typeface="+mn-ea"/>
+                <a:cs typeface="+mn-cs"/>
+                <a:sym typeface="Helvetica"/>
+              </a:defRPr>
+            </a:lvl1pPr>
+          </a:lstStyle>
+          <a:p>
+            <a:pPr/>
+            <a:r>
+              <a:t>Dr. O’Brien. 3/29/22</a:t>
+            </a:r>
+          </a:p>
+        </p:txBody>
+      </p:sp>
+      <p:sp>
+        <p:nvSpPr>
+          <p:cNvPr id="191" name="Slide Number"/>
           <p:cNvSpPr txBox="1"/>
           <p:nvPr>
             <p:ph type="sldNum" sz="quarter" idx="2"/>
@@ -2660,7 +2941,7 @@
         <p:spPr>
           <a:xfrm>
             <a:off x="406423" y="1806824"/>
-            <a:ext cx="8296803" cy="1542002"/>
+            <a:ext cx="8296803" cy="1542003"/>
           </a:xfrm>
           <a:prstGeom prst="rect">
             <a:avLst/>
@@ -2839,7 +3120,7 @@
         <p:spPr>
           <a:xfrm>
             <a:off x="425197" y="415650"/>
-            <a:ext cx="183302" cy="1"/>
+            <a:ext cx="183304" cy="1"/>
           </a:xfrm>
           <a:prstGeom prst="line">
             <a:avLst/>
@@ -2869,7 +3150,7 @@
         <p:spPr>
           <a:xfrm>
             <a:off x="2400250" y="575950"/>
-            <a:ext cx="6321601" cy="635402"/>
+            <a:ext cx="6321601" cy="635403"/>
           </a:xfrm>
           <a:prstGeom prst="rect">
             <a:avLst/>
@@ -2909,7 +3190,7 @@
         <p:spPr>
           <a:xfrm>
             <a:off x="2410111" y="1595776"/>
-            <a:ext cx="6321603" cy="3002402"/>
+            <a:ext cx="6321603" cy="3002404"/>
           </a:xfrm>
           <a:prstGeom prst="rect">
             <a:avLst/>
@@ -2964,8 +3245,8 @@
         </p:nvSpPr>
         <p:spPr>
           <a:xfrm>
-            <a:off x="159380" y="4629606"/>
-            <a:ext cx="8552701" cy="576549"/>
+            <a:off x="159379" y="4629606"/>
+            <a:ext cx="8552703" cy="398745"/>
           </a:xfrm>
           <a:prstGeom prst="rect">
             <a:avLst/>
@@ -2980,7 +3261,7 @@
           </a:extLst>
         </p:spPr>
         <p:txBody>
-          <a:bodyPr lIns="91423" tIns="91423" rIns="91423" bIns="91423">
+          <a:bodyPr lIns="91421" tIns="91421" rIns="91421" bIns="91421">
             <a:spAutoFit/>
           </a:bodyPr>
           <a:lstStyle/>
@@ -3001,29 +3282,66 @@
             </a:r>
             <a:r>
               <a:rPr b="0"/>
-              <a:t>AP CS A</a:t>
+              <a:t>AP CS A </a:t>
+            </a:r>
+            <a:r>
+              <a:t>goal: </a:t>
             </a:r>
             <a:r>
               <a:rPr b="0"/>
-              <a:t> </a:t>
-            </a:r>
-            <a:r>
-              <a:t>g</a:t>
-            </a:r>
-            <a:r>
-              <a:t>oal: </a:t>
-            </a:r>
-            <a:r>
-              <a:rPr b="0"/>
-              <a:t>HDW use informal run-time comparison to analyze algorithmic efficiency?</a:t>
-            </a:r>
-            <a:endParaRPr b="0" sz="1200"/>
-          </a:p>
-        </p:txBody>
-      </p:sp>
-      <p:sp>
-        <p:nvSpPr>
-          <p:cNvPr id="46" name="Slide Number"/>
+              <a:t>Reviewing the AP study guide</a:t>
+            </a:r>
+          </a:p>
+        </p:txBody>
+      </p:sp>
+      <p:sp>
+        <p:nvSpPr>
+          <p:cNvPr id="46" name="Dr. O’Brien. 3/1/22"/>
+          <p:cNvSpPr txBox="1"/>
+          <p:nvPr/>
+        </p:nvSpPr>
+        <p:spPr>
+          <a:xfrm>
+            <a:off x="7260108" y="39450"/>
+            <a:ext cx="1574267" cy="215901"/>
+          </a:xfrm>
+          <a:prstGeom prst="rect">
+            <a:avLst/>
+          </a:prstGeom>
+          <a:ln w="12700">
+            <a:miter lim="400000"/>
+          </a:ln>
+          <a:extLst>
+            <a:ext uri="{C572A759-6A51-4108-AA02-DFA0A04FC94B}">
+              <ma14:wrappingTextBoxFlag xmlns:ma14="http://schemas.microsoft.com/office/mac/drawingml/2011/main" val="1"/>
+            </a:ext>
+          </a:extLst>
+        </p:spPr>
+        <p:txBody>
+          <a:bodyPr wrap="none" lIns="0" tIns="0" rIns="0" bIns="0">
+            <a:spAutoFit/>
+          </a:bodyPr>
+          <a:lstStyle>
+            <a:lvl1pPr>
+              <a:defRPr>
+                <a:latin typeface="+mn-lt"/>
+                <a:ea typeface="+mn-ea"/>
+                <a:cs typeface="+mn-cs"/>
+                <a:sym typeface="Helvetica"/>
+              </a:defRPr>
+            </a:lvl1pPr>
+          </a:lstStyle>
+          <a:p>
+            <a:pPr/>
+            <a:r>
+              <a:t>Dr. O’Brien. 4/26/22</a:t>
+            </a:r>
+          </a:p>
+        </p:txBody>
+      </p:sp>
+      <p:sp>
+        <p:nvSpPr>
+          <p:cNvPr id="47" name="Slide Number"/>
           <p:cNvSpPr txBox="1"/>
           <p:nvPr>
             <p:ph type="sldNum" sz="quarter" idx="2"/>
@@ -3071,7 +3389,7 @@
       </p:grpSpPr>
       <p:pic>
         <p:nvPicPr>
-          <p:cNvPr id="53" name="Google Shape;9;p1" descr="Google Shape;9;p1"/>
+          <p:cNvPr id="54" name="Google Shape;9;p1" descr="Google Shape;9;p1"/>
           <p:cNvPicPr>
             <a:picLocks noChangeAspect="1"/>
           </p:cNvPicPr>
@@ -3100,7 +3418,7 @@
       </p:pic>
       <p:sp>
         <p:nvSpPr>
-          <p:cNvPr id="54" name="Google Shape;33;p5"/>
+          <p:cNvPr id="55" name="Google Shape;33;p5"/>
           <p:cNvSpPr/>
           <p:nvPr/>
         </p:nvSpPr>
@@ -3128,7 +3446,7 @@
       </p:sp>
       <p:sp>
         <p:nvSpPr>
-          <p:cNvPr id="55" name="Google Shape;34;p5"/>
+          <p:cNvPr id="56" name="Google Shape;34;p5"/>
           <p:cNvSpPr/>
           <p:nvPr/>
         </p:nvSpPr>
@@ -3156,14 +3474,14 @@
       </p:sp>
       <p:sp>
         <p:nvSpPr>
-          <p:cNvPr id="56" name="Google Shape;35;p5"/>
+          <p:cNvPr id="57" name="Google Shape;35;p5"/>
           <p:cNvSpPr/>
           <p:nvPr/>
         </p:nvSpPr>
         <p:spPr>
           <a:xfrm>
             <a:off x="425197" y="415650"/>
-            <a:ext cx="183302" cy="1"/>
+            <a:ext cx="183304" cy="1"/>
           </a:xfrm>
           <a:prstGeom prst="line">
             <a:avLst/>
@@ -3184,7 +3502,7 @@
       </p:sp>
       <p:sp>
         <p:nvSpPr>
-          <p:cNvPr id="57" name="Title Text"/>
+          <p:cNvPr id="58" name="Title Text"/>
           <p:cNvSpPr txBox="1"/>
           <p:nvPr>
             <p:ph type="title"/>
@@ -3193,7 +3511,7 @@
         <p:spPr>
           <a:xfrm>
             <a:off x="2400250" y="575950"/>
-            <a:ext cx="6321601" cy="635402"/>
+            <a:ext cx="6321601" cy="635403"/>
           </a:xfrm>
           <a:prstGeom prst="rect">
             <a:avLst/>
@@ -3224,7 +3542,7 @@
       </p:sp>
       <p:sp>
         <p:nvSpPr>
-          <p:cNvPr id="58" name="Body Level One…"/>
+          <p:cNvPr id="59" name="Body Level One…"/>
           <p:cNvSpPr txBox="1"/>
           <p:nvPr>
             <p:ph type="body" sz="quarter" idx="1"/>
@@ -3232,8 +3550,8 @@
         </p:nvSpPr>
         <p:spPr>
           <a:xfrm>
-            <a:off x="2400301" y="1602675"/>
-            <a:ext cx="3071403" cy="3002402"/>
+            <a:off x="2400300" y="1602675"/>
+            <a:ext cx="3071404" cy="3002404"/>
           </a:xfrm>
           <a:prstGeom prst="rect">
             <a:avLst/>
@@ -3297,7 +3615,7 @@
       </p:sp>
       <p:sp>
         <p:nvSpPr>
-          <p:cNvPr id="59" name="Google Shape;38;p5"/>
+          <p:cNvPr id="60" name="Google Shape;38;p5"/>
           <p:cNvSpPr txBox="1"/>
           <p:nvPr>
             <p:ph type="body" sz="quarter" idx="21"/>
@@ -3306,7 +3624,7 @@
         <p:spPr>
           <a:xfrm>
             <a:off x="5650572" y="1602675"/>
-            <a:ext cx="3071402" cy="3002402"/>
+            <a:ext cx="3071404" cy="3002404"/>
           </a:xfrm>
           <a:prstGeom prst="rect">
             <a:avLst/>
@@ -3316,13 +3634,13 @@
           <a:bodyPr/>
           <a:lstStyle/>
           <a:p>
-            <a:pPr algn="l"/>
-          </a:p>
-        </p:txBody>
-      </p:sp>
-      <p:sp>
-        <p:nvSpPr>
-          <p:cNvPr id="60" name="Slide Number"/>
+            <a:pPr/>
+          </a:p>
+        </p:txBody>
+      </p:sp>
+      <p:sp>
+        <p:nvSpPr>
+          <p:cNvPr id="61" name="Slide Number"/>
           <p:cNvSpPr txBox="1"/>
           <p:nvPr>
             <p:ph type="sldNum" sz="quarter" idx="2"/>
@@ -3370,7 +3688,7 @@
       </p:grpSpPr>
       <p:pic>
         <p:nvPicPr>
-          <p:cNvPr id="67" name="Google Shape;9;p1" descr="Google Shape;9;p1"/>
+          <p:cNvPr id="68" name="Google Shape;9;p1" descr="Google Shape;9;p1"/>
           <p:cNvPicPr>
             <a:picLocks noChangeAspect="1"/>
           </p:cNvPicPr>
@@ -3399,7 +3717,7 @@
       </p:pic>
       <p:sp>
         <p:nvSpPr>
-          <p:cNvPr id="68" name="Title Text"/>
+          <p:cNvPr id="69" name="Title Text"/>
           <p:cNvSpPr txBox="1"/>
           <p:nvPr>
             <p:ph type="title"/>
@@ -3408,7 +3726,7 @@
         <p:spPr>
           <a:xfrm>
             <a:off x="303299" y="411575"/>
-            <a:ext cx="8520602" cy="639602"/>
+            <a:ext cx="8520602" cy="639604"/>
           </a:xfrm>
           <a:prstGeom prst="rect">
             <a:avLst/>
@@ -3439,7 +3757,7 @@
       </p:sp>
       <p:sp>
         <p:nvSpPr>
-          <p:cNvPr id="69" name="Slide Number"/>
+          <p:cNvPr id="70" name="Slide Number"/>
           <p:cNvSpPr txBox="1"/>
           <p:nvPr>
             <p:ph type="sldNum" sz="quarter" idx="2"/>
@@ -3487,7 +3805,7 @@
       </p:grpSpPr>
       <p:pic>
         <p:nvPicPr>
-          <p:cNvPr id="76" name="Google Shape;9;p1" descr="Google Shape;9;p1"/>
+          <p:cNvPr id="77" name="Google Shape;9;p1" descr="Google Shape;9;p1"/>
           <p:cNvPicPr>
             <a:picLocks noChangeAspect="1"/>
           </p:cNvPicPr>
@@ -3516,14 +3834,14 @@
       </p:pic>
       <p:sp>
         <p:nvSpPr>
-          <p:cNvPr id="77" name="Google Shape;44;p7"/>
+          <p:cNvPr id="78" name="Google Shape;44;p7"/>
           <p:cNvSpPr/>
           <p:nvPr/>
         </p:nvSpPr>
         <p:spPr>
           <a:xfrm>
             <a:off x="425197" y="415650"/>
-            <a:ext cx="183302" cy="1"/>
+            <a:ext cx="183304" cy="1"/>
           </a:xfrm>
           <a:prstGeom prst="line">
             <a:avLst/>
@@ -3544,7 +3862,7 @@
       </p:sp>
       <p:sp>
         <p:nvSpPr>
-          <p:cNvPr id="78" name="Title Text"/>
+          <p:cNvPr id="79" name="Title Text"/>
           <p:cNvSpPr txBox="1"/>
           <p:nvPr>
             <p:ph type="title"/>
@@ -3553,7 +3871,7 @@
         <p:spPr>
           <a:xfrm>
             <a:off x="319499" y="936600"/>
-            <a:ext cx="2808002" cy="755700"/>
+            <a:ext cx="2808004" cy="755700"/>
           </a:xfrm>
           <a:prstGeom prst="rect">
             <a:avLst/>
@@ -3584,7 +3902,7 @@
       </p:sp>
       <p:sp>
         <p:nvSpPr>
-          <p:cNvPr id="79" name="Body Level One…"/>
+          <p:cNvPr id="80" name="Body Level One…"/>
           <p:cNvSpPr txBox="1"/>
           <p:nvPr>
             <p:ph type="body" sz="quarter" idx="1"/>
@@ -3593,7 +3911,7 @@
         <p:spPr>
           <a:xfrm>
             <a:off x="319499" y="1846802"/>
-            <a:ext cx="2808002" cy="2806202"/>
+            <a:ext cx="2808004" cy="2806202"/>
           </a:xfrm>
           <a:prstGeom prst="rect">
             <a:avLst/>
@@ -3657,7 +3975,7 @@
       </p:sp>
       <p:sp>
         <p:nvSpPr>
-          <p:cNvPr id="80" name="Slide Number"/>
+          <p:cNvPr id="81" name="Slide Number"/>
           <p:cNvSpPr txBox="1"/>
           <p:nvPr>
             <p:ph type="sldNum" sz="quarter" idx="2"/>
@@ -3712,7 +4030,7 @@
       </p:grpSpPr>
       <p:pic>
         <p:nvPicPr>
-          <p:cNvPr id="87" name="Google Shape;9;p1" descr="Google Shape;9;p1"/>
+          <p:cNvPr id="88" name="Google Shape;9;p1" descr="Google Shape;9;p1"/>
           <p:cNvPicPr>
             <a:picLocks noChangeAspect="1"/>
           </p:cNvPicPr>
@@ -3741,14 +4059,14 @@
       </p:pic>
       <p:sp>
         <p:nvSpPr>
-          <p:cNvPr id="88" name="Google Shape;49;p8"/>
+          <p:cNvPr id="89" name="Google Shape;49;p8"/>
           <p:cNvSpPr/>
           <p:nvPr/>
         </p:nvSpPr>
         <p:spPr>
           <a:xfrm>
             <a:off x="425197" y="415650"/>
-            <a:ext cx="183302" cy="1"/>
+            <a:ext cx="183304" cy="1"/>
           </a:xfrm>
           <a:prstGeom prst="line">
             <a:avLst/>
@@ -3769,7 +4087,7 @@
       </p:sp>
       <p:sp>
         <p:nvSpPr>
-          <p:cNvPr id="89" name="Title Text"/>
+          <p:cNvPr id="90" name="Title Text"/>
           <p:cNvSpPr txBox="1"/>
           <p:nvPr>
             <p:ph type="title"/>
@@ -3809,7 +4127,7 @@
       </p:sp>
       <p:sp>
         <p:nvSpPr>
-          <p:cNvPr id="90" name="Slide Number"/>
+          <p:cNvPr id="91" name="Slide Number"/>
           <p:cNvSpPr txBox="1"/>
           <p:nvPr>
             <p:ph type="sldNum" sz="quarter" idx="2"/>
@@ -3865,7 +4183,7 @@
       </p:grpSpPr>
       <p:pic>
         <p:nvPicPr>
-          <p:cNvPr id="97" name="Google Shape;9;p1" descr="Google Shape;9;p1"/>
+          <p:cNvPr id="98" name="Google Shape;9;p1" descr="Google Shape;9;p1"/>
           <p:cNvPicPr>
             <a:picLocks noChangeAspect="1"/>
           </p:cNvPicPr>
@@ -3894,14 +4212,14 @@
       </p:pic>
       <p:sp>
         <p:nvSpPr>
-          <p:cNvPr id="98" name="Google Shape;53;p9"/>
+          <p:cNvPr id="99" name="Google Shape;53;p9"/>
           <p:cNvSpPr/>
           <p:nvPr/>
         </p:nvSpPr>
         <p:spPr>
           <a:xfrm>
-            <a:off x="4572000" y="123"/>
-            <a:ext cx="4572000" cy="5143503"/>
+            <a:off x="4572000" y="121"/>
+            <a:ext cx="4572000" cy="5143507"/>
           </a:xfrm>
           <a:prstGeom prst="rect">
             <a:avLst/>
@@ -3922,10 +4240,6 @@
                 <a:solidFill>
                   <a:srgbClr val="000000"/>
                 </a:solidFill>
-                <a:latin typeface="+mn-lt"/>
-                <a:ea typeface="+mn-ea"/>
-                <a:cs typeface="+mn-cs"/>
-                <a:sym typeface="Arial"/>
               </a:defRPr>
             </a:pPr>
           </a:p>
@@ -3933,14 +4247,14 @@
       </p:sp>
       <p:sp>
         <p:nvSpPr>
-          <p:cNvPr id="99" name="Google Shape;54;p9"/>
+          <p:cNvPr id="100" name="Google Shape;54;p9"/>
           <p:cNvSpPr/>
           <p:nvPr/>
         </p:nvSpPr>
         <p:spPr>
           <a:xfrm>
-            <a:off x="5029675" y="4495499"/>
-            <a:ext cx="468302" cy="2"/>
+            <a:off x="5029675" y="4495498"/>
+            <a:ext cx="468304" cy="4"/>
           </a:xfrm>
           <a:prstGeom prst="line">
             <a:avLst/>
@@ -3961,7 +4275,7 @@
       </p:sp>
       <p:sp>
         <p:nvSpPr>
-          <p:cNvPr id="100" name="Title Text"/>
+          <p:cNvPr id="101" name="Title Text"/>
           <p:cNvSpPr txBox="1"/>
           <p:nvPr>
             <p:ph type="title"/>
@@ -3970,7 +4284,7 @@
         <p:spPr>
           <a:xfrm>
             <a:off x="265500" y="1397349"/>
-            <a:ext cx="4045200" cy="1318202"/>
+            <a:ext cx="4045200" cy="1318203"/>
           </a:xfrm>
           <a:prstGeom prst="rect">
             <a:avLst/>
@@ -3998,7 +4312,7 @@
       </p:sp>
       <p:sp>
         <p:nvSpPr>
-          <p:cNvPr id="101" name="Body Level One…"/>
+          <p:cNvPr id="102" name="Body Level One…"/>
           <p:cNvSpPr txBox="1"/>
           <p:nvPr>
             <p:ph type="body" sz="quarter" idx="1"/>
@@ -4007,7 +4321,7 @@
         <p:spPr>
           <a:xfrm>
             <a:off x="265500" y="2735371"/>
-            <a:ext cx="4045200" cy="1345502"/>
+            <a:ext cx="4045200" cy="1345504"/>
           </a:xfrm>
           <a:prstGeom prst="rect">
             <a:avLst/>
@@ -4016,7 +4330,7 @@
         <p:txBody>
           <a:bodyPr/>
           <a:lstStyle>
-            <a:lvl1pPr marL="228600" indent="-114300">
+            <a:lvl1pPr marL="0" indent="114300">
               <a:lnSpc>
                 <a:spcPct val="100000"/>
               </a:lnSpc>
@@ -4026,7 +4340,7 @@
               <a:buNone/>
               <a:defRPr sz="2100"/>
             </a:lvl1pPr>
-            <a:lvl2pPr marL="228600" indent="114300">
+            <a:lvl2pPr marL="0" indent="114300">
               <a:lnSpc>
                 <a:spcPct val="100000"/>
               </a:lnSpc>
@@ -4036,7 +4350,7 @@
               <a:buNone/>
               <a:defRPr sz="2100"/>
             </a:lvl2pPr>
-            <a:lvl3pPr marL="228600" indent="114300">
+            <a:lvl3pPr marL="0" indent="114300">
               <a:lnSpc>
                 <a:spcPct val="100000"/>
               </a:lnSpc>
@@ -4046,7 +4360,7 @@
               <a:buNone/>
               <a:defRPr sz="2100"/>
             </a:lvl3pPr>
-            <a:lvl4pPr marL="228600" indent="114300">
+            <a:lvl4pPr marL="0" indent="114300">
               <a:lnSpc>
                 <a:spcPct val="100000"/>
               </a:lnSpc>
@@ -4056,7 +4370,7 @@
               <a:buNone/>
               <a:defRPr sz="2100"/>
             </a:lvl4pPr>
-            <a:lvl5pPr marL="228600" indent="114300">
+            <a:lvl5pPr marL="0" indent="114300">
               <a:lnSpc>
                 <a:spcPct val="100000"/>
               </a:lnSpc>
@@ -4101,7 +4415,7 @@
       </p:sp>
       <p:sp>
         <p:nvSpPr>
-          <p:cNvPr id="102" name="Google Shape;57;p9"/>
+          <p:cNvPr id="103" name="Google Shape;57;p9"/>
           <p:cNvSpPr txBox="1"/>
           <p:nvPr>
             <p:ph type="body" sz="half" idx="21"/>
@@ -4120,13 +4434,13 @@
           <a:bodyPr anchor="ctr"/>
           <a:lstStyle/>
           <a:p>
-            <a:pPr algn="l"/>
-          </a:p>
-        </p:txBody>
-      </p:sp>
-      <p:sp>
-        <p:nvSpPr>
-          <p:cNvPr id="103" name="Slide Number"/>
+            <a:pPr/>
+          </a:p>
+        </p:txBody>
+      </p:sp>
+      <p:sp>
+        <p:nvSpPr>
+          <p:cNvPr id="104" name="Slide Number"/>
           <p:cNvSpPr txBox="1"/>
           <p:nvPr>
             <p:ph type="sldNum" sz="quarter" idx="2"/>
@@ -4182,7 +4496,7 @@
       </p:grpSpPr>
       <p:pic>
         <p:nvPicPr>
-          <p:cNvPr id="110" name="Google Shape;9;p1" descr="Google Shape;9;p1"/>
+          <p:cNvPr id="111" name="Google Shape;9;p1" descr="Google Shape;9;p1"/>
           <p:cNvPicPr>
             <a:picLocks noChangeAspect="1"/>
           </p:cNvPicPr>
@@ -4211,7 +4525,7 @@
       </p:pic>
       <p:sp>
         <p:nvSpPr>
-          <p:cNvPr id="111" name="Google Shape;60;p10"/>
+          <p:cNvPr id="112" name="Google Shape;60;p10"/>
           <p:cNvSpPr/>
           <p:nvPr/>
         </p:nvSpPr>
@@ -4239,14 +4553,14 @@
       </p:sp>
       <p:sp>
         <p:nvSpPr>
-          <p:cNvPr id="112" name="Google Shape;61;p10"/>
+          <p:cNvPr id="113" name="Google Shape;61;p10"/>
           <p:cNvSpPr/>
           <p:nvPr/>
         </p:nvSpPr>
         <p:spPr>
           <a:xfrm>
             <a:off x="425197" y="415650"/>
-            <a:ext cx="183302" cy="1"/>
+            <a:ext cx="183304" cy="1"/>
           </a:xfrm>
           <a:prstGeom prst="line">
             <a:avLst/>
@@ -4267,7 +4581,7 @@
       </p:sp>
       <p:sp>
         <p:nvSpPr>
-          <p:cNvPr id="113" name="Body Level One…"/>
+          <p:cNvPr id="114" name="Body Level One…"/>
           <p:cNvSpPr txBox="1"/>
           <p:nvPr>
             <p:ph type="body" sz="quarter" idx="1"/>
@@ -4276,7 +4590,7 @@
         <p:spPr>
           <a:xfrm>
             <a:off x="328016" y="4226023"/>
-            <a:ext cx="8388602" cy="393602"/>
+            <a:ext cx="8388602" cy="393604"/>
           </a:xfrm>
           <a:prstGeom prst="rect">
             <a:avLst/>
@@ -4294,28 +4608,28 @@
               <a:buFontTx/>
               <a:buNone/>
             </a:lvl1pPr>
-            <a:lvl2pPr algn="l">
+            <a:lvl2pPr marL="1462314" indent="-408213" algn="l">
               <a:lnSpc>
                 <a:spcPct val="100000"/>
               </a:lnSpc>
               <a:buClrTx/>
               <a:buFontTx/>
             </a:lvl2pPr>
-            <a:lvl3pPr algn="l">
+            <a:lvl3pPr marL="1919514" algn="l">
               <a:lnSpc>
                 <a:spcPct val="100000"/>
               </a:lnSpc>
               <a:buClrTx/>
               <a:buFontTx/>
             </a:lvl3pPr>
-            <a:lvl4pPr algn="l">
+            <a:lvl4pPr marL="2376714" algn="l">
               <a:lnSpc>
                 <a:spcPct val="100000"/>
               </a:lnSpc>
               <a:buClrTx/>
               <a:buFontTx/>
             </a:lvl4pPr>
-            <a:lvl5pPr algn="l">
+            <a:lvl5pPr marL="2833914" algn="l">
               <a:lnSpc>
                 <a:spcPct val="100000"/>
               </a:lnSpc>
@@ -4357,7 +4671,7 @@
       </p:sp>
       <p:sp>
         <p:nvSpPr>
-          <p:cNvPr id="114" name="Slide Number"/>
+          <p:cNvPr id="115" name="Slide Number"/>
           <p:cNvSpPr txBox="1"/>
           <p:nvPr>
             <p:ph type="sldNum" sz="quarter" idx="2"/>
@@ -4521,7 +4835,7 @@
           </a:extLst>
         </p:spPr>
         <p:txBody>
-          <a:bodyPr lIns="91423" tIns="91423" rIns="91423" bIns="91423" anchor="ctr">
+          <a:bodyPr lIns="91421" tIns="91421" rIns="91421" bIns="91421" anchor="ctr">
             <a:normAutofit fontScale="100000" lnSpcReduction="0"/>
           </a:bodyPr>
           <a:lstStyle/>
@@ -4544,7 +4858,7 @@
         <p:spPr>
           <a:xfrm>
             <a:off x="853950" y="2919450"/>
-            <a:ext cx="7436102" cy="1071602"/>
+            <a:ext cx="7436102" cy="1071604"/>
           </a:xfrm>
           <a:prstGeom prst="rect">
             <a:avLst/>
@@ -4559,7 +4873,7 @@
           </a:extLst>
         </p:spPr>
         <p:txBody>
-          <a:bodyPr lIns="91423" tIns="91423" rIns="91423" bIns="91423">
+          <a:bodyPr lIns="91421" tIns="91421" rIns="91421" bIns="91421">
             <a:normAutofit fontScale="100000" lnSpcReduction="0"/>
           </a:bodyPr>
           <a:lstStyle/>
@@ -4605,8 +4919,8 @@
         </p:nvSpPr>
         <p:spPr>
           <a:xfrm>
-            <a:off x="8709888" y="4717935"/>
-            <a:ext cx="336811" cy="335249"/>
+            <a:off x="8709892" y="4717937"/>
+            <a:ext cx="336807" cy="335245"/>
           </a:xfrm>
           <a:prstGeom prst="rect">
             <a:avLst/>
@@ -4616,7 +4930,7 @@
           </a:ln>
         </p:spPr>
         <p:txBody>
-          <a:bodyPr wrap="none" lIns="91423" tIns="91423" rIns="91423" bIns="91423" anchor="ctr">
+          <a:bodyPr wrap="none" lIns="91421" tIns="91421" rIns="91421" bIns="91421" anchor="ctr">
             <a:normAutofit fontScale="100000" lnSpcReduction="0"/>
           </a:bodyPr>
           <a:lstStyle>
@@ -4656,6 +4970,7 @@
     <p:sldLayoutId id="2147483660" r:id="rId14"/>
     <p:sldLayoutId id="2147483661" r:id="rId15"/>
     <p:sldLayoutId id="2147483662" r:id="rId16"/>
+    <p:sldLayoutId id="2147483663" r:id="rId17"/>
   </p:sldLayoutIdLst>
   <p:transition xmlns:p14="http://schemas.microsoft.com/office/powerpoint/2010/main" spd="med" advClick="1"/>
   <p:txStyles>
@@ -5408,7 +5723,7 @@
       </p:grpSpPr>
       <p:sp>
         <p:nvSpPr>
-          <p:cNvPr id="184" name="Google Shape;76;p13"/>
+          <p:cNvPr id="200" name="Google Shape;76;p13"/>
           <p:cNvSpPr txBox="1"/>
           <p:nvPr>
             <p:ph type="ctrTitle"/>
@@ -5416,8 +5731,8 @@
         </p:nvSpPr>
         <p:spPr>
           <a:xfrm>
-            <a:off x="2371725" y="630223"/>
-            <a:ext cx="6331500" cy="1542003"/>
+            <a:off x="2371725" y="630221"/>
+            <a:ext cx="6331500" cy="1542007"/>
           </a:xfrm>
           <a:prstGeom prst="rect">
             <a:avLst/>
@@ -5447,14 +5762,14 @@
               </a:defRPr>
             </a:pPr>
             <a:r>
-              <a:t>Lesson 12.2</a:t>
-            </a:r>
-          </a:p>
-        </p:txBody>
-      </p:sp>
-      <p:sp>
-        <p:nvSpPr>
-          <p:cNvPr id="185" name="Google Shape;77;p13"/>
+              <a:t>Lesson 9.5</a:t>
+            </a:r>
+          </a:p>
+        </p:txBody>
+      </p:sp>
+      <p:sp>
+        <p:nvSpPr>
+          <p:cNvPr id="201" name="Google Shape;77;p13"/>
           <p:cNvSpPr txBox="1"/>
           <p:nvPr>
             <p:ph type="subTitle" sz="quarter" idx="1"/>
@@ -5469,7 +5784,7 @@
           <a:bodyPr/>
           <a:lstStyle/>
           <a:p>
-            <a:pPr marL="0" indent="0">
+            <a:pPr indent="0">
               <a:lnSpc>
                 <a:spcPct val="80000"/>
               </a:lnSpc>
@@ -5480,28 +5795,25 @@
             </a:r>
           </a:p>
           <a:p>
-            <a:pPr marL="0" indent="0">
+            <a:pPr indent="0">
               <a:lnSpc>
                 <a:spcPct val="80000"/>
               </a:lnSpc>
               <a:defRPr sz="1600"/>
             </a:pPr>
             <a:r>
-              <a:t>Herbert H. </a:t>
-            </a:r>
-            <a:r>
-              <a:t>Lehman High School</a:t>
-            </a:r>
-          </a:p>
-          <a:p>
-            <a:pPr marL="0" indent="0">
+              <a:t>Herbert H. Lehman High School</a:t>
+            </a:r>
+          </a:p>
+          <a:p>
+            <a:pPr indent="0">
               <a:lnSpc>
                 <a:spcPct val="80000"/>
               </a:lnSpc>
               <a:defRPr sz="1600"/>
             </a:pPr>
             <a:r>
-              <a:t>7 December 2021</a:t>
+              <a:t>8 April 2022</a:t>
             </a:r>
           </a:p>
         </p:txBody>
@@ -5534,7 +5846,7 @@
       </p:grpSpPr>
       <p:sp>
         <p:nvSpPr>
-          <p:cNvPr id="189" name="Google Shape;118;p19"/>
+          <p:cNvPr id="203" name="Do now"/>
           <p:cNvSpPr txBox="1"/>
           <p:nvPr>
             <p:ph type="title"/>
@@ -5542,277 +5854,87 @@
         </p:nvSpPr>
         <p:spPr>
           <a:xfrm>
-            <a:off x="1424035" y="575950"/>
-            <a:ext cx="7302729" cy="939691"/>
-          </a:xfrm>
-          <a:prstGeom prst="rect">
-            <a:avLst/>
-          </a:prstGeom>
-          <a:solidFill>
-            <a:srgbClr val="FFFFFF"/>
-          </a:solidFill>
-          <a:ln w="25400">
-            <a:solidFill>
-              <a:schemeClr val="accent1"/>
-            </a:solidFill>
-            <a:round/>
-          </a:ln>
-        </p:spPr>
-        <p:txBody>
-          <a:bodyPr lIns="91422" tIns="91422" rIns="91422" bIns="91422"/>
+            <a:off x="2439023" y="-29997"/>
+            <a:ext cx="6321601" cy="635404"/>
+          </a:xfrm>
+          <a:prstGeom prst="rect">
+            <a:avLst/>
+          </a:prstGeom>
+        </p:spPr>
+        <p:txBody>
+          <a:bodyPr/>
+          <a:lstStyle>
+            <a:lvl1pPr defTabSz="886968">
+              <a:defRPr sz="2910"/>
+            </a:lvl1pPr>
+          </a:lstStyle>
+          <a:p>
+            <a:pPr/>
+            <a:r>
+              <a:t>Do now</a:t>
+            </a:r>
+          </a:p>
+        </p:txBody>
+      </p:sp>
+      <p:sp>
+        <p:nvSpPr>
+          <p:cNvPr id="204" name="Be sure to……"/>
+          <p:cNvSpPr txBox="1"/>
+          <p:nvPr>
+            <p:ph type="body" idx="1"/>
+          </p:nvPr>
+        </p:nvSpPr>
+        <p:spPr>
+          <a:xfrm>
+            <a:off x="1488255" y="335330"/>
+            <a:ext cx="7774323" cy="3002403"/>
+          </a:xfrm>
+          <a:prstGeom prst="rect">
+            <a:avLst/>
+          </a:prstGeom>
+        </p:spPr>
+        <p:txBody>
+          <a:bodyPr/>
           <a:lstStyle/>
           <a:p>
-            <a:pPr defTabSz="813816">
-              <a:defRPr b="0" sz="2100">
+            <a:pPr marL="0" indent="114300">
+              <a:buSzTx/>
+              <a:buNone/>
+              <a:defRPr>
                 <a:solidFill>
-                  <a:srgbClr val="F46524"/>
+                  <a:schemeClr val="accent4">
+                    <a:lumOff val="11960"/>
+                  </a:schemeClr>
                 </a:solidFill>
-                <a:latin typeface="+mn-lt"/>
-                <a:ea typeface="+mn-ea"/>
-                <a:cs typeface="+mn-cs"/>
-                <a:sym typeface="Arial"/>
               </a:defRPr>
             </a:pPr>
             <a:r>
-              <a:t>Do now</a:t>
-            </a:r>
-          </a:p>
-          <a:p>
-            <a:pPr defTabSz="813816">
-              <a:defRPr b="0" sz="1200">
-                <a:solidFill>
-                  <a:schemeClr val="accent5"/>
-                </a:solidFill>
-                <a:latin typeface="+mj-lt"/>
-                <a:ea typeface="+mj-ea"/>
-                <a:cs typeface="+mj-cs"/>
-                <a:sym typeface="Helvetica"/>
-              </a:defRPr>
-            </a:pPr>
-            <a:r>
-              <a:t>be sure to:</a:t>
-            </a:r>
-            <a:r>
-              <a:rPr>
-                <a:solidFill>
-                  <a:schemeClr val="accent5">
-                    <a:lumOff val="-9843"/>
-                  </a:schemeClr>
-                </a:solidFill>
-              </a:rPr>
-              <a:t> </a:t>
-            </a:r>
-            <a:r>
-              <a:rPr>
-                <a:solidFill>
-                  <a:schemeClr val="accent3">
-                    <a:lumOff val="-9098"/>
-                  </a:schemeClr>
-                </a:solidFill>
-              </a:rPr>
-              <a:t>Get out your </a:t>
-            </a:r>
-            <a:r>
-              <a:rPr b="1">
-                <a:solidFill>
-                  <a:schemeClr val="accent3">
-                    <a:lumOff val="-9098"/>
-                  </a:schemeClr>
-                </a:solidFill>
-              </a:rPr>
-              <a:t>binder</a:t>
-            </a:r>
-            <a:r>
-              <a:rPr>
-                <a:solidFill>
-                  <a:schemeClr val="accent3">
-                    <a:lumOff val="-9098"/>
-                  </a:schemeClr>
-                </a:solidFill>
-              </a:rPr>
-              <a:t>. Copy </a:t>
-            </a:r>
-            <a:r>
-              <a:rPr b="1">
-                <a:solidFill>
-                  <a:schemeClr val="accent3">
-                    <a:lumOff val="-9098"/>
-                  </a:schemeClr>
-                </a:solidFill>
-              </a:rPr>
-              <a:t>goal </a:t>
-            </a:r>
-            <a:r>
-              <a:rPr>
-                <a:solidFill>
-                  <a:schemeClr val="accent3">
-                    <a:lumOff val="-9098"/>
-                  </a:schemeClr>
-                </a:solidFill>
-              </a:rPr>
-              <a:t>and answer </a:t>
-            </a:r>
-            <a:r>
-              <a:rPr b="1">
-                <a:solidFill>
-                  <a:schemeClr val="accent3">
-                    <a:lumOff val="-9098"/>
-                  </a:schemeClr>
-                </a:solidFill>
-              </a:rPr>
-              <a:t>do now</a:t>
-            </a:r>
-            <a:r>
-              <a:rPr>
-                <a:solidFill>
-                  <a:schemeClr val="accent3">
-                    <a:lumOff val="-9098"/>
-                  </a:schemeClr>
-                </a:solidFill>
-              </a:rPr>
-              <a:t> questions below. Show all work or write a complete sentence for each answer:</a:t>
-            </a:r>
-          </a:p>
-        </p:txBody>
-      </p:sp>
-      <p:sp>
-        <p:nvSpPr>
-          <p:cNvPr id="190" name="In general (so not necessarily Java!), how would you describe the difference between public and private?…"/>
-          <p:cNvSpPr txBox="1"/>
-          <p:nvPr/>
-        </p:nvSpPr>
-        <p:spPr>
-          <a:xfrm>
-            <a:off x="297563" y="1992403"/>
-            <a:ext cx="4074447" cy="1511301"/>
-          </a:xfrm>
-          <a:prstGeom prst="rect">
-            <a:avLst/>
-          </a:prstGeom>
-          <a:ln w="12700">
-            <a:miter lim="400000"/>
-          </a:ln>
-          <a:extLst>
-            <a:ext uri="{C572A759-6A51-4108-AA02-DFA0A04FC94B}">
-              <ma14:wrappingTextBoxFlag xmlns:ma14="http://schemas.microsoft.com/office/mac/drawingml/2011/main" val="1"/>
-            </a:ext>
-          </a:extLst>
-        </p:spPr>
-        <p:txBody>
-          <a:bodyPr lIns="0" tIns="0" rIns="0" bIns="0">
-            <a:spAutoFit/>
-          </a:bodyPr>
-          <a:lstStyle/>
-          <a:p>
-            <a:pPr marL="187157" indent="-187157">
-              <a:buSzPct val="100000"/>
-              <a:buAutoNum type="arabicPeriod" startAt="1"/>
-            </a:pPr>
-            <a:r>
-              <a:t>In general (so not necessarily Java!), how would you describe the difference between </a:t>
-            </a:r>
-            <a:r>
-              <a:rPr>
-                <a:solidFill>
-                  <a:schemeClr val="accent3">
-                    <a:lumOff val="-9098"/>
-                  </a:schemeClr>
-                </a:solidFill>
-              </a:rPr>
-              <a:t>public</a:t>
-            </a:r>
-            <a:r>
-              <a:t> and </a:t>
-            </a:r>
-            <a:r>
-              <a:rPr>
-                <a:solidFill>
-                  <a:schemeClr val="accent3">
-                    <a:lumOff val="-9098"/>
-                  </a:schemeClr>
-                </a:solidFill>
-              </a:rPr>
-              <a:t>private</a:t>
-            </a:r>
-            <a:r>
-              <a:t>?</a:t>
-            </a:r>
-          </a:p>
-          <a:p>
-            <a:pPr marL="187157" indent="-187157">
-              <a:buSzPct val="100000"/>
-              <a:buAutoNum type="arabicPeriod" startAt="1"/>
-            </a:pPr>
-            <a:r>
-              <a:t> Thinking of Java, what are some examples of </a:t>
-            </a:r>
-            <a:r>
-              <a:rPr>
-                <a:solidFill>
-                  <a:schemeClr val="accent3">
-                    <a:lumOff val="-9098"/>
-                  </a:schemeClr>
-                </a:solidFill>
-              </a:rPr>
-              <a:t>public</a:t>
-            </a:r>
-            <a:r>
-              <a:t> vs. </a:t>
-            </a:r>
-            <a:r>
-              <a:rPr>
-                <a:solidFill>
-                  <a:schemeClr val="accent3">
-                    <a:lumOff val="-9098"/>
-                  </a:schemeClr>
-                </a:solidFill>
-              </a:rPr>
-              <a:t>private</a:t>
-            </a:r>
-            <a:r>
-              <a:t>?</a:t>
-            </a:r>
-          </a:p>
-          <a:p>
-            <a:pPr marL="187157" indent="-187157">
-              <a:buSzPct val="100000"/>
-              <a:buAutoNum type="arabicPeriod" startAt="1"/>
-            </a:pPr>
-            <a:r>
-              <a:t>How would you describe the differences between </a:t>
-            </a:r>
-            <a:r>
-              <a:rPr>
-                <a:solidFill>
-                  <a:schemeClr val="accent3">
-                    <a:lumOff val="-9098"/>
-                  </a:schemeClr>
-                </a:solidFill>
-              </a:rPr>
-              <a:t>public</a:t>
-            </a:r>
-            <a:r>
-              <a:t> and </a:t>
-            </a:r>
-            <a:r>
-              <a:rPr>
-                <a:solidFill>
-                  <a:schemeClr val="accent3">
-                    <a:lumOff val="-9098"/>
-                  </a:schemeClr>
-                </a:solidFill>
-              </a:rPr>
-              <a:t>private </a:t>
-            </a:r>
-            <a:r>
-              <a:t>in Java? </a:t>
+              <a:t>Be sure to…</a:t>
+            </a:r>
+          </a:p>
+          <a:p>
+            <a:pPr/>
+            <a:r>
+              <a:t>Examine the prompts below, writing down key info.</a:t>
+            </a:r>
+          </a:p>
+          <a:p>
+            <a:pPr/>
+            <a:r>
+              <a:t>Identify the preset variables.</a:t>
+            </a:r>
+          </a:p>
+          <a:p>
+            <a:pPr/>
+            <a:r>
+              <a:t>What topic do you think these questions come from?</a:t>
             </a:r>
           </a:p>
         </p:txBody>
       </p:sp>
       <p:pic>
         <p:nvPicPr>
-          <p:cNvPr id="191" name="Image" descr="Image"/>
+          <p:cNvPr id="205" name="Image" descr="Image"/>
           <p:cNvPicPr>
             <a:picLocks noChangeAspect="1"/>
           </p:cNvPicPr>
@@ -5828,8 +5950,177 @@
         </p:blipFill>
         <p:spPr>
           <a:xfrm>
-            <a:off x="5523312" y="2037160"/>
-            <a:ext cx="2184494" cy="2184494"/>
+            <a:off x="950771" y="1844208"/>
+            <a:ext cx="8172515" cy="1651777"/>
+          </a:xfrm>
+          <a:prstGeom prst="rect">
+            <a:avLst/>
+          </a:prstGeom>
+          <a:ln w="12700">
+            <a:miter lim="400000"/>
+          </a:ln>
+        </p:spPr>
+      </p:pic>
+      <p:pic>
+        <p:nvPicPr>
+          <p:cNvPr id="206" name="Image" descr="Image"/>
+          <p:cNvPicPr>
+            <a:picLocks noChangeAspect="1"/>
+          </p:cNvPicPr>
+          <p:nvPr/>
+        </p:nvPicPr>
+        <p:blipFill>
+          <a:blip r:embed="rId4">
+            <a:extLst/>
+          </a:blip>
+          <a:stretch>
+            <a:fillRect/>
+          </a:stretch>
+        </p:blipFill>
+        <p:spPr>
+          <a:xfrm>
+            <a:off x="875664" y="3422015"/>
+            <a:ext cx="8322729" cy="605083"/>
+          </a:xfrm>
+          <a:prstGeom prst="rect">
+            <a:avLst/>
+          </a:prstGeom>
+          <a:ln w="12700">
+            <a:miter lim="400000"/>
+          </a:ln>
+        </p:spPr>
+      </p:pic>
+    </p:spTree>
+  </p:cSld>
+  <p:clrMapOvr>
+    <a:masterClrMapping/>
+  </p:clrMapOvr>
+  <p:transition xmlns:p14="http://schemas.microsoft.com/office/powerpoint/2010/main" spd="med" advClick="1"/>
+</p:sld>
+</file>
+
+<file path=ppt/slides/slide3.xml><?xml version="1.0" encoding="utf-8"?>
+<p:sld xmlns:a="http://schemas.openxmlformats.org/drawingml/2006/main" xmlns:r="http://schemas.openxmlformats.org/officeDocument/2006/relationships" xmlns:p="http://schemas.openxmlformats.org/presentationml/2006/main" xmlns:m="http://schemas.openxmlformats.org/officeDocument/2006/math" xmlns:a14="http://schemas.microsoft.com/office/drawing/2010/main" showMasterSp="1" showMasterPhAnim="1">
+  <p:cSld>
+    <p:spTree>
+      <p:nvGrpSpPr>
+        <p:cNvPr id="1" name=""/>
+        <p:cNvGrpSpPr/>
+        <p:nvPr/>
+      </p:nvGrpSpPr>
+      <p:grpSpPr>
+        <a:xfrm>
+          <a:off x="0" y="0"/>
+          <a:ext cx="0" cy="0"/>
+          <a:chOff x="0" y="0"/>
+          <a:chExt cx="0" cy="0"/>
+        </a:xfrm>
+      </p:grpSpPr>
+      <p:pic>
+        <p:nvPicPr>
+          <p:cNvPr id="210" name="Image" descr="Image"/>
+          <p:cNvPicPr>
+            <a:picLocks noChangeAspect="1"/>
+          </p:cNvPicPr>
+          <p:nvPr/>
+        </p:nvPicPr>
+        <p:blipFill>
+          <a:blip r:embed="rId2">
+            <a:extLst/>
+          </a:blip>
+          <a:stretch>
+            <a:fillRect/>
+          </a:stretch>
+        </p:blipFill>
+        <p:spPr>
+          <a:xfrm>
+            <a:off x="1618801" y="550755"/>
+            <a:ext cx="7088354" cy="3783446"/>
+          </a:xfrm>
+          <a:prstGeom prst="rect">
+            <a:avLst/>
+          </a:prstGeom>
+          <a:ln w="12700">
+            <a:miter lim="400000"/>
+          </a:ln>
+        </p:spPr>
+      </p:pic>
+    </p:spTree>
+  </p:cSld>
+  <p:clrMapOvr>
+    <a:masterClrMapping/>
+  </p:clrMapOvr>
+  <p:transition xmlns:p14="http://schemas.microsoft.com/office/powerpoint/2010/main" spd="med" advClick="1"/>
+</p:sld>
+</file>
+
+<file path=ppt/slides/slide4.xml><?xml version="1.0" encoding="utf-8"?>
+<p:sld xmlns:a="http://schemas.openxmlformats.org/drawingml/2006/main" xmlns:r="http://schemas.openxmlformats.org/officeDocument/2006/relationships" xmlns:p="http://schemas.openxmlformats.org/presentationml/2006/main" xmlns:m="http://schemas.openxmlformats.org/officeDocument/2006/math" xmlns:a14="http://schemas.microsoft.com/office/drawing/2010/main" showMasterSp="1" showMasterPhAnim="1">
+  <p:cSld>
+    <p:spTree>
+      <p:nvGrpSpPr>
+        <p:cNvPr id="1" name=""/>
+        <p:cNvGrpSpPr/>
+        <p:nvPr/>
+      </p:nvGrpSpPr>
+      <p:grpSpPr>
+        <a:xfrm>
+          <a:off x="0" y="0"/>
+          <a:ext cx="0" cy="0"/>
+          <a:chOff x="0" y="0"/>
+          <a:chExt cx="0" cy="0"/>
+        </a:xfrm>
+      </p:grpSpPr>
+      <p:pic>
+        <p:nvPicPr>
+          <p:cNvPr id="212" name="Image" descr="Image"/>
+          <p:cNvPicPr>
+            <a:picLocks noChangeAspect="1"/>
+          </p:cNvPicPr>
+          <p:nvPr/>
+        </p:nvPicPr>
+        <p:blipFill>
+          <a:blip r:embed="rId3">
+            <a:extLst/>
+          </a:blip>
+          <a:srcRect l="0" t="0" r="590" b="0"/>
+          <a:stretch>
+            <a:fillRect/>
+          </a:stretch>
+        </p:blipFill>
+        <p:spPr>
+          <a:xfrm>
+            <a:off x="274366" y="477308"/>
+            <a:ext cx="8764370" cy="1781918"/>
+          </a:xfrm>
+          <a:prstGeom prst="rect">
+            <a:avLst/>
+          </a:prstGeom>
+          <a:ln w="12700">
+            <a:miter lim="400000"/>
+          </a:ln>
+        </p:spPr>
+      </p:pic>
+      <p:pic>
+        <p:nvPicPr>
+          <p:cNvPr id="213" name="Image" descr="Image"/>
+          <p:cNvPicPr>
+            <a:picLocks noChangeAspect="1"/>
+          </p:cNvPicPr>
+          <p:nvPr/>
+        </p:nvPicPr>
+        <p:blipFill>
+          <a:blip r:embed="rId4">
+            <a:extLst/>
+          </a:blip>
+          <a:stretch>
+            <a:fillRect/>
+          </a:stretch>
+        </p:blipFill>
+        <p:spPr>
+          <a:xfrm>
+            <a:off x="274297" y="2633035"/>
+            <a:ext cx="8836944" cy="642468"/>
           </a:xfrm>
           <a:prstGeom prst="rect">
             <a:avLst/>
@@ -5878,7 +6169,7 @@
                                       <p:cBhvr>
                                         <p:cTn id="6" fill="hold"/>
                                         <p:tgtEl>
-                                          <p:spTgt spid="190"/>
+                                          <p:spTgt spid="213"/>
                                         </p:tgtEl>
                                         <p:attrNameLst>
                                           <p:attrName>style.visibility</p:attrName>
@@ -5919,13 +6210,13 @@
       </p:par>
     </p:tnLst>
     <p:bldLst>
-      <p:bldP build="whole" bldLvl="1" animBg="1" rev="0" advAuto="0" spid="190" grpId="1"/>
+      <p:bldP build="whole" bldLvl="1" animBg="1" rev="0" advAuto="0" spid="213" grpId="1"/>
     </p:bldLst>
   </p:timing>
 </p:sld>
 </file>
 
-<file path=ppt/slides/slide3.xml><?xml version="1.0" encoding="utf-8"?>
+<file path=ppt/slides/slide5.xml><?xml version="1.0" encoding="utf-8"?>
 <p:sld xmlns:a="http://schemas.openxmlformats.org/drawingml/2006/main" xmlns:r="http://schemas.openxmlformats.org/officeDocument/2006/relationships" xmlns:p="http://schemas.openxmlformats.org/presentationml/2006/main" xmlns:m="http://schemas.openxmlformats.org/officeDocument/2006/math" xmlns:a14="http://schemas.microsoft.com/office/drawing/2010/main" showMasterSp="1" showMasterPhAnim="1">
   <p:cSld>
     <p:spTree>
@@ -5944,22 +6235,20 @@
       </p:grpSpPr>
       <p:sp>
         <p:nvSpPr>
-          <p:cNvPr id="195" name="framing…"/>
+          <p:cNvPr id="217" name="(c)   Write a code segment that will store a dinner selection in option1 based on the values of rsvp and selection. The intended behavior of the code segment is described below.…"/>
           <p:cNvSpPr txBox="1"/>
           <p:nvPr/>
         </p:nvSpPr>
         <p:spPr>
           <a:xfrm>
-            <a:off x="4138003" y="1037939"/>
-            <a:ext cx="4070437" cy="2988429"/>
-          </a:xfrm>
-          <a:prstGeom prst="rect">
-            <a:avLst/>
-          </a:prstGeom>
-          <a:ln w="25400">
-            <a:solidFill>
-              <a:schemeClr val="accent1"/>
-            </a:solidFill>
+            <a:off x="352963" y="925365"/>
+            <a:ext cx="8165535" cy="2458393"/>
+          </a:xfrm>
+          <a:prstGeom prst="rect">
+            <a:avLst/>
+          </a:prstGeom>
+          <a:ln w="12700">
+            <a:miter lim="400000"/>
           </a:ln>
           <a:extLst>
             <a:ext uri="{C572A759-6A51-4108-AA02-DFA0A04FC94B}">
@@ -5968,140 +6257,291 @@
           </a:extLst>
         </p:spPr>
         <p:txBody>
-          <a:bodyPr lIns="91423" tIns="91423" rIns="91423" bIns="91423">
-            <a:normAutofit fontScale="100000" lnSpcReduction="0"/>
+          <a:bodyPr lIns="0" tIns="0" rIns="0" bIns="0">
+            <a:spAutoFit/>
           </a:bodyPr>
           <a:lstStyle/>
           <a:p>
-            <a:pPr>
-              <a:lnSpc>
-                <a:spcPct val="115000"/>
-              </a:lnSpc>
-              <a:defRPr b="1" sz="1800">
+            <a:pPr defTabSz="457200">
+              <a:spcBef>
+                <a:spcPts val="1400"/>
+              </a:spcBef>
+              <a:defRPr>
                 <a:solidFill>
-                  <a:schemeClr val="accent5"/>
+                  <a:srgbClr val="333333"/>
                 </a:solidFill>
-                <a:latin typeface="Lato"/>
-                <a:ea typeface="Lato"/>
-                <a:cs typeface="Lato"/>
-                <a:sym typeface="Lato"/>
+                <a:latin typeface="+mn-lt"/>
+                <a:ea typeface="+mn-ea"/>
+                <a:cs typeface="+mn-cs"/>
+                <a:sym typeface="Helvetica"/>
               </a:defRPr>
             </a:pPr>
             <a:r>
-              <a:t>framing</a:t>
-            </a:r>
-          </a:p>
-          <a:p>
-            <a:pPr marL="457200" indent="-342900">
-              <a:lnSpc>
-                <a:spcPct val="115000"/>
-              </a:lnSpc>
-              <a:buClr>
-                <a:srgbClr val="000000"/>
-              </a:buClr>
-              <a:buSzPts val="1800"/>
-              <a:buFont typeface="Helvetica"/>
-              <a:buChar char="●"/>
-              <a:defRPr b="1" sz="1800">
+              <a:t>(c)   Write a code segment that will store a dinner selection in </a:t>
+            </a:r>
+            <a:r>
+              <a:rPr>
+                <a:latin typeface="Menlo Regular"/>
+                <a:ea typeface="Menlo Regular"/>
+                <a:cs typeface="Menlo Regular"/>
+                <a:sym typeface="Menlo Regular"/>
+              </a:rPr>
+              <a:t>option1</a:t>
+            </a:r>
+            <a:r>
+              <a:t> based on the values of </a:t>
+            </a:r>
+            <a:r>
+              <a:rPr>
+                <a:latin typeface="Menlo Regular"/>
+                <a:ea typeface="Menlo Regular"/>
+                <a:cs typeface="Menlo Regular"/>
+                <a:sym typeface="Menlo Regular"/>
+              </a:rPr>
+              <a:t>rsvp</a:t>
+            </a:r>
+            <a:r>
+              <a:t> and </a:t>
+            </a:r>
+            <a:r>
+              <a:rPr>
+                <a:latin typeface="Menlo Regular"/>
+                <a:ea typeface="Menlo Regular"/>
+                <a:cs typeface="Menlo Regular"/>
+                <a:sym typeface="Menlo Regular"/>
+              </a:rPr>
+              <a:t>selection</a:t>
+            </a:r>
+            <a:r>
+              <a:t>. The intended behavior of the code segment is described below.</a:t>
+            </a:r>
+          </a:p>
+          <a:p>
+            <a:pPr defTabSz="457200">
+              <a:spcBef>
+                <a:spcPts val="1400"/>
+              </a:spcBef>
+              <a:defRPr>
                 <a:solidFill>
-                  <a:srgbClr val="000000"/>
+                  <a:srgbClr val="333333"/>
                 </a:solidFill>
-                <a:latin typeface="Lato"/>
-                <a:ea typeface="Lato"/>
-                <a:cs typeface="Lato"/>
-                <a:sym typeface="Lato"/>
+                <a:latin typeface="+mn-lt"/>
+                <a:ea typeface="+mn-ea"/>
+                <a:cs typeface="+mn-cs"/>
+                <a:sym typeface="Helvetica"/>
               </a:defRPr>
             </a:pPr>
             <a:r>
-              <a:t>what: </a:t>
-            </a:r>
-            <a:r>
-              <a:rPr b="0"/>
-              <a:t> </a:t>
-            </a:r>
-            <a:endParaRPr b="0"/>
-          </a:p>
-          <a:p>
-            <a:pPr marL="457200" indent="-342900">
-              <a:lnSpc>
-                <a:spcPct val="115000"/>
-              </a:lnSpc>
-              <a:buClr>
-                <a:srgbClr val="000000"/>
-              </a:buClr>
-              <a:buSzPts val="1800"/>
-              <a:buFont typeface="Helvetica"/>
-              <a:buChar char="●"/>
-              <a:defRPr b="1" sz="1800">
+              <a:t>If </a:t>
+            </a:r>
+            <a:r>
+              <a:rPr>
+                <a:latin typeface="Menlo Regular"/>
+                <a:ea typeface="Menlo Regular"/>
+                <a:cs typeface="Menlo Regular"/>
+                <a:sym typeface="Menlo Regular"/>
+              </a:rPr>
+              <a:t>rsvp</a:t>
+            </a:r>
+            <a:r>
+              <a:t> is </a:t>
+            </a:r>
+            <a:r>
+              <a:rPr>
+                <a:latin typeface="Menlo Regular"/>
+                <a:ea typeface="Menlo Regular"/>
+                <a:cs typeface="Menlo Regular"/>
+                <a:sym typeface="Menlo Regular"/>
+              </a:rPr>
+              <a:t>true</a:t>
+            </a:r>
+            <a:r>
+              <a:t>, the code segment should store in </a:t>
+            </a:r>
+            <a:r>
+              <a:rPr>
+                <a:latin typeface="Menlo Regular"/>
+                <a:ea typeface="Menlo Regular"/>
+                <a:cs typeface="Menlo Regular"/>
+                <a:sym typeface="Menlo Regular"/>
+              </a:rPr>
+              <a:t>option1</a:t>
+            </a:r>
+            <a:r>
+              <a:t> a string indicating the person’s attendance and food choice. For example, if </a:t>
+            </a:r>
+            <a:r>
+              <a:rPr>
+                <a:latin typeface="Menlo Regular"/>
+                <a:ea typeface="Menlo Regular"/>
+                <a:cs typeface="Menlo Regular"/>
+                <a:sym typeface="Menlo Regular"/>
+              </a:rPr>
+              <a:t>rsvp</a:t>
+            </a:r>
+            <a:r>
+              <a:t> is </a:t>
+            </a:r>
+            <a:r>
+              <a:rPr>
+                <a:latin typeface="Menlo Regular"/>
+                <a:ea typeface="Menlo Regular"/>
+                <a:cs typeface="Menlo Regular"/>
+                <a:sym typeface="Menlo Regular"/>
+              </a:rPr>
+              <a:t>true</a:t>
+            </a:r>
+            <a:r>
+              <a:t> and </a:t>
+            </a:r>
+            <a:r>
+              <a:rPr>
+                <a:latin typeface="Menlo Regular"/>
+                <a:ea typeface="Menlo Regular"/>
+                <a:cs typeface="Menlo Regular"/>
+                <a:sym typeface="Menlo Regular"/>
+              </a:rPr>
+              <a:t>selection</a:t>
+            </a:r>
+            <a:r>
+              <a:t> is </a:t>
+            </a:r>
+            <a:r>
+              <a:rPr>
+                <a:latin typeface="Menlo Regular"/>
+                <a:ea typeface="Menlo Regular"/>
+                <a:cs typeface="Menlo Regular"/>
+                <a:sym typeface="Menlo Regular"/>
+              </a:rPr>
+              <a:t>1</a:t>
+            </a:r>
+            <a:r>
+              <a:t>, the following string should be stored in </a:t>
+            </a:r>
+            <a:r>
+              <a:rPr>
+                <a:latin typeface="Menlo Regular"/>
+                <a:ea typeface="Menlo Regular"/>
+                <a:cs typeface="Menlo Regular"/>
+                <a:sym typeface="Menlo Regular"/>
+              </a:rPr>
+              <a:t>option1</a:t>
+            </a:r>
+            <a:r>
+              <a:t>.</a:t>
+            </a:r>
+          </a:p>
+          <a:p>
+            <a:pPr defTabSz="457200">
+              <a:defRPr>
                 <a:solidFill>
-                  <a:srgbClr val="000000"/>
+                  <a:srgbClr val="333333"/>
                 </a:solidFill>
-                <a:latin typeface="Lato"/>
-                <a:ea typeface="Lato"/>
-                <a:cs typeface="Lato"/>
-                <a:sym typeface="Lato"/>
+                <a:latin typeface="Menlo Regular"/>
+                <a:ea typeface="Menlo Regular"/>
+                <a:cs typeface="Menlo Regular"/>
+                <a:sym typeface="Menlo Regular"/>
               </a:defRPr>
             </a:pPr>
             <a:r>
-              <a:t>why: </a:t>
-            </a:r>
-            <a:r>
-              <a:rPr b="0"/>
-              <a:t> </a:t>
-            </a:r>
-            <a:endParaRPr b="0"/>
-          </a:p>
-          <a:p>
-            <a:pPr marL="457200" indent="-342900">
-              <a:lnSpc>
-                <a:spcPct val="115000"/>
-              </a:lnSpc>
-              <a:buClr>
-                <a:srgbClr val="000000"/>
-              </a:buClr>
-              <a:buSzPts val="1800"/>
-              <a:buFont typeface="Helvetica"/>
-              <a:buChar char="●"/>
-              <a:defRPr b="1" sz="1800">
+              <a:t>"Thanks for attending. You will be served beef."</a:t>
+            </a:r>
+          </a:p>
+          <a:p>
+            <a:pPr defTabSz="457200">
+              <a:spcBef>
+                <a:spcPts val="1400"/>
+              </a:spcBef>
+              <a:defRPr>
                 <a:solidFill>
-                  <a:srgbClr val="000000"/>
+                  <a:srgbClr val="333333"/>
                 </a:solidFill>
-                <a:latin typeface="Lato"/>
-                <a:ea typeface="Lato"/>
-                <a:cs typeface="Lato"/>
-                <a:sym typeface="Lato"/>
+                <a:latin typeface="+mn-lt"/>
+                <a:ea typeface="+mn-ea"/>
+                <a:cs typeface="+mn-cs"/>
+                <a:sym typeface="Helvetica"/>
               </a:defRPr>
             </a:pPr>
             <a:r>
-              <a:t>where to: </a:t>
-            </a:r>
-            <a:r>
-              <a:rPr b="0"/>
-              <a:t> </a:t>
-            </a:r>
-          </a:p>
-        </p:txBody>
-      </p:sp>
-      <p:pic>
-        <p:nvPicPr>
-          <p:cNvPr id="196" name="Image" descr="Image"/>
-          <p:cNvPicPr>
-            <a:picLocks noChangeAspect="1"/>
-          </p:cNvPicPr>
+              <a:t>If </a:t>
+            </a:r>
+            <a:r>
+              <a:rPr>
+                <a:latin typeface="Menlo Regular"/>
+                <a:ea typeface="Menlo Regular"/>
+                <a:cs typeface="Menlo Regular"/>
+                <a:sym typeface="Menlo Regular"/>
+              </a:rPr>
+              <a:t>rsvp</a:t>
+            </a:r>
+            <a:r>
+              <a:t> is </a:t>
+            </a:r>
+            <a:r>
+              <a:rPr>
+                <a:latin typeface="Menlo Regular"/>
+                <a:ea typeface="Menlo Regular"/>
+                <a:cs typeface="Menlo Regular"/>
+                <a:sym typeface="Menlo Regular"/>
+              </a:rPr>
+              <a:t>false</a:t>
+            </a:r>
+            <a:r>
+              <a:t>, the following string should be stored in </a:t>
+            </a:r>
+            <a:r>
+              <a:rPr>
+                <a:latin typeface="Menlo Regular"/>
+                <a:ea typeface="Menlo Regular"/>
+                <a:cs typeface="Menlo Regular"/>
+                <a:sym typeface="Menlo Regular"/>
+              </a:rPr>
+              <a:t>option1</a:t>
+            </a:r>
+            <a:r>
+              <a:t>, regardless of the value of </a:t>
+            </a:r>
+            <a:r>
+              <a:rPr>
+                <a:latin typeface="Menlo Regular"/>
+                <a:ea typeface="Menlo Regular"/>
+                <a:cs typeface="Menlo Regular"/>
+                <a:sym typeface="Menlo Regular"/>
+              </a:rPr>
+              <a:t>selection</a:t>
+            </a:r>
+            <a:r>
+              <a:t>.</a:t>
+            </a:r>
+          </a:p>
+          <a:p>
+            <a:pPr defTabSz="457200">
+              <a:defRPr>
+                <a:solidFill>
+                  <a:srgbClr val="333333"/>
+                </a:solidFill>
+                <a:latin typeface="Menlo Regular"/>
+                <a:ea typeface="Menlo Regular"/>
+                <a:cs typeface="Menlo Regular"/>
+                <a:sym typeface="Menlo Regular"/>
+              </a:defRPr>
+            </a:pPr>
+            <a:r>
+              <a:t>"Sorry you can't make it."</a:t>
+            </a:r>
+          </a:p>
+        </p:txBody>
+      </p:sp>
+      <p:sp>
+        <p:nvSpPr>
+          <p:cNvPr id="218" name="(d)   Write a code segment that will print true if the strings option1 and option2 contain the same values and will print false otherwise."/>
+          <p:cNvSpPr txBox="1"/>
           <p:nvPr/>
-        </p:nvPicPr>
-        <p:blipFill>
-          <a:blip r:embed="rId2">
-            <a:extLst/>
-          </a:blip>
-          <a:stretch>
-            <a:fillRect/>
-          </a:stretch>
-        </p:blipFill>
-        <p:spPr>
-          <a:xfrm>
-            <a:off x="239993" y="1497277"/>
-            <a:ext cx="3352801" cy="2425701"/>
+        </p:nvSpPr>
+        <p:spPr>
+          <a:xfrm>
+            <a:off x="401297" y="3874422"/>
+            <a:ext cx="8933261" cy="827585"/>
           </a:xfrm>
           <a:prstGeom prst="rect">
             <a:avLst/>
@@ -6109,8 +6549,86 @@
           <a:ln w="12700">
             <a:miter lim="400000"/>
           </a:ln>
-        </p:spPr>
-      </p:pic>
+          <a:extLst>
+            <a:ext uri="{C572A759-6A51-4108-AA02-DFA0A04FC94B}">
+              <ma14:wrappingTextBoxFlag xmlns:ma14="http://schemas.microsoft.com/office/mac/drawingml/2011/main" val="1"/>
+            </a:ext>
+          </a:extLst>
+        </p:spPr>
+        <p:txBody>
+          <a:bodyPr wrap="none" lIns="0" tIns="0" rIns="0" bIns="0">
+            <a:spAutoFit/>
+          </a:bodyPr>
+          <a:lstStyle/>
+          <a:p>
+            <a:pPr defTabSz="457200">
+              <a:spcBef>
+                <a:spcPts val="1400"/>
+              </a:spcBef>
+              <a:defRPr>
+                <a:solidFill>
+                  <a:srgbClr val="333333"/>
+                </a:solidFill>
+                <a:latin typeface="+mn-lt"/>
+                <a:ea typeface="+mn-ea"/>
+                <a:cs typeface="+mn-cs"/>
+                <a:sym typeface="Helvetica"/>
+              </a:defRPr>
+            </a:pPr>
+            <a:r>
+              <a:t>(d)   Write a code segment that will print </a:t>
+            </a:r>
+            <a:r>
+              <a:rPr>
+                <a:latin typeface="Menlo Regular"/>
+                <a:ea typeface="Menlo Regular"/>
+                <a:cs typeface="Menlo Regular"/>
+                <a:sym typeface="Menlo Regular"/>
+              </a:rPr>
+              <a:t>true</a:t>
+            </a:r>
+            <a:r>
+              <a:t> if the strings </a:t>
+            </a:r>
+            <a:r>
+              <a:rPr>
+                <a:latin typeface="Menlo Regular"/>
+                <a:ea typeface="Menlo Regular"/>
+                <a:cs typeface="Menlo Regular"/>
+                <a:sym typeface="Menlo Regular"/>
+              </a:rPr>
+              <a:t>option1</a:t>
+            </a:r>
+            <a:r>
+              <a:t> and </a:t>
+            </a:r>
+            <a:r>
+              <a:rPr>
+                <a:latin typeface="Menlo Regular"/>
+                <a:ea typeface="Menlo Regular"/>
+                <a:cs typeface="Menlo Regular"/>
+                <a:sym typeface="Menlo Regular"/>
+              </a:rPr>
+              <a:t>option2</a:t>
+            </a:r>
+            <a:r>
+              <a:t> contain the same values and will print </a:t>
+            </a:r>
+            <a:r>
+              <a:rPr>
+                <a:latin typeface="Menlo Regular"/>
+                <a:ea typeface="Menlo Regular"/>
+                <a:cs typeface="Menlo Regular"/>
+                <a:sym typeface="Menlo Regular"/>
+              </a:rPr>
+              <a:t>false</a:t>
+            </a:r>
+            <a:r>
+              <a:t> otherwise.</a:t>
+            </a:r>
+          </a:p>
+        </p:txBody>
+      </p:sp>
     </p:spTree>
   </p:cSld>
   <p:clrMapOvr>
@@ -6150,7 +6668,681 @@
                                       <p:cBhvr>
                                         <p:cTn id="6" fill="hold"/>
                                         <p:tgtEl>
-                                          <p:spTgt spid="195">
+                                          <p:spTgt spid="218"/>
+                                        </p:tgtEl>
+                                        <p:attrNameLst>
+                                          <p:attrName>style.visibility</p:attrName>
+                                        </p:attrNameLst>
+                                      </p:cBhvr>
+                                      <p:to>
+                                        <p:strVal val="visible"/>
+                                      </p:to>
+                                    </p:set>
+                                  </p:childTnLst>
+                                </p:cTn>
+                              </p:par>
+                            </p:childTnLst>
+                          </p:cTn>
+                        </p:par>
+                      </p:childTnLst>
+                    </p:cTn>
+                  </p:par>
+                </p:childTnLst>
+              </p:cTn>
+              <p:prevCondLst>
+                <p:cond evt="onPrev">
+                  <p:tgtEl>
+                    <p:sldTgt/>
+                  </p:tgtEl>
+                </p:cond>
+              </p:prevCondLst>
+              <p:nextCondLst>
+                <p:cond evt="onNext">
+                  <p:tgtEl>
+                    <p:sldTgt/>
+                  </p:tgtEl>
+                </p:cond>
+              </p:nextCondLst>
+            </p:seq>
+          </p:childTnLst>
+        </p:cTn>
+      </p:par>
+    </p:tnLst>
+    <p:bldLst>
+      <p:bldP build="whole" bldLvl="1" animBg="1" rev="0" advAuto="0" spid="218" grpId="1"/>
+    </p:bldLst>
+  </p:timing>
+</p:sld>
+</file>
+
+<file path=ppt/slides/slide6.xml><?xml version="1.0" encoding="utf-8"?>
+<p:sld xmlns:a="http://schemas.openxmlformats.org/drawingml/2006/main" xmlns:r="http://schemas.openxmlformats.org/officeDocument/2006/relationships" xmlns:p="http://schemas.openxmlformats.org/presentationml/2006/main" xmlns:m="http://schemas.openxmlformats.org/officeDocument/2006/math" xmlns:a14="http://schemas.microsoft.com/office/drawing/2010/main" showMasterSp="1" showMasterPhAnim="1">
+  <p:cSld>
+    <p:spTree>
+      <p:nvGrpSpPr>
+        <p:cNvPr id="1" name=""/>
+        <p:cNvGrpSpPr/>
+        <p:nvPr/>
+      </p:nvGrpSpPr>
+      <p:grpSpPr>
+        <a:xfrm>
+          <a:off x="0" y="0"/>
+          <a:ext cx="0" cy="0"/>
+          <a:chOff x="0" y="0"/>
+          <a:chExt cx="0" cy="0"/>
+        </a:xfrm>
+      </p:grpSpPr>
+      <p:sp>
+        <p:nvSpPr>
+          <p:cNvPr id="222" name="Iteration"/>
+          <p:cNvSpPr txBox="1"/>
+          <p:nvPr>
+            <p:ph type="title"/>
+          </p:nvPr>
+        </p:nvSpPr>
+        <p:spPr>
+          <a:prstGeom prst="rect">
+            <a:avLst/>
+          </a:prstGeom>
+        </p:spPr>
+        <p:txBody>
+          <a:bodyPr/>
+          <a:lstStyle>
+            <a:lvl1pPr defTabSz="886968">
+              <a:defRPr sz="2910"/>
+            </a:lvl1pPr>
+          </a:lstStyle>
+          <a:p>
+            <a:pPr/>
+            <a:r>
+              <a:t>Iteration</a:t>
+            </a:r>
+          </a:p>
+        </p:txBody>
+      </p:sp>
+      <p:sp>
+        <p:nvSpPr>
+          <p:cNvPr id="223" name="This just refers to using while loops and for loops"/>
+          <p:cNvSpPr txBox="1"/>
+          <p:nvPr>
+            <p:ph type="body" idx="1"/>
+          </p:nvPr>
+        </p:nvSpPr>
+        <p:spPr>
+          <a:xfrm>
+            <a:off x="2071908" y="1229389"/>
+            <a:ext cx="6321604" cy="3002404"/>
+          </a:xfrm>
+          <a:prstGeom prst="rect">
+            <a:avLst/>
+          </a:prstGeom>
+        </p:spPr>
+        <p:txBody>
+          <a:bodyPr/>
+          <a:lstStyle/>
+          <a:p>
+            <a:pPr/>
+            <a:r>
+              <a:t>This just refers to using while loops and for loops</a:t>
+            </a:r>
+          </a:p>
+        </p:txBody>
+      </p:sp>
+      <p:pic>
+        <p:nvPicPr>
+          <p:cNvPr id="224" name="Image" descr="Image"/>
+          <p:cNvPicPr>
+            <a:picLocks noChangeAspect="1"/>
+          </p:cNvPicPr>
+          <p:nvPr/>
+        </p:nvPicPr>
+        <p:blipFill>
+          <a:blip r:embed="rId2">
+            <a:extLst/>
+          </a:blip>
+          <a:stretch>
+            <a:fillRect/>
+          </a:stretch>
+        </p:blipFill>
+        <p:spPr>
+          <a:xfrm>
+            <a:off x="2393254" y="1707263"/>
+            <a:ext cx="5372101" cy="2527301"/>
+          </a:xfrm>
+          <a:prstGeom prst="rect">
+            <a:avLst/>
+          </a:prstGeom>
+          <a:ln w="12700">
+            <a:miter lim="400000"/>
+          </a:ln>
+        </p:spPr>
+      </p:pic>
+    </p:spTree>
+  </p:cSld>
+  <p:clrMapOvr>
+    <a:masterClrMapping/>
+  </p:clrMapOvr>
+  <p:transition xmlns:p14="http://schemas.microsoft.com/office/powerpoint/2010/main" spd="med" advClick="1"/>
+</p:sld>
+</file>
+
+<file path=ppt/slides/slide7.xml><?xml version="1.0" encoding="utf-8"?>
+<p:sld xmlns:a="http://schemas.openxmlformats.org/drawingml/2006/main" xmlns:r="http://schemas.openxmlformats.org/officeDocument/2006/relationships" xmlns:p="http://schemas.openxmlformats.org/presentationml/2006/main" xmlns:m="http://schemas.openxmlformats.org/officeDocument/2006/math" xmlns:a14="http://schemas.microsoft.com/office/drawing/2010/main" showMasterSp="1" showMasterPhAnim="1">
+  <p:cSld>
+    <p:spTree>
+      <p:nvGrpSpPr>
+        <p:cNvPr id="1" name=""/>
+        <p:cNvGrpSpPr/>
+        <p:nvPr/>
+      </p:nvGrpSpPr>
+      <p:grpSpPr>
+        <a:xfrm>
+          <a:off x="0" y="0"/>
+          <a:ext cx="0" cy="0"/>
+          <a:chOff x="0" y="0"/>
+          <a:chExt cx="0" cy="0"/>
+        </a:xfrm>
+      </p:grpSpPr>
+      <p:sp>
+        <p:nvSpPr>
+          <p:cNvPr id="226" name="practice problem: question 1"/>
+          <p:cNvSpPr txBox="1"/>
+          <p:nvPr>
+            <p:ph type="title"/>
+          </p:nvPr>
+        </p:nvSpPr>
+        <p:spPr>
+          <a:prstGeom prst="rect">
+            <a:avLst/>
+          </a:prstGeom>
+        </p:spPr>
+        <p:txBody>
+          <a:bodyPr/>
+          <a:lstStyle>
+            <a:lvl1pPr defTabSz="886968">
+              <a:defRPr sz="2910"/>
+            </a:lvl1pPr>
+          </a:lstStyle>
+          <a:p>
+            <a:pPr/>
+            <a:r>
+              <a:t>practice problem: question 1</a:t>
+            </a:r>
+          </a:p>
+        </p:txBody>
+      </p:sp>
+      <p:sp>
+        <p:nvSpPr>
+          <p:cNvPr id="227" name="The method longestStreak is intended to determine the longest substring of consecutive identical characters in the parameter str and print the result.…"/>
+          <p:cNvSpPr txBox="1"/>
+          <p:nvPr/>
+        </p:nvSpPr>
+        <p:spPr>
+          <a:xfrm>
+            <a:off x="564340" y="1812519"/>
+            <a:ext cx="7197605" cy="2393926"/>
+          </a:xfrm>
+          <a:prstGeom prst="rect">
+            <a:avLst/>
+          </a:prstGeom>
+          <a:ln w="12700">
+            <a:miter lim="400000"/>
+          </a:ln>
+          <a:extLst>
+            <a:ext uri="{C572A759-6A51-4108-AA02-DFA0A04FC94B}">
+              <ma14:wrappingTextBoxFlag xmlns:ma14="http://schemas.microsoft.com/office/mac/drawingml/2011/main" val="1"/>
+            </a:ext>
+          </a:extLst>
+        </p:spPr>
+        <p:txBody>
+          <a:bodyPr lIns="0" tIns="0" rIns="0" bIns="0">
+            <a:spAutoFit/>
+          </a:bodyPr>
+          <a:lstStyle/>
+          <a:p>
+            <a:pPr defTabSz="457200">
+              <a:spcBef>
+                <a:spcPts val="1400"/>
+              </a:spcBef>
+              <a:defRPr sz="1700">
+                <a:solidFill>
+                  <a:srgbClr val="333333"/>
+                </a:solidFill>
+                <a:latin typeface="+mn-lt"/>
+                <a:ea typeface="+mn-ea"/>
+                <a:cs typeface="+mn-cs"/>
+                <a:sym typeface="Helvetica"/>
+              </a:defRPr>
+            </a:pPr>
+            <a:r>
+              <a:t>The method </a:t>
+            </a:r>
+            <a:r>
+              <a:rPr>
+                <a:latin typeface="Menlo Regular"/>
+                <a:ea typeface="Menlo Regular"/>
+                <a:cs typeface="Menlo Regular"/>
+                <a:sym typeface="Menlo Regular"/>
+              </a:rPr>
+              <a:t>longestStreak</a:t>
+            </a:r>
+            <a:r>
+              <a:t> is intended to determine the longest substring of consecutive identical characters in the parameter </a:t>
+            </a:r>
+            <a:r>
+              <a:rPr>
+                <a:latin typeface="Menlo Regular"/>
+                <a:ea typeface="Menlo Regular"/>
+                <a:cs typeface="Menlo Regular"/>
+                <a:sym typeface="Menlo Regular"/>
+              </a:rPr>
+              <a:t>str</a:t>
+            </a:r>
+            <a:r>
+              <a:t> and print the result.</a:t>
+            </a:r>
+          </a:p>
+          <a:p>
+            <a:pPr defTabSz="457200">
+              <a:spcBef>
+                <a:spcPts val="1400"/>
+              </a:spcBef>
+              <a:defRPr sz="1700">
+                <a:solidFill>
+                  <a:srgbClr val="333333"/>
+                </a:solidFill>
+                <a:latin typeface="+mn-lt"/>
+                <a:ea typeface="+mn-ea"/>
+                <a:cs typeface="+mn-cs"/>
+                <a:sym typeface="Helvetica"/>
+              </a:defRPr>
+            </a:pPr>
+            <a:r>
+              <a:t>For example, the call </a:t>
+            </a:r>
+            <a:r>
+              <a:rPr>
+                <a:latin typeface="Menlo Regular"/>
+                <a:ea typeface="Menlo Regular"/>
+                <a:cs typeface="Menlo Regular"/>
+                <a:sym typeface="Menlo Regular"/>
+              </a:rPr>
+              <a:t>longestStreak("CCAAAAATTT!")</a:t>
+            </a:r>
+            <a:r>
+              <a:t> should print the result </a:t>
+            </a:r>
+            <a:r>
+              <a:rPr>
+                <a:latin typeface="Menlo Regular"/>
+                <a:ea typeface="Menlo Regular"/>
+                <a:cs typeface="Menlo Regular"/>
+                <a:sym typeface="Menlo Regular"/>
+              </a:rPr>
+              <a:t>"A 5"</a:t>
+            </a:r>
+            <a:r>
+              <a:t> because the longest substring of consecutive identical characters is </a:t>
+            </a:r>
+            <a:r>
+              <a:rPr>
+                <a:latin typeface="Menlo Regular"/>
+                <a:ea typeface="Menlo Regular"/>
+                <a:cs typeface="Menlo Regular"/>
+                <a:sym typeface="Menlo Regular"/>
+              </a:rPr>
+              <a:t>"AAAAA"</a:t>
+            </a:r>
+            <a:r>
+              <a:t>.</a:t>
+            </a:r>
+          </a:p>
+          <a:p>
+            <a:pPr defTabSz="457200">
+              <a:spcBef>
+                <a:spcPts val="1400"/>
+              </a:spcBef>
+              <a:defRPr sz="1700">
+                <a:solidFill>
+                  <a:srgbClr val="333333"/>
+                </a:solidFill>
+                <a:latin typeface="+mn-lt"/>
+                <a:ea typeface="+mn-ea"/>
+                <a:cs typeface="+mn-cs"/>
+                <a:sym typeface="Helvetica"/>
+              </a:defRPr>
+            </a:pPr>
+            <a:r>
+              <a:t>Complete the method. Your implementation should conform to the example above.</a:t>
+            </a:r>
+          </a:p>
+        </p:txBody>
+      </p:sp>
+      <p:sp>
+        <p:nvSpPr>
+          <p:cNvPr id="228" name="work on Unit 4 progress check on AP Classroom!"/>
+          <p:cNvSpPr txBox="1"/>
+          <p:nvPr/>
+        </p:nvSpPr>
+        <p:spPr>
+          <a:xfrm>
+            <a:off x="2584768" y="1352602"/>
+            <a:ext cx="4110262" cy="197384"/>
+          </a:xfrm>
+          <a:prstGeom prst="rect">
+            <a:avLst/>
+          </a:prstGeom>
+          <a:ln w="12700">
+            <a:miter lim="400000"/>
+          </a:ln>
+          <a:extLst>
+            <a:ext uri="{C572A759-6A51-4108-AA02-DFA0A04FC94B}">
+              <ma14:wrappingTextBoxFlag xmlns:ma14="http://schemas.microsoft.com/office/mac/drawingml/2011/main" val="1"/>
+            </a:ext>
+          </a:extLst>
+        </p:spPr>
+        <p:txBody>
+          <a:bodyPr wrap="none" lIns="0" tIns="0" rIns="0" bIns="0">
+            <a:spAutoFit/>
+          </a:bodyPr>
+          <a:lstStyle/>
+          <a:p>
+            <a:pPr/>
+            <a:r>
+              <a:t>work on </a:t>
+            </a:r>
+            <a:r>
+              <a:rPr b="1"/>
+              <a:t>Unit 4 progress check </a:t>
+            </a:r>
+            <a:r>
+              <a:t>on </a:t>
+            </a:r>
+            <a:r>
+              <a:rPr b="1"/>
+              <a:t>AP Classroom!</a:t>
+            </a:r>
+          </a:p>
+        </p:txBody>
+      </p:sp>
+    </p:spTree>
+  </p:cSld>
+  <p:clrMapOvr>
+    <a:masterClrMapping/>
+  </p:clrMapOvr>
+  <p:transition xmlns:p14="http://schemas.microsoft.com/office/powerpoint/2010/main" spd="med" advClick="1"/>
+</p:sld>
+</file>
+
+<file path=ppt/slides/slide8.xml><?xml version="1.0" encoding="utf-8"?>
+<p:sld xmlns:a="http://schemas.openxmlformats.org/drawingml/2006/main" xmlns:r="http://schemas.openxmlformats.org/officeDocument/2006/relationships" xmlns:p="http://schemas.openxmlformats.org/presentationml/2006/main" xmlns:m="http://schemas.openxmlformats.org/officeDocument/2006/math" xmlns:a14="http://schemas.microsoft.com/office/drawing/2010/main" showMasterSp="1" showMasterPhAnim="1">
+  <p:cSld>
+    <p:spTree>
+      <p:nvGrpSpPr>
+        <p:cNvPr id="1" name=""/>
+        <p:cNvGrpSpPr/>
+        <p:nvPr/>
+      </p:nvGrpSpPr>
+      <p:grpSpPr>
+        <a:xfrm>
+          <a:off x="0" y="0"/>
+          <a:ext cx="0" cy="0"/>
+          <a:chOff x="0" y="0"/>
+          <a:chExt cx="0" cy="0"/>
+        </a:xfrm>
+      </p:grpSpPr>
+      <p:sp>
+        <p:nvSpPr>
+          <p:cNvPr id="230" name="Double-click to edit"/>
+          <p:cNvSpPr txBox="1"/>
+          <p:nvPr>
+            <p:ph type="title"/>
+          </p:nvPr>
+        </p:nvSpPr>
+        <p:spPr>
+          <a:prstGeom prst="rect">
+            <a:avLst/>
+          </a:prstGeom>
+        </p:spPr>
+        <p:txBody>
+          <a:bodyPr/>
+          <a:lstStyle/>
+          <a:p>
+            <a:pPr defTabSz="886968">
+              <a:defRPr sz="2910"/>
+            </a:pPr>
+          </a:p>
+        </p:txBody>
+      </p:sp>
+      <p:sp>
+        <p:nvSpPr>
+          <p:cNvPr id="231" name="Double-click to edit"/>
+          <p:cNvSpPr txBox="1"/>
+          <p:nvPr>
+            <p:ph type="body" idx="1"/>
+          </p:nvPr>
+        </p:nvSpPr>
+        <p:spPr>
+          <a:prstGeom prst="rect">
+            <a:avLst/>
+          </a:prstGeom>
+        </p:spPr>
+        <p:txBody>
+          <a:bodyPr/>
+          <a:lstStyle/>
+          <a:p>
+            <a:pPr/>
+          </a:p>
+        </p:txBody>
+      </p:sp>
+      <p:sp>
+        <p:nvSpPr>
+          <p:cNvPr id="232" name="What do you understand better after today’s review session?…"/>
+          <p:cNvSpPr txBox="1"/>
+          <p:nvPr/>
+        </p:nvSpPr>
+        <p:spPr>
+          <a:xfrm>
+            <a:off x="778973" y="1924050"/>
+            <a:ext cx="3278433" cy="863600"/>
+          </a:xfrm>
+          <a:prstGeom prst="rect">
+            <a:avLst/>
+          </a:prstGeom>
+          <a:ln w="12700">
+            <a:miter lim="400000"/>
+          </a:ln>
+          <a:extLst>
+            <a:ext uri="{C572A759-6A51-4108-AA02-DFA0A04FC94B}">
+              <ma14:wrappingTextBoxFlag xmlns:ma14="http://schemas.microsoft.com/office/mac/drawingml/2011/main" val="1"/>
+            </a:ext>
+          </a:extLst>
+        </p:spPr>
+        <p:txBody>
+          <a:bodyPr lIns="0" tIns="0" rIns="0" bIns="0">
+            <a:spAutoFit/>
+          </a:bodyPr>
+          <a:lstStyle/>
+          <a:p>
+            <a:pPr marL="187157" indent="-187157">
+              <a:buSzPct val="100000"/>
+              <a:buAutoNum type="arabicPeriod" startAt="1"/>
+              <a:defRPr>
+                <a:latin typeface="+mn-lt"/>
+                <a:ea typeface="+mn-ea"/>
+                <a:cs typeface="+mn-cs"/>
+                <a:sym typeface="Helvetica"/>
+              </a:defRPr>
+            </a:pPr>
+            <a:r>
+              <a:t>What do you understand better after today’s review session?</a:t>
+            </a:r>
+          </a:p>
+          <a:p>
+            <a:pPr marL="187157" indent="-187157">
+              <a:buSzPct val="100000"/>
+              <a:buAutoNum type="arabicPeriod" startAt="1"/>
+              <a:defRPr>
+                <a:latin typeface="+mn-lt"/>
+                <a:ea typeface="+mn-ea"/>
+                <a:cs typeface="+mn-cs"/>
+                <a:sym typeface="Helvetica"/>
+              </a:defRPr>
+            </a:pPr>
+            <a:r>
+              <a:t>What do you still need to work on?</a:t>
+            </a:r>
+          </a:p>
+        </p:txBody>
+      </p:sp>
+      <p:pic>
+        <p:nvPicPr>
+          <p:cNvPr id="233" name="Image" descr="Image"/>
+          <p:cNvPicPr>
+            <a:picLocks noChangeAspect="1"/>
+          </p:cNvPicPr>
+          <p:nvPr/>
+        </p:nvPicPr>
+        <p:blipFill>
+          <a:blip r:embed="rId2">
+            <a:extLst/>
+          </a:blip>
+          <a:stretch>
+            <a:fillRect/>
+          </a:stretch>
+        </p:blipFill>
+        <p:spPr>
+          <a:xfrm>
+            <a:off x="4616052" y="1554712"/>
+            <a:ext cx="3053022" cy="2034076"/>
+          </a:xfrm>
+          <a:prstGeom prst="rect">
+            <a:avLst/>
+          </a:prstGeom>
+          <a:ln w="12700">
+            <a:miter lim="400000"/>
+          </a:ln>
+        </p:spPr>
+      </p:pic>
+      <p:sp>
+        <p:nvSpPr>
+          <p:cNvPr id="234" name="Reflection: Thinking about thinking…"/>
+          <p:cNvSpPr txBox="1"/>
+          <p:nvPr/>
+        </p:nvSpPr>
+        <p:spPr>
+          <a:xfrm>
+            <a:off x="1404467" y="357128"/>
+            <a:ext cx="7302728" cy="939691"/>
+          </a:xfrm>
+          <a:prstGeom prst="rect">
+            <a:avLst/>
+          </a:prstGeom>
+          <a:solidFill>
+            <a:srgbClr val="FFFFFF"/>
+          </a:solidFill>
+          <a:ln w="25400">
+            <a:solidFill>
+              <a:schemeClr val="accent1"/>
+            </a:solidFill>
+          </a:ln>
+          <a:extLst>
+            <a:ext uri="{C572A759-6A51-4108-AA02-DFA0A04FC94B}">
+              <ma14:wrappingTextBoxFlag xmlns:ma14="http://schemas.microsoft.com/office/mac/drawingml/2011/main" val="1"/>
+            </a:ext>
+          </a:extLst>
+        </p:spPr>
+        <p:txBody>
+          <a:bodyPr lIns="91422" tIns="91422" rIns="91422" bIns="91422">
+            <a:normAutofit fontScale="100000" lnSpcReduction="0"/>
+          </a:bodyPr>
+          <a:lstStyle/>
+          <a:p>
+            <a:pPr defTabSz="813816">
+              <a:defRPr sz="2100"/>
+            </a:pPr>
+            <a:r>
+              <a:t>Reflection: Thinking about thinking</a:t>
+            </a:r>
+          </a:p>
+          <a:p>
+            <a:pPr defTabSz="813816">
+              <a:defRPr sz="1200">
+                <a:solidFill>
+                  <a:schemeClr val="accent5"/>
+                </a:solidFill>
+                <a:latin typeface="+mn-lt"/>
+                <a:ea typeface="+mn-ea"/>
+                <a:cs typeface="+mn-cs"/>
+                <a:sym typeface="Helvetica"/>
+              </a:defRPr>
+            </a:pPr>
+            <a:r>
+              <a:t>be sure to:</a:t>
+            </a:r>
+            <a:r>
+              <a:rPr>
+                <a:solidFill>
+                  <a:schemeClr val="accent5">
+                    <a:lumOff val="-9843"/>
+                  </a:schemeClr>
+                </a:solidFill>
+              </a:rPr>
+              <a:t> </a:t>
+            </a:r>
+            <a:r>
+              <a:rPr>
+                <a:solidFill>
+                  <a:schemeClr val="accent3">
+                    <a:lumOff val="-9098"/>
+                  </a:schemeClr>
+                </a:solidFill>
+              </a:rPr>
+              <a:t>Answer each question below with a complete sentence.</a:t>
+            </a:r>
+          </a:p>
+        </p:txBody>
+      </p:sp>
+    </p:spTree>
+  </p:cSld>
+  <p:clrMapOvr>
+    <a:masterClrMapping/>
+  </p:clrMapOvr>
+  <p:transition xmlns:p14="http://schemas.microsoft.com/office/powerpoint/2010/main" spd="med" advClick="1"/>
+  <p:timing>
+    <p:tnLst>
+      <p:par>
+        <p:cTn id="1" nodeType="tmRoot" restart="never" dur="indefinite" fill="hold">
+          <p:childTnLst>
+            <p:seq concurrent="1" prevAc="none" nextAc="seek">
+              <p:cTn id="2" nodeType="mainSeq" dur="indefinite" fill="hold">
+                <p:childTnLst>
+                  <p:par>
+                    <p:cTn id="3" fill="hold">
+                      <p:stCondLst>
+                        <p:cond delay="indefinite"/>
+                      </p:stCondLst>
+                      <p:childTnLst>
+                        <p:par>
+                          <p:cTn id="4" fill="hold">
+                            <p:stCondLst>
+                              <p:cond delay="0"/>
+                            </p:stCondLst>
+                            <p:childTnLst>
+                              <p:par>
+                                <p:cTn id="5" presetClass="entr" nodeType="clickEffect" presetSubtype="0" presetID="1" grpId="1" fill="hold">
+                                  <p:stCondLst>
+                                    <p:cond delay="0"/>
+                                  </p:stCondLst>
+                                  <p:iterate type="el" backwards="0">
+                                    <p:tmAbs val="0"/>
+                                  </p:iterate>
+                                  <p:childTnLst>
+                                    <p:set>
+                                      <p:cBhvr>
+                                        <p:cTn id="6" fill="hold"/>
+                                        <p:tgtEl>
+                                          <p:spTgt spid="232">
                                             <p:bg/>
                                           </p:spTgt>
                                         </p:tgtEl>
@@ -6178,7 +7370,7 @@
                                       <p:cBhvr>
                                         <p:cTn id="8" fill="hold"/>
                                         <p:tgtEl>
-                                          <p:spTgt spid="195">
+                                          <p:spTgt spid="232">
                                             <p:txEl>
                                               <p:pRg st="0" end="0"/>
                                             </p:txEl>
@@ -6226,7 +7418,7 @@
                                       <p:cBhvr>
                                         <p:cTn id="12" fill="hold"/>
                                         <p:tgtEl>
-                                          <p:spTgt spid="195">
+                                          <p:spTgt spid="232">
                                             <p:txEl>
                                               <p:pRg st="1" end="1"/>
                                             </p:txEl>
@@ -6274,2654 +7466,7 @@
                                       <p:cBhvr>
                                         <p:cTn id="16" fill="hold"/>
                                         <p:tgtEl>
-                                          <p:spTgt spid="195">
-                                            <p:txEl>
-                                              <p:pRg st="2" end="2"/>
-                                            </p:txEl>
-                                          </p:spTgt>
-                                        </p:tgtEl>
-                                        <p:attrNameLst>
-                                          <p:attrName>style.visibility</p:attrName>
-                                        </p:attrNameLst>
-                                      </p:cBhvr>
-                                      <p:to>
-                                        <p:strVal val="visible"/>
-                                      </p:to>
-                                    </p:set>
-                                  </p:childTnLst>
-                                </p:cTn>
-                              </p:par>
-                            </p:childTnLst>
-                          </p:cTn>
-                        </p:par>
-                      </p:childTnLst>
-                    </p:cTn>
-                  </p:par>
-                  <p:par>
-                    <p:cTn id="17" fill="hold">
-                      <p:stCondLst>
-                        <p:cond delay="indefinite"/>
-                      </p:stCondLst>
-                      <p:childTnLst>
-                        <p:par>
-                          <p:cTn id="18" fill="hold">
-                            <p:stCondLst>
-                              <p:cond delay="0"/>
-                            </p:stCondLst>
-                            <p:childTnLst>
-                              <p:par>
-                                <p:cTn id="19" presetClass="entr" nodeType="clickEffect" presetSubtype="0" presetID="1" grpId="1" fill="hold">
-                                  <p:stCondLst>
-                                    <p:cond delay="0"/>
-                                  </p:stCondLst>
-                                  <p:iterate type="el" backwards="0">
-                                    <p:tmAbs val="0"/>
-                                  </p:iterate>
-                                  <p:childTnLst>
-                                    <p:set>
-                                      <p:cBhvr>
-                                        <p:cTn id="20" fill="hold"/>
-                                        <p:tgtEl>
-                                          <p:spTgt spid="195">
-                                            <p:txEl>
-                                              <p:pRg st="3" end="3"/>
-                                            </p:txEl>
-                                          </p:spTgt>
-                                        </p:tgtEl>
-                                        <p:attrNameLst>
-                                          <p:attrName>style.visibility</p:attrName>
-                                        </p:attrNameLst>
-                                      </p:cBhvr>
-                                      <p:to>
-                                        <p:strVal val="visible"/>
-                                      </p:to>
-                                    </p:set>
-                                  </p:childTnLst>
-                                </p:cTn>
-                              </p:par>
-                            </p:childTnLst>
-                          </p:cTn>
-                        </p:par>
-                      </p:childTnLst>
-                    </p:cTn>
-                  </p:par>
-                </p:childTnLst>
-              </p:cTn>
-              <p:prevCondLst>
-                <p:cond evt="onPrev">
-                  <p:tgtEl>
-                    <p:sldTgt/>
-                  </p:tgtEl>
-                </p:cond>
-              </p:prevCondLst>
-              <p:nextCondLst>
-                <p:cond evt="onNext">
-                  <p:tgtEl>
-                    <p:sldTgt/>
-                  </p:tgtEl>
-                </p:cond>
-              </p:nextCondLst>
-            </p:seq>
-          </p:childTnLst>
-        </p:cTn>
-      </p:par>
-    </p:tnLst>
-    <p:bldLst>
-      <p:bldP build="p" bldLvl="5" animBg="1" rev="0" advAuto="0" spid="195" grpId="1"/>
-    </p:bldLst>
-  </p:timing>
-</p:sld>
-</file>
-
-<file path=ppt/slides/slide4.xml><?xml version="1.0" encoding="utf-8"?>
-<p:sld xmlns:a="http://schemas.openxmlformats.org/drawingml/2006/main" xmlns:r="http://schemas.openxmlformats.org/officeDocument/2006/relationships" xmlns:p="http://schemas.openxmlformats.org/presentationml/2006/main" xmlns:m="http://schemas.openxmlformats.org/officeDocument/2006/math" xmlns:a14="http://schemas.microsoft.com/office/drawing/2010/main" showMasterSp="1" showMasterPhAnim="1">
-  <p:cSld>
-    <p:spTree>
-      <p:nvGrpSpPr>
-        <p:cNvPr id="1" name=""/>
-        <p:cNvGrpSpPr/>
-        <p:nvPr/>
-      </p:nvGrpSpPr>
-      <p:grpSpPr>
-        <a:xfrm>
-          <a:off x="0" y="0"/>
-          <a:ext cx="0" cy="0"/>
-          <a:chOff x="0" y="0"/>
-          <a:chExt cx="0" cy="0"/>
-        </a:xfrm>
-      </p:grpSpPr>
-      <p:sp>
-        <p:nvSpPr>
-          <p:cNvPr id="198" name="Vocab…"/>
-          <p:cNvSpPr txBox="1"/>
-          <p:nvPr>
-            <p:ph type="title"/>
-          </p:nvPr>
-        </p:nvSpPr>
-        <p:spPr>
-          <a:xfrm>
-            <a:off x="1438671" y="184914"/>
-            <a:ext cx="7302729" cy="939691"/>
-          </a:xfrm>
-          <a:prstGeom prst="rect">
-            <a:avLst/>
-          </a:prstGeom>
-          <a:solidFill>
-            <a:srgbClr val="FFFFFF"/>
-          </a:solidFill>
-          <a:ln w="25400">
-            <a:solidFill>
-              <a:schemeClr val="accent1"/>
-            </a:solidFill>
-            <a:round/>
-          </a:ln>
-        </p:spPr>
-        <p:txBody>
-          <a:bodyPr lIns="91422" tIns="91422" rIns="91422" bIns="91422"/>
-          <a:lstStyle/>
-          <a:p>
-            <a:pPr defTabSz="813816">
-              <a:defRPr b="0" sz="2100">
-                <a:solidFill>
-                  <a:srgbClr val="F46524"/>
-                </a:solidFill>
-                <a:latin typeface="+mn-lt"/>
-                <a:ea typeface="+mn-ea"/>
-                <a:cs typeface="+mn-cs"/>
-                <a:sym typeface="Arial"/>
-              </a:defRPr>
-            </a:pPr>
-            <a:r>
-              <a:t>Vocab</a:t>
-            </a:r>
-          </a:p>
-          <a:p>
-            <a:pPr defTabSz="813816">
-              <a:defRPr b="0" sz="1200">
-                <a:solidFill>
-                  <a:schemeClr val="accent5"/>
-                </a:solidFill>
-                <a:latin typeface="+mj-lt"/>
-                <a:ea typeface="+mj-ea"/>
-                <a:cs typeface="+mj-cs"/>
-                <a:sym typeface="Helvetica"/>
-              </a:defRPr>
-            </a:pPr>
-            <a:r>
-              <a:t>be sure to:</a:t>
-            </a:r>
-            <a:r>
-              <a:rPr>
-                <a:solidFill>
-                  <a:schemeClr val="accent5">
-                    <a:lumOff val="-9843"/>
-                  </a:schemeClr>
-                </a:solidFill>
-              </a:rPr>
-              <a:t> </a:t>
-            </a:r>
-            <a:r>
-              <a:rPr>
-                <a:solidFill>
-                  <a:schemeClr val="accent3">
-                    <a:lumOff val="-9098"/>
-                  </a:schemeClr>
-                </a:solidFill>
-              </a:rPr>
-              <a:t>Keep your </a:t>
-            </a:r>
-            <a:r>
-              <a:rPr b="1">
-                <a:solidFill>
-                  <a:schemeClr val="accent3">
-                    <a:lumOff val="-9098"/>
-                  </a:schemeClr>
-                </a:solidFill>
-              </a:rPr>
-              <a:t>notebook </a:t>
-            </a:r>
-            <a:r>
-              <a:rPr>
-                <a:solidFill>
-                  <a:schemeClr val="accent3">
-                    <a:lumOff val="-9098"/>
-                  </a:schemeClr>
-                </a:solidFill>
-              </a:rPr>
-              <a:t>open. These definitions should be in your Glossary. If not Copy each definition, in your </a:t>
-            </a:r>
-            <a:r>
-              <a:rPr u="sng">
-                <a:solidFill>
-                  <a:schemeClr val="accent3">
-                    <a:lumOff val="-9098"/>
-                  </a:schemeClr>
-                </a:solidFill>
-              </a:rPr>
-              <a:t>Java Glossary</a:t>
-            </a:r>
-            <a:r>
-              <a:rPr>
-                <a:solidFill>
-                  <a:schemeClr val="accent3">
-                    <a:lumOff val="-9098"/>
-                  </a:schemeClr>
-                </a:solidFill>
-              </a:rPr>
-              <a:t>.</a:t>
-            </a:r>
-          </a:p>
-        </p:txBody>
-      </p:sp>
-      <p:sp>
-        <p:nvSpPr>
-          <p:cNvPr id="199" name="private access…"/>
-          <p:cNvSpPr txBox="1"/>
-          <p:nvPr/>
-        </p:nvSpPr>
-        <p:spPr>
-          <a:xfrm>
-            <a:off x="530494" y="1567298"/>
-            <a:ext cx="1929727" cy="1714501"/>
-          </a:xfrm>
-          <a:prstGeom prst="rect">
-            <a:avLst/>
-          </a:prstGeom>
-          <a:ln w="12700">
-            <a:miter lim="400000"/>
-          </a:ln>
-          <a:extLst>
-            <a:ext uri="{C572A759-6A51-4108-AA02-DFA0A04FC94B}">
-              <ma14:wrappingTextBoxFlag xmlns:ma14="http://schemas.microsoft.com/office/mac/drawingml/2011/main" val="1"/>
-            </a:ext>
-          </a:extLst>
-        </p:spPr>
-        <p:txBody>
-          <a:bodyPr lIns="0" tIns="0" rIns="0" bIns="0">
-            <a:spAutoFit/>
-          </a:bodyPr>
-          <a:lstStyle/>
-          <a:p>
-            <a:pPr>
-              <a:defRPr>
-                <a:solidFill>
-                  <a:srgbClr val="012F7B"/>
-                </a:solidFill>
-                <a:latin typeface="Helvetica Neue"/>
-                <a:ea typeface="Helvetica Neue"/>
-                <a:cs typeface="Helvetica Neue"/>
-                <a:sym typeface="Helvetica Neue"/>
-              </a:defRPr>
-            </a:pPr>
-            <a:r>
-              <a:t>private access</a:t>
-            </a:r>
-          </a:p>
-          <a:p>
-            <a:pPr>
-              <a:defRPr>
-                <a:solidFill>
-                  <a:srgbClr val="FF6A00"/>
-                </a:solidFill>
-              </a:defRPr>
-            </a:pPr>
-            <a:r>
-              <a:t>Controls how users interact with methods and data in an object.  Is used to manage complexity.</a:t>
-            </a:r>
-          </a:p>
-          <a:p>
-            <a:pPr>
-              <a:defRPr b="1">
-                <a:solidFill>
-                  <a:srgbClr val="FF6A00"/>
-                </a:solidFill>
-              </a:defRPr>
-            </a:pPr>
-            <a:endParaRPr b="0"/>
-          </a:p>
-        </p:txBody>
-      </p:sp>
-      <p:sp>
-        <p:nvSpPr>
-          <p:cNvPr id="200" name="Encapsulation…"/>
-          <p:cNvSpPr txBox="1"/>
-          <p:nvPr/>
-        </p:nvSpPr>
-        <p:spPr>
-          <a:xfrm>
-            <a:off x="530494" y="3167657"/>
-            <a:ext cx="1929727" cy="1282701"/>
-          </a:xfrm>
-          <a:prstGeom prst="rect">
-            <a:avLst/>
-          </a:prstGeom>
-          <a:ln w="12700">
-            <a:miter lim="400000"/>
-          </a:ln>
-          <a:extLst>
-            <a:ext uri="{C572A759-6A51-4108-AA02-DFA0A04FC94B}">
-              <ma14:wrappingTextBoxFlag xmlns:ma14="http://schemas.microsoft.com/office/mac/drawingml/2011/main" val="1"/>
-            </a:ext>
-          </a:extLst>
-        </p:spPr>
-        <p:txBody>
-          <a:bodyPr lIns="0" tIns="0" rIns="0" bIns="0">
-            <a:spAutoFit/>
-          </a:bodyPr>
-          <a:lstStyle/>
-          <a:p>
-            <a:pPr>
-              <a:defRPr>
-                <a:solidFill>
-                  <a:srgbClr val="012F7B"/>
-                </a:solidFill>
-                <a:latin typeface="Helvetica Neue"/>
-                <a:ea typeface="Helvetica Neue"/>
-                <a:cs typeface="Helvetica Neue"/>
-                <a:sym typeface="Helvetica Neue"/>
-              </a:defRPr>
-            </a:pPr>
-            <a:r>
-              <a:t>Encapsulation</a:t>
-            </a:r>
-          </a:p>
-          <a:p>
-            <a:pPr>
-              <a:defRPr>
-                <a:solidFill>
-                  <a:srgbClr val="FF6A00"/>
-                </a:solidFill>
-              </a:defRPr>
-            </a:pPr>
-            <a:r>
-              <a:t>The process of hiding implementation details in a program.</a:t>
-            </a:r>
-          </a:p>
-          <a:p>
-            <a:pPr>
-              <a:defRPr b="1">
-                <a:solidFill>
-                  <a:srgbClr val="FF6A00"/>
-                </a:solidFill>
-              </a:defRPr>
-            </a:pPr>
-            <a:endParaRPr b="0"/>
-          </a:p>
-        </p:txBody>
-      </p:sp>
-    </p:spTree>
-  </p:cSld>
-  <p:clrMapOvr>
-    <a:masterClrMapping/>
-  </p:clrMapOvr>
-  <p:transition xmlns:p14="http://schemas.microsoft.com/office/powerpoint/2010/main" spd="med" advClick="1"/>
-  <p:timing>
-    <p:tnLst>
-      <p:par>
-        <p:cTn id="1" nodeType="tmRoot" restart="never" dur="indefinite" fill="hold">
-          <p:childTnLst>
-            <p:seq concurrent="1" prevAc="none" nextAc="seek">
-              <p:cTn id="2" nodeType="mainSeq" dur="indefinite" fill="hold">
-                <p:childTnLst>
-                  <p:par>
-                    <p:cTn id="3" fill="hold">
-                      <p:stCondLst>
-                        <p:cond delay="indefinite"/>
-                      </p:stCondLst>
-                      <p:childTnLst>
-                        <p:par>
-                          <p:cTn id="4" fill="hold">
-                            <p:stCondLst>
-                              <p:cond delay="0"/>
-                            </p:stCondLst>
-                            <p:childTnLst>
-                              <p:par>
-                                <p:cTn id="5" presetClass="entr" nodeType="clickEffect" presetSubtype="0" presetID="1" grpId="1" fill="hold">
-                                  <p:stCondLst>
-                                    <p:cond delay="0"/>
-                                  </p:stCondLst>
-                                  <p:iterate type="el" backwards="0">
-                                    <p:tmAbs val="0"/>
-                                  </p:iterate>
-                                  <p:childTnLst>
-                                    <p:set>
-                                      <p:cBhvr>
-                                        <p:cTn id="6" fill="hold"/>
-                                        <p:tgtEl>
-                                          <p:spTgt spid="199"/>
-                                        </p:tgtEl>
-                                        <p:attrNameLst>
-                                          <p:attrName>style.visibility</p:attrName>
-                                        </p:attrNameLst>
-                                      </p:cBhvr>
-                                      <p:to>
-                                        <p:strVal val="visible"/>
-                                      </p:to>
-                                    </p:set>
-                                  </p:childTnLst>
-                                </p:cTn>
-                              </p:par>
-                            </p:childTnLst>
-                          </p:cTn>
-                        </p:par>
-                      </p:childTnLst>
-                    </p:cTn>
-                  </p:par>
-                  <p:par>
-                    <p:cTn id="7" fill="hold">
-                      <p:stCondLst>
-                        <p:cond delay="indefinite"/>
-                      </p:stCondLst>
-                      <p:childTnLst>
-                        <p:par>
-                          <p:cTn id="8" fill="hold">
-                            <p:stCondLst>
-                              <p:cond delay="0"/>
-                            </p:stCondLst>
-                            <p:childTnLst>
-                              <p:par>
-                                <p:cTn id="9" presetClass="entr" nodeType="clickEffect" presetSubtype="0" presetID="1" grpId="2" fill="hold">
-                                  <p:stCondLst>
-                                    <p:cond delay="0"/>
-                                  </p:stCondLst>
-                                  <p:iterate type="el" backwards="0">
-                                    <p:tmAbs val="0"/>
-                                  </p:iterate>
-                                  <p:childTnLst>
-                                    <p:set>
-                                      <p:cBhvr>
-                                        <p:cTn id="10" fill="hold"/>
-                                        <p:tgtEl>
-                                          <p:spTgt spid="200"/>
-                                        </p:tgtEl>
-                                        <p:attrNameLst>
-                                          <p:attrName>style.visibility</p:attrName>
-                                        </p:attrNameLst>
-                                      </p:cBhvr>
-                                      <p:to>
-                                        <p:strVal val="visible"/>
-                                      </p:to>
-                                    </p:set>
-                                  </p:childTnLst>
-                                </p:cTn>
-                              </p:par>
-                            </p:childTnLst>
-                          </p:cTn>
-                        </p:par>
-                      </p:childTnLst>
-                    </p:cTn>
-                  </p:par>
-                </p:childTnLst>
-              </p:cTn>
-              <p:prevCondLst>
-                <p:cond evt="onPrev">
-                  <p:tgtEl>
-                    <p:sldTgt/>
-                  </p:tgtEl>
-                </p:cond>
-              </p:prevCondLst>
-              <p:nextCondLst>
-                <p:cond evt="onNext">
-                  <p:tgtEl>
-                    <p:sldTgt/>
-                  </p:tgtEl>
-                </p:cond>
-              </p:nextCondLst>
-            </p:seq>
-          </p:childTnLst>
-        </p:cTn>
-      </p:par>
-    </p:tnLst>
-    <p:bldLst>
-      <p:bldP build="whole" bldLvl="1" animBg="1" rev="0" advAuto="0" spid="200" grpId="2"/>
-      <p:bldP build="whole" bldLvl="1" animBg="1" rev="0" advAuto="0" spid="199" grpId="1"/>
-    </p:bldLst>
-  </p:timing>
-</p:sld>
-</file>
-
-<file path=ppt/slides/slide5.xml><?xml version="1.0" encoding="utf-8"?>
-<p:sld xmlns:a="http://schemas.openxmlformats.org/drawingml/2006/main" xmlns:r="http://schemas.openxmlformats.org/officeDocument/2006/relationships" xmlns:p="http://schemas.openxmlformats.org/presentationml/2006/main" xmlns:m="http://schemas.openxmlformats.org/officeDocument/2006/math" xmlns:a14="http://schemas.microsoft.com/office/drawing/2010/main" showMasterSp="1" showMasterPhAnim="1">
-  <p:cSld>
-    <p:spTree>
-      <p:nvGrpSpPr>
-        <p:cNvPr id="1" name=""/>
-        <p:cNvGrpSpPr/>
-        <p:nvPr/>
-      </p:nvGrpSpPr>
-      <p:grpSpPr>
-        <a:xfrm>
-          <a:off x="0" y="0"/>
-          <a:ext cx="0" cy="0"/>
-          <a:chOff x="0" y="0"/>
-          <a:chExt cx="0" cy="0"/>
-        </a:xfrm>
-      </p:grpSpPr>
-      <p:grpSp>
-        <p:nvGrpSpPr>
-          <p:cNvPr id="206" name="Google Shape;118;p19"/>
-          <p:cNvGrpSpPr/>
-          <p:nvPr/>
-        </p:nvGrpSpPr>
-        <p:grpSpPr>
-          <a:xfrm>
-            <a:off x="2448811" y="72865"/>
-            <a:ext cx="6244203" cy="914171"/>
-            <a:chOff x="-1" y="0"/>
-            <a:chExt cx="6244202" cy="914170"/>
-          </a:xfrm>
-        </p:grpSpPr>
-        <p:sp>
-          <p:nvSpPr>
-            <p:cNvPr id="202" name="Rectangle"/>
-            <p:cNvSpPr/>
-            <p:nvPr/>
-          </p:nvSpPr>
-          <p:spPr>
-            <a:xfrm>
-              <a:off x="-2" y="0"/>
-              <a:ext cx="5574802" cy="914171"/>
-            </a:xfrm>
-            <a:prstGeom prst="rect">
-              <a:avLst/>
-            </a:prstGeom>
-            <a:noFill/>
-            <a:ln w="25400" cap="flat">
-              <a:solidFill>
-                <a:schemeClr val="accent1"/>
-              </a:solidFill>
-              <a:prstDash val="solid"/>
-              <a:round/>
-            </a:ln>
-            <a:effectLst/>
-          </p:spPr>
-          <p:txBody>
-            <a:bodyPr wrap="square" lIns="0" tIns="0" rIns="0" bIns="0" numCol="1" anchor="t">
-              <a:noAutofit/>
-            </a:bodyPr>
-            <a:lstStyle/>
-            <a:p>
-              <a:pPr defTabSz="795527">
-                <a:defRPr sz="1200">
-                  <a:solidFill>
-                    <a:schemeClr val="accent5"/>
-                  </a:solidFill>
-                </a:defRPr>
-              </a:pPr>
-            </a:p>
-          </p:txBody>
-        </p:sp>
-        <p:grpSp>
-          <p:nvGrpSpPr>
-            <p:cNvPr id="205" name="Do now…"/>
-            <p:cNvGrpSpPr/>
-            <p:nvPr/>
-          </p:nvGrpSpPr>
-          <p:grpSpPr>
-            <a:xfrm>
-              <a:off x="11594" y="11594"/>
-              <a:ext cx="6232608" cy="890981"/>
-              <a:chOff x="-1" y="-1"/>
-              <a:chExt cx="6232606" cy="890979"/>
-            </a:xfrm>
-          </p:grpSpPr>
-          <p:sp>
-            <p:nvSpPr>
-              <p:cNvPr id="203" name="Rectangle"/>
-              <p:cNvSpPr/>
-              <p:nvPr/>
-            </p:nvSpPr>
-            <p:spPr>
-              <a:xfrm>
-                <a:off x="-2" y="-2"/>
-                <a:ext cx="6232608" cy="890981"/>
-              </a:xfrm>
-              <a:prstGeom prst="rect">
-                <a:avLst/>
-              </a:prstGeom>
-              <a:solidFill>
-                <a:srgbClr val="FFFFFF"/>
-              </a:solidFill>
-              <a:ln w="25400" cap="flat">
-                <a:solidFill>
-                  <a:schemeClr val="accent1"/>
-                </a:solidFill>
-                <a:prstDash val="solid"/>
-                <a:round/>
-              </a:ln>
-              <a:effectLst/>
-            </p:spPr>
-            <p:txBody>
-              <a:bodyPr wrap="square" lIns="0" tIns="0" rIns="0" bIns="0" numCol="1" anchor="t">
-                <a:noAutofit/>
-              </a:bodyPr>
-              <a:lstStyle/>
-              <a:p>
-                <a:pPr defTabSz="507148">
-                  <a:defRPr sz="1300">
-                    <a:solidFill>
-                      <a:schemeClr val="accent5"/>
-                    </a:solidFill>
-                  </a:defRPr>
-                </a:pPr>
-              </a:p>
-            </p:txBody>
-          </p:sp>
-          <p:sp>
-            <p:nvSpPr>
-              <p:cNvPr id="204" name="Mini-lesson…"/>
-              <p:cNvSpPr txBox="1"/>
-              <p:nvPr/>
-            </p:nvSpPr>
-            <p:spPr>
-              <a:xfrm>
-                <a:off x="15569" y="15569"/>
-                <a:ext cx="6201466" cy="859839"/>
-              </a:xfrm>
-              <a:prstGeom prst="rect">
-                <a:avLst/>
-              </a:prstGeom>
-              <a:noFill/>
-              <a:ln w="12700" cap="flat">
-                <a:noFill/>
-                <a:miter lim="400000"/>
-              </a:ln>
-              <a:effectLst/>
-              <a:extLst>
-                <a:ext uri="{C572A759-6A51-4108-AA02-DFA0A04FC94B}">
-                  <ma14:wrappingTextBoxFlag xmlns:ma14="http://schemas.microsoft.com/office/mac/drawingml/2011/main" val="1"/>
-                </a:ext>
-              </a:extLst>
-            </p:spPr>
-            <p:txBody>
-              <a:bodyPr wrap="square" lIns="91421" tIns="91421" rIns="91421" bIns="91421" numCol="1" anchor="t">
-                <a:normAutofit fontScale="100000" lnSpcReduction="0"/>
-              </a:bodyPr>
-              <a:lstStyle/>
-              <a:p>
-                <a:pPr defTabSz="507148">
-                  <a:defRPr sz="2000">
-                    <a:latin typeface="+mn-lt"/>
-                    <a:ea typeface="+mn-ea"/>
-                    <a:cs typeface="+mn-cs"/>
-                    <a:sym typeface="Arial"/>
-                  </a:defRPr>
-                </a:pPr>
-                <a:r>
-                  <a:t>Writing to learn: warm up</a:t>
-                </a:r>
-              </a:p>
-              <a:p>
-                <a:pPr defTabSz="507148">
-                  <a:defRPr sz="1300">
-                    <a:solidFill>
-                      <a:schemeClr val="accent5"/>
-                    </a:solidFill>
-                  </a:defRPr>
-                </a:pPr>
-                <a:r>
-                  <a:t>be sure to:</a:t>
-                </a:r>
-                <a:r>
-                  <a:rPr>
-                    <a:solidFill>
-                      <a:schemeClr val="accent5">
-                        <a:lumOff val="-9843"/>
-                      </a:schemeClr>
-                    </a:solidFill>
-                  </a:rPr>
-                  <a:t> </a:t>
-                </a:r>
-                <a:r>
-                  <a:rPr>
-                    <a:solidFill>
-                      <a:schemeClr val="accent1"/>
-                    </a:solidFill>
-                  </a:rPr>
-                  <a:t>Answer each question in your </a:t>
-                </a:r>
-                <a:r>
-                  <a:rPr b="1">
-                    <a:solidFill>
-                      <a:schemeClr val="accent1"/>
-                    </a:solidFill>
-                  </a:rPr>
-                  <a:t>notebook</a:t>
-                </a:r>
-                <a:r>
-                  <a:rPr>
-                    <a:solidFill>
-                      <a:schemeClr val="accent1"/>
-                    </a:solidFill>
-                  </a:rPr>
-                  <a:t>. Be prepared to share out!</a:t>
-                </a:r>
-              </a:p>
-            </p:txBody>
-          </p:sp>
-        </p:grpSp>
-      </p:grpSp>
-      <p:sp>
-        <p:nvSpPr>
-          <p:cNvPr id="207" name="Describe what this code is intended to do."/>
-          <p:cNvSpPr txBox="1"/>
-          <p:nvPr/>
-        </p:nvSpPr>
-        <p:spPr>
-          <a:xfrm>
-            <a:off x="571706" y="1637494"/>
-            <a:ext cx="3126144" cy="431801"/>
-          </a:xfrm>
-          <a:prstGeom prst="rect">
-            <a:avLst/>
-          </a:prstGeom>
-          <a:ln w="12700">
-            <a:miter lim="400000"/>
-          </a:ln>
-          <a:extLst>
-            <a:ext uri="{C572A759-6A51-4108-AA02-DFA0A04FC94B}">
-              <ma14:wrappingTextBoxFlag xmlns:ma14="http://schemas.microsoft.com/office/mac/drawingml/2011/main" val="1"/>
-            </a:ext>
-          </a:extLst>
-        </p:spPr>
-        <p:txBody>
-          <a:bodyPr lIns="0" tIns="0" rIns="0" bIns="0">
-            <a:spAutoFit/>
-          </a:bodyPr>
-          <a:lstStyle/>
-          <a:p>
-            <a:pPr>
-              <a:defRPr>
-                <a:solidFill>
-                  <a:schemeClr val="accent2">
-                    <a:lumOff val="-9333"/>
-                  </a:schemeClr>
-                </a:solidFill>
-              </a:defRPr>
-            </a:pPr>
-            <a:r>
-              <a:t>Describe what this code is </a:t>
-            </a:r>
-            <a:r>
-              <a:rPr b="1"/>
-              <a:t>intended </a:t>
-            </a:r>
-            <a:r>
-              <a:t>to do.</a:t>
-            </a:r>
-          </a:p>
-        </p:txBody>
-      </p:sp>
-      <p:pic>
-        <p:nvPicPr>
-          <p:cNvPr id="208" name="Image" descr="Image"/>
-          <p:cNvPicPr>
-            <a:picLocks noChangeAspect="1"/>
-          </p:cNvPicPr>
-          <p:nvPr/>
-        </p:nvPicPr>
-        <p:blipFill>
-          <a:blip r:embed="rId3">
-            <a:extLst/>
-          </a:blip>
-          <a:stretch>
-            <a:fillRect/>
-          </a:stretch>
-        </p:blipFill>
-        <p:spPr>
-          <a:xfrm>
-            <a:off x="4756076" y="1471999"/>
-            <a:ext cx="4008967" cy="2672645"/>
-          </a:xfrm>
-          <a:prstGeom prst="rect">
-            <a:avLst/>
-          </a:prstGeom>
-          <a:ln w="12700">
-            <a:miter lim="400000"/>
-          </a:ln>
-        </p:spPr>
-      </p:pic>
-      <p:sp>
-        <p:nvSpPr>
-          <p:cNvPr id="209" name="Why is it a good idea to make instance variables private?"/>
-          <p:cNvSpPr txBox="1"/>
-          <p:nvPr/>
-        </p:nvSpPr>
-        <p:spPr>
-          <a:xfrm>
-            <a:off x="571706" y="3712843"/>
-            <a:ext cx="3126144" cy="431801"/>
-          </a:xfrm>
-          <a:prstGeom prst="rect">
-            <a:avLst/>
-          </a:prstGeom>
-          <a:ln w="12700">
-            <a:miter lim="400000"/>
-          </a:ln>
-          <a:extLst>
-            <a:ext uri="{C572A759-6A51-4108-AA02-DFA0A04FC94B}">
-              <ma14:wrappingTextBoxFlag xmlns:ma14="http://schemas.microsoft.com/office/mac/drawingml/2011/main" val="1"/>
-            </a:ext>
-          </a:extLst>
-        </p:spPr>
-        <p:txBody>
-          <a:bodyPr lIns="0" tIns="0" rIns="0" bIns="0">
-            <a:spAutoFit/>
-          </a:bodyPr>
-          <a:lstStyle>
-            <a:lvl1pPr>
-              <a:defRPr>
-                <a:solidFill>
-                  <a:schemeClr val="accent3">
-                    <a:lumOff val="-9098"/>
-                  </a:schemeClr>
-                </a:solidFill>
-              </a:defRPr>
-            </a:lvl1pPr>
-          </a:lstStyle>
-          <a:p>
-            <a:pPr/>
-            <a:r>
-              <a:t>Why is it a good idea to make instance variables private?</a:t>
-            </a:r>
-          </a:p>
-        </p:txBody>
-      </p:sp>
-      <p:sp>
-        <p:nvSpPr>
-          <p:cNvPr id="210" name="Do you think this code will work? Explain why or why not in a sentence."/>
-          <p:cNvSpPr txBox="1"/>
-          <p:nvPr/>
-        </p:nvSpPr>
-        <p:spPr>
-          <a:xfrm>
-            <a:off x="571706" y="2642855"/>
-            <a:ext cx="3126144" cy="431801"/>
-          </a:xfrm>
-          <a:prstGeom prst="rect">
-            <a:avLst/>
-          </a:prstGeom>
-          <a:ln w="12700">
-            <a:miter lim="400000"/>
-          </a:ln>
-          <a:extLst>
-            <a:ext uri="{C572A759-6A51-4108-AA02-DFA0A04FC94B}">
-              <ma14:wrappingTextBoxFlag xmlns:ma14="http://schemas.microsoft.com/office/mac/drawingml/2011/main" val="1"/>
-            </a:ext>
-          </a:extLst>
-        </p:spPr>
-        <p:txBody>
-          <a:bodyPr lIns="0" tIns="0" rIns="0" bIns="0">
-            <a:spAutoFit/>
-          </a:bodyPr>
-          <a:lstStyle/>
-          <a:p>
-            <a:pPr/>
-            <a:r>
-              <a:t>Do you think this code will work? Explain why or why not in a sentence.</a:t>
-            </a:r>
-          </a:p>
-        </p:txBody>
-      </p:sp>
-    </p:spTree>
-  </p:cSld>
-  <p:clrMapOvr>
-    <a:masterClrMapping/>
-  </p:clrMapOvr>
-  <p:transition xmlns:p14="http://schemas.microsoft.com/office/powerpoint/2010/main" spd="med" advClick="1"/>
-  <p:timing>
-    <p:tnLst>
-      <p:par>
-        <p:cTn id="1" nodeType="tmRoot" restart="never" dur="indefinite" fill="hold">
-          <p:childTnLst>
-            <p:seq concurrent="1" prevAc="none" nextAc="seek">
-              <p:cTn id="2" nodeType="mainSeq" dur="indefinite" fill="hold">
-                <p:childTnLst>
-                  <p:par>
-                    <p:cTn id="3" fill="hold">
-                      <p:stCondLst>
-                        <p:cond delay="indefinite"/>
-                      </p:stCondLst>
-                      <p:childTnLst>
-                        <p:par>
-                          <p:cTn id="4" fill="hold">
-                            <p:stCondLst>
-                              <p:cond delay="0"/>
-                            </p:stCondLst>
-                            <p:childTnLst>
-                              <p:par>
-                                <p:cTn id="5" presetClass="entr" nodeType="clickEffect" presetSubtype="0" presetID="1" grpId="1" fill="hold">
-                                  <p:stCondLst>
-                                    <p:cond delay="0"/>
-                                  </p:stCondLst>
-                                  <p:iterate type="el" backwards="0">
-                                    <p:tmAbs val="0"/>
-                                  </p:iterate>
-                                  <p:childTnLst>
-                                    <p:set>
-                                      <p:cBhvr>
-                                        <p:cTn id="6" fill="hold"/>
-                                        <p:tgtEl>
-                                          <p:spTgt spid="210"/>
-                                        </p:tgtEl>
-                                        <p:attrNameLst>
-                                          <p:attrName>style.visibility</p:attrName>
-                                        </p:attrNameLst>
-                                      </p:cBhvr>
-                                      <p:to>
-                                        <p:strVal val="visible"/>
-                                      </p:to>
-                                    </p:set>
-                                  </p:childTnLst>
-                                </p:cTn>
-                              </p:par>
-                            </p:childTnLst>
-                          </p:cTn>
-                        </p:par>
-                      </p:childTnLst>
-                    </p:cTn>
-                  </p:par>
-                  <p:par>
-                    <p:cTn id="7" fill="hold">
-                      <p:stCondLst>
-                        <p:cond delay="indefinite"/>
-                      </p:stCondLst>
-                      <p:childTnLst>
-                        <p:par>
-                          <p:cTn id="8" fill="hold">
-                            <p:stCondLst>
-                              <p:cond delay="0"/>
-                            </p:stCondLst>
-                            <p:childTnLst>
-                              <p:par>
-                                <p:cTn id="9" presetClass="entr" nodeType="clickEffect" presetSubtype="0" presetID="1" grpId="2" fill="hold">
-                                  <p:stCondLst>
-                                    <p:cond delay="0"/>
-                                  </p:stCondLst>
-                                  <p:iterate type="el" backwards="0">
-                                    <p:tmAbs val="0"/>
-                                  </p:iterate>
-                                  <p:childTnLst>
-                                    <p:set>
-                                      <p:cBhvr>
-                                        <p:cTn id="10" fill="hold"/>
-                                        <p:tgtEl>
-                                          <p:spTgt spid="209"/>
-                                        </p:tgtEl>
-                                        <p:attrNameLst>
-                                          <p:attrName>style.visibility</p:attrName>
-                                        </p:attrNameLst>
-                                      </p:cBhvr>
-                                      <p:to>
-                                        <p:strVal val="visible"/>
-                                      </p:to>
-                                    </p:set>
-                                  </p:childTnLst>
-                                </p:cTn>
-                              </p:par>
-                            </p:childTnLst>
-                          </p:cTn>
-                        </p:par>
-                      </p:childTnLst>
-                    </p:cTn>
-                  </p:par>
-                </p:childTnLst>
-              </p:cTn>
-              <p:prevCondLst>
-                <p:cond evt="onPrev">
-                  <p:tgtEl>
-                    <p:sldTgt/>
-                  </p:tgtEl>
-                </p:cond>
-              </p:prevCondLst>
-              <p:nextCondLst>
-                <p:cond evt="onNext">
-                  <p:tgtEl>
-                    <p:sldTgt/>
-                  </p:tgtEl>
-                </p:cond>
-              </p:nextCondLst>
-            </p:seq>
-          </p:childTnLst>
-        </p:cTn>
-      </p:par>
-    </p:tnLst>
-    <p:bldLst>
-      <p:bldP build="whole" bldLvl="1" animBg="1" rev="0" advAuto="0" spid="209" grpId="2"/>
-      <p:bldP build="whole" bldLvl="1" animBg="1" rev="0" advAuto="0" spid="210" grpId="1"/>
-    </p:bldLst>
-  </p:timing>
-</p:sld>
-</file>
-
-<file path=ppt/slides/slide6.xml><?xml version="1.0" encoding="utf-8"?>
-<p:sld xmlns:a="http://schemas.openxmlformats.org/drawingml/2006/main" xmlns:r="http://schemas.openxmlformats.org/officeDocument/2006/relationships" xmlns:p="http://schemas.openxmlformats.org/presentationml/2006/main" xmlns:m="http://schemas.openxmlformats.org/officeDocument/2006/math" xmlns:a14="http://schemas.microsoft.com/office/drawing/2010/main" showMasterSp="1" showMasterPhAnim="1">
-  <p:cSld>
-    <p:spTree>
-      <p:nvGrpSpPr>
-        <p:cNvPr id="1" name=""/>
-        <p:cNvGrpSpPr/>
-        <p:nvPr/>
-      </p:nvGrpSpPr>
-      <p:grpSpPr>
-        <a:xfrm>
-          <a:off x="0" y="0"/>
-          <a:ext cx="0" cy="0"/>
-          <a:chOff x="0" y="0"/>
-          <a:chExt cx="0" cy="0"/>
-        </a:xfrm>
-      </p:grpSpPr>
-      <p:grpSp>
-        <p:nvGrpSpPr>
-          <p:cNvPr id="218" name="Google Shape;118;p19"/>
-          <p:cNvGrpSpPr/>
-          <p:nvPr/>
-        </p:nvGrpSpPr>
-        <p:grpSpPr>
-          <a:xfrm>
-            <a:off x="2448811" y="72865"/>
-            <a:ext cx="6244203" cy="914171"/>
-            <a:chOff x="-1" y="0"/>
-            <a:chExt cx="6244202" cy="914170"/>
-          </a:xfrm>
-        </p:grpSpPr>
-        <p:sp>
-          <p:nvSpPr>
-            <p:cNvPr id="214" name="Rectangle"/>
-            <p:cNvSpPr/>
-            <p:nvPr/>
-          </p:nvSpPr>
-          <p:spPr>
-            <a:xfrm>
-              <a:off x="-2" y="0"/>
-              <a:ext cx="5574802" cy="914171"/>
-            </a:xfrm>
-            <a:prstGeom prst="rect">
-              <a:avLst/>
-            </a:prstGeom>
-            <a:noFill/>
-            <a:ln w="25400" cap="flat">
-              <a:solidFill>
-                <a:schemeClr val="accent1"/>
-              </a:solidFill>
-              <a:prstDash val="solid"/>
-              <a:round/>
-            </a:ln>
-            <a:effectLst/>
-          </p:spPr>
-          <p:txBody>
-            <a:bodyPr wrap="square" lIns="0" tIns="0" rIns="0" bIns="0" numCol="1" anchor="t">
-              <a:noAutofit/>
-            </a:bodyPr>
-            <a:lstStyle/>
-            <a:p>
-              <a:pPr defTabSz="795527">
-                <a:defRPr sz="1200">
-                  <a:solidFill>
-                    <a:schemeClr val="accent5"/>
-                  </a:solidFill>
-                </a:defRPr>
-              </a:pPr>
-            </a:p>
-          </p:txBody>
-        </p:sp>
-        <p:grpSp>
-          <p:nvGrpSpPr>
-            <p:cNvPr id="217" name="Do now…"/>
-            <p:cNvGrpSpPr/>
-            <p:nvPr/>
-          </p:nvGrpSpPr>
-          <p:grpSpPr>
-            <a:xfrm>
-              <a:off x="11594" y="11594"/>
-              <a:ext cx="6232608" cy="890981"/>
-              <a:chOff x="-1" y="-1"/>
-              <a:chExt cx="6232606" cy="890979"/>
-            </a:xfrm>
-          </p:grpSpPr>
-          <p:sp>
-            <p:nvSpPr>
-              <p:cNvPr id="215" name="Rectangle"/>
-              <p:cNvSpPr/>
-              <p:nvPr/>
-            </p:nvSpPr>
-            <p:spPr>
-              <a:xfrm>
-                <a:off x="-2" y="-2"/>
-                <a:ext cx="6232608" cy="890981"/>
-              </a:xfrm>
-              <a:prstGeom prst="rect">
-                <a:avLst/>
-              </a:prstGeom>
-              <a:solidFill>
-                <a:srgbClr val="FFFFFF"/>
-              </a:solidFill>
-              <a:ln w="25400" cap="flat">
-                <a:solidFill>
-                  <a:schemeClr val="accent1"/>
-                </a:solidFill>
-                <a:prstDash val="solid"/>
-                <a:round/>
-              </a:ln>
-              <a:effectLst/>
-            </p:spPr>
-            <p:txBody>
-              <a:bodyPr wrap="square" lIns="0" tIns="0" rIns="0" bIns="0" numCol="1" anchor="t">
-                <a:noAutofit/>
-              </a:bodyPr>
-              <a:lstStyle/>
-              <a:p>
-                <a:pPr defTabSz="507148">
-                  <a:defRPr sz="1300">
-                    <a:solidFill>
-                      <a:schemeClr val="accent5"/>
-                    </a:solidFill>
-                  </a:defRPr>
-                </a:pPr>
-              </a:p>
-            </p:txBody>
-          </p:sp>
-          <p:sp>
-            <p:nvSpPr>
-              <p:cNvPr id="216" name="Mini-lesson…"/>
-              <p:cNvSpPr txBox="1"/>
-              <p:nvPr/>
-            </p:nvSpPr>
-            <p:spPr>
-              <a:xfrm>
-                <a:off x="15569" y="15569"/>
-                <a:ext cx="6201466" cy="859839"/>
-              </a:xfrm>
-              <a:prstGeom prst="rect">
-                <a:avLst/>
-              </a:prstGeom>
-              <a:noFill/>
-              <a:ln w="12700" cap="flat">
-                <a:noFill/>
-                <a:miter lim="400000"/>
-              </a:ln>
-              <a:effectLst/>
-              <a:extLst>
-                <a:ext uri="{C572A759-6A51-4108-AA02-DFA0A04FC94B}">
-                  <ma14:wrappingTextBoxFlag xmlns:ma14="http://schemas.microsoft.com/office/mac/drawingml/2011/main" val="1"/>
-                </a:ext>
-              </a:extLst>
-            </p:spPr>
-            <p:txBody>
-              <a:bodyPr wrap="square" lIns="91421" tIns="91421" rIns="91421" bIns="91421" numCol="1" anchor="t">
-                <a:normAutofit fontScale="100000" lnSpcReduction="0"/>
-              </a:bodyPr>
-              <a:lstStyle/>
-              <a:p>
-                <a:pPr defTabSz="507148">
-                  <a:defRPr sz="2000">
-                    <a:latin typeface="+mn-lt"/>
-                    <a:ea typeface="+mn-ea"/>
-                    <a:cs typeface="+mn-cs"/>
-                    <a:sym typeface="Arial"/>
-                  </a:defRPr>
-                </a:pPr>
-                <a:r>
-                  <a:t>Mini-lesson</a:t>
-                </a:r>
-              </a:p>
-              <a:p>
-                <a:pPr defTabSz="507148">
-                  <a:defRPr sz="1300">
-                    <a:solidFill>
-                      <a:schemeClr val="accent5"/>
-                    </a:solidFill>
-                  </a:defRPr>
-                </a:pPr>
-                <a:r>
-                  <a:t>be sure to:</a:t>
-                </a:r>
-                <a:r>
-                  <a:rPr>
-                    <a:solidFill>
-                      <a:schemeClr val="accent5">
-                        <a:lumOff val="-9843"/>
-                      </a:schemeClr>
-                    </a:solidFill>
-                  </a:rPr>
-                  <a:t> </a:t>
-                </a:r>
-                <a:r>
-                  <a:rPr>
-                    <a:solidFill>
-                      <a:schemeClr val="accent1"/>
-                    </a:solidFill>
-                  </a:rPr>
-                  <a:t>Take notes and answer questions in your </a:t>
-                </a:r>
-                <a:r>
-                  <a:rPr b="1">
-                    <a:solidFill>
-                      <a:schemeClr val="accent1"/>
-                    </a:solidFill>
-                  </a:rPr>
-                  <a:t>notebook</a:t>
-                </a:r>
-                <a:r>
-                  <a:rPr>
-                    <a:solidFill>
-                      <a:schemeClr val="accent1"/>
-                    </a:solidFill>
-                  </a:rPr>
-                  <a:t>.</a:t>
-                </a:r>
-              </a:p>
-            </p:txBody>
-          </p:sp>
-        </p:grpSp>
-      </p:grpSp>
-      <p:pic>
-        <p:nvPicPr>
-          <p:cNvPr id="219" name="Image" descr="Image"/>
-          <p:cNvPicPr>
-            <a:picLocks noChangeAspect="1"/>
-          </p:cNvPicPr>
-          <p:nvPr/>
-        </p:nvPicPr>
-        <p:blipFill>
-          <a:blip r:embed="rId2">
-            <a:extLst/>
-          </a:blip>
-          <a:stretch>
-            <a:fillRect/>
-          </a:stretch>
-        </p:blipFill>
-        <p:spPr>
-          <a:xfrm>
-            <a:off x="1853587" y="1274483"/>
-            <a:ext cx="6400882" cy="3168544"/>
-          </a:xfrm>
-          <a:prstGeom prst="rect">
-            <a:avLst/>
-          </a:prstGeom>
-          <a:ln w="12700">
-            <a:miter lim="400000"/>
-          </a:ln>
-        </p:spPr>
-      </p:pic>
-    </p:spTree>
-  </p:cSld>
-  <p:clrMapOvr>
-    <a:masterClrMapping/>
-  </p:clrMapOvr>
-  <p:transition xmlns:p14="http://schemas.microsoft.com/office/powerpoint/2010/main" spd="med" advClick="1"/>
-</p:sld>
-</file>
-
-<file path=ppt/slides/slide7.xml><?xml version="1.0" encoding="utf-8"?>
-<p:sld xmlns:a="http://schemas.openxmlformats.org/drawingml/2006/main" xmlns:r="http://schemas.openxmlformats.org/officeDocument/2006/relationships" xmlns:p="http://schemas.openxmlformats.org/presentationml/2006/main" xmlns:m="http://schemas.openxmlformats.org/officeDocument/2006/math" xmlns:a14="http://schemas.microsoft.com/office/drawing/2010/main" showMasterSp="1" showMasterPhAnim="1">
-  <p:cSld>
-    <p:spTree>
-      <p:nvGrpSpPr>
-        <p:cNvPr id="1" name=""/>
-        <p:cNvGrpSpPr/>
-        <p:nvPr/>
-      </p:nvGrpSpPr>
-      <p:grpSpPr>
-        <a:xfrm>
-          <a:off x="0" y="0"/>
-          <a:ext cx="0" cy="0"/>
-          <a:chOff x="0" y="0"/>
-          <a:chExt cx="0" cy="0"/>
-        </a:xfrm>
-      </p:grpSpPr>
-      <p:grpSp>
-        <p:nvGrpSpPr>
-          <p:cNvPr id="225" name="Google Shape;118;p19"/>
-          <p:cNvGrpSpPr/>
-          <p:nvPr/>
-        </p:nvGrpSpPr>
-        <p:grpSpPr>
-          <a:xfrm>
-            <a:off x="2448811" y="72865"/>
-            <a:ext cx="6244203" cy="914171"/>
-            <a:chOff x="-1" y="0"/>
-            <a:chExt cx="6244202" cy="914170"/>
-          </a:xfrm>
-        </p:grpSpPr>
-        <p:sp>
-          <p:nvSpPr>
-            <p:cNvPr id="221" name="Rectangle"/>
-            <p:cNvSpPr/>
-            <p:nvPr/>
-          </p:nvSpPr>
-          <p:spPr>
-            <a:xfrm>
-              <a:off x="-2" y="0"/>
-              <a:ext cx="5574802" cy="914171"/>
-            </a:xfrm>
-            <a:prstGeom prst="rect">
-              <a:avLst/>
-            </a:prstGeom>
-            <a:noFill/>
-            <a:ln w="25400" cap="flat">
-              <a:solidFill>
-                <a:schemeClr val="accent1"/>
-              </a:solidFill>
-              <a:prstDash val="solid"/>
-              <a:round/>
-            </a:ln>
-            <a:effectLst/>
-          </p:spPr>
-          <p:txBody>
-            <a:bodyPr wrap="square" lIns="0" tIns="0" rIns="0" bIns="0" numCol="1" anchor="t">
-              <a:noAutofit/>
-            </a:bodyPr>
-            <a:lstStyle/>
-            <a:p>
-              <a:pPr defTabSz="795527">
-                <a:defRPr sz="1200">
-                  <a:solidFill>
-                    <a:schemeClr val="accent5"/>
-                  </a:solidFill>
-                </a:defRPr>
-              </a:pPr>
-            </a:p>
-          </p:txBody>
-        </p:sp>
-        <p:grpSp>
-          <p:nvGrpSpPr>
-            <p:cNvPr id="224" name="Do now…"/>
-            <p:cNvGrpSpPr/>
-            <p:nvPr/>
-          </p:nvGrpSpPr>
-          <p:grpSpPr>
-            <a:xfrm>
-              <a:off x="11594" y="11594"/>
-              <a:ext cx="6232608" cy="890981"/>
-              <a:chOff x="-1" y="-1"/>
-              <a:chExt cx="6232606" cy="890979"/>
-            </a:xfrm>
-          </p:grpSpPr>
-          <p:sp>
-            <p:nvSpPr>
-              <p:cNvPr id="222" name="Rectangle"/>
-              <p:cNvSpPr/>
-              <p:nvPr/>
-            </p:nvSpPr>
-            <p:spPr>
-              <a:xfrm>
-                <a:off x="-2" y="-2"/>
-                <a:ext cx="6232608" cy="890981"/>
-              </a:xfrm>
-              <a:prstGeom prst="rect">
-                <a:avLst/>
-              </a:prstGeom>
-              <a:solidFill>
-                <a:srgbClr val="FFFFFF"/>
-              </a:solidFill>
-              <a:ln w="25400" cap="flat">
-                <a:solidFill>
-                  <a:schemeClr val="accent1"/>
-                </a:solidFill>
-                <a:prstDash val="solid"/>
-                <a:round/>
-              </a:ln>
-              <a:effectLst/>
-            </p:spPr>
-            <p:txBody>
-              <a:bodyPr wrap="square" lIns="0" tIns="0" rIns="0" bIns="0" numCol="1" anchor="t">
-                <a:noAutofit/>
-              </a:bodyPr>
-              <a:lstStyle/>
-              <a:p>
-                <a:pPr defTabSz="507148">
-                  <a:defRPr sz="1300">
-                    <a:solidFill>
-                      <a:schemeClr val="accent5"/>
-                    </a:solidFill>
-                  </a:defRPr>
-                </a:pPr>
-              </a:p>
-            </p:txBody>
-          </p:sp>
-          <p:sp>
-            <p:nvSpPr>
-              <p:cNvPr id="223" name="Mini-lesson…"/>
-              <p:cNvSpPr txBox="1"/>
-              <p:nvPr/>
-            </p:nvSpPr>
-            <p:spPr>
-              <a:xfrm>
-                <a:off x="15569" y="15569"/>
-                <a:ext cx="6201466" cy="859839"/>
-              </a:xfrm>
-              <a:prstGeom prst="rect">
-                <a:avLst/>
-              </a:prstGeom>
-              <a:noFill/>
-              <a:ln w="12700" cap="flat">
-                <a:noFill/>
-                <a:miter lim="400000"/>
-              </a:ln>
-              <a:effectLst/>
-              <a:extLst>
-                <a:ext uri="{C572A759-6A51-4108-AA02-DFA0A04FC94B}">
-                  <ma14:wrappingTextBoxFlag xmlns:ma14="http://schemas.microsoft.com/office/mac/drawingml/2011/main" val="1"/>
-                </a:ext>
-              </a:extLst>
-            </p:spPr>
-            <p:txBody>
-              <a:bodyPr wrap="square" lIns="91421" tIns="91421" rIns="91421" bIns="91421" numCol="1" anchor="t">
-                <a:normAutofit fontScale="100000" lnSpcReduction="0"/>
-              </a:bodyPr>
-              <a:lstStyle/>
-              <a:p>
-                <a:pPr defTabSz="507148">
-                  <a:defRPr sz="2000">
-                    <a:latin typeface="+mn-lt"/>
-                    <a:ea typeface="+mn-ea"/>
-                    <a:cs typeface="+mn-cs"/>
-                    <a:sym typeface="Arial"/>
-                  </a:defRPr>
-                </a:pPr>
-                <a:r>
-                  <a:t>Mini-lesson</a:t>
-                </a:r>
-              </a:p>
-              <a:p>
-                <a:pPr defTabSz="507148">
-                  <a:defRPr sz="1300">
-                    <a:solidFill>
-                      <a:schemeClr val="accent5"/>
-                    </a:solidFill>
-                  </a:defRPr>
-                </a:pPr>
-                <a:r>
-                  <a:t>be sure to:</a:t>
-                </a:r>
-                <a:r>
-                  <a:rPr>
-                    <a:solidFill>
-                      <a:schemeClr val="accent5">
-                        <a:lumOff val="-9843"/>
-                      </a:schemeClr>
-                    </a:solidFill>
-                  </a:rPr>
-                  <a:t> </a:t>
-                </a:r>
-                <a:r>
-                  <a:rPr>
-                    <a:solidFill>
-                      <a:schemeClr val="accent1"/>
-                    </a:solidFill>
-                  </a:rPr>
-                  <a:t>Take notes and answer questions in your </a:t>
-                </a:r>
-                <a:r>
-                  <a:rPr b="1">
-                    <a:solidFill>
-                      <a:schemeClr val="accent1"/>
-                    </a:solidFill>
-                  </a:rPr>
-                  <a:t>notebook</a:t>
-                </a:r>
-                <a:r>
-                  <a:rPr>
-                    <a:solidFill>
-                      <a:schemeClr val="accent1"/>
-                    </a:solidFill>
-                  </a:rPr>
-                  <a:t>.</a:t>
-                </a:r>
-              </a:p>
-            </p:txBody>
-          </p:sp>
-        </p:grpSp>
-      </p:grpSp>
-      <p:pic>
-        <p:nvPicPr>
-          <p:cNvPr id="226" name="Image" descr="Image"/>
-          <p:cNvPicPr>
-            <a:picLocks noChangeAspect="1"/>
-          </p:cNvPicPr>
-          <p:nvPr/>
-        </p:nvPicPr>
-        <p:blipFill>
-          <a:blip r:embed="rId2">
-            <a:extLst/>
-          </a:blip>
-          <a:stretch>
-            <a:fillRect/>
-          </a:stretch>
-        </p:blipFill>
-        <p:spPr>
-          <a:xfrm>
-            <a:off x="1233866" y="1066733"/>
-            <a:ext cx="5981659" cy="785302"/>
-          </a:xfrm>
-          <a:prstGeom prst="rect">
-            <a:avLst/>
-          </a:prstGeom>
-          <a:ln w="12700">
-            <a:miter lim="400000"/>
-          </a:ln>
-        </p:spPr>
-      </p:pic>
-      <p:pic>
-        <p:nvPicPr>
-          <p:cNvPr id="227" name="Image" descr="Image"/>
-          <p:cNvPicPr>
-            <a:picLocks noChangeAspect="1"/>
-          </p:cNvPicPr>
-          <p:nvPr/>
-        </p:nvPicPr>
-        <p:blipFill>
-          <a:blip r:embed="rId3">
-            <a:extLst/>
-          </a:blip>
-          <a:stretch>
-            <a:fillRect/>
-          </a:stretch>
-        </p:blipFill>
-        <p:spPr>
-          <a:xfrm>
-            <a:off x="5074131" y="1931732"/>
-            <a:ext cx="2335762" cy="2501755"/>
-          </a:xfrm>
-          <a:prstGeom prst="rect">
-            <a:avLst/>
-          </a:prstGeom>
-          <a:ln w="12700">
-            <a:miter lim="400000"/>
-          </a:ln>
-        </p:spPr>
-      </p:pic>
-      <p:pic>
-        <p:nvPicPr>
-          <p:cNvPr id="228" name="Image" descr="Image"/>
-          <p:cNvPicPr>
-            <a:picLocks noChangeAspect="1"/>
-          </p:cNvPicPr>
-          <p:nvPr/>
-        </p:nvPicPr>
-        <p:blipFill>
-          <a:blip r:embed="rId4">
-            <a:extLst/>
-          </a:blip>
-          <a:stretch>
-            <a:fillRect/>
-          </a:stretch>
-        </p:blipFill>
-        <p:spPr>
-          <a:xfrm>
-            <a:off x="1031056" y="2055238"/>
-            <a:ext cx="2549470" cy="2472033"/>
-          </a:xfrm>
-          <a:prstGeom prst="rect">
-            <a:avLst/>
-          </a:prstGeom>
-          <a:ln w="12700">
-            <a:miter lim="400000"/>
-          </a:ln>
-        </p:spPr>
-      </p:pic>
-    </p:spTree>
-  </p:cSld>
-  <p:clrMapOvr>
-    <a:masterClrMapping/>
-  </p:clrMapOvr>
-  <p:transition xmlns:p14="http://schemas.microsoft.com/office/powerpoint/2010/main" spd="med" advClick="1"/>
-  <p:timing>
-    <p:tnLst>
-      <p:par>
-        <p:cTn id="1" nodeType="tmRoot" restart="never" dur="indefinite" fill="hold">
-          <p:childTnLst>
-            <p:seq concurrent="1" prevAc="none" nextAc="seek">
-              <p:cTn id="2" nodeType="mainSeq" dur="indefinite" fill="hold">
-                <p:childTnLst>
-                  <p:par>
-                    <p:cTn id="3" fill="hold">
-                      <p:stCondLst>
-                        <p:cond delay="indefinite"/>
-                      </p:stCondLst>
-                      <p:childTnLst>
-                        <p:par>
-                          <p:cTn id="4" fill="hold">
-                            <p:stCondLst>
-                              <p:cond delay="0"/>
-                            </p:stCondLst>
-                            <p:childTnLst>
-                              <p:par>
-                                <p:cTn id="5" presetClass="entr" nodeType="clickEffect" presetSubtype="0" presetID="1" grpId="1" fill="hold">
-                                  <p:stCondLst>
-                                    <p:cond delay="0"/>
-                                  </p:stCondLst>
-                                  <p:iterate type="el" backwards="0">
-                                    <p:tmAbs val="0"/>
-                                  </p:iterate>
-                                  <p:childTnLst>
-                                    <p:set>
-                                      <p:cBhvr>
-                                        <p:cTn id="6" fill="hold"/>
-                                        <p:tgtEl>
-                                          <p:spTgt spid="228"/>
-                                        </p:tgtEl>
-                                        <p:attrNameLst>
-                                          <p:attrName>style.visibility</p:attrName>
-                                        </p:attrNameLst>
-                                      </p:cBhvr>
-                                      <p:to>
-                                        <p:strVal val="visible"/>
-                                      </p:to>
-                                    </p:set>
-                                  </p:childTnLst>
-                                </p:cTn>
-                              </p:par>
-                            </p:childTnLst>
-                          </p:cTn>
-                        </p:par>
-                      </p:childTnLst>
-                    </p:cTn>
-                  </p:par>
-                  <p:par>
-                    <p:cTn id="7" fill="hold">
-                      <p:stCondLst>
-                        <p:cond delay="indefinite"/>
-                      </p:stCondLst>
-                      <p:childTnLst>
-                        <p:par>
-                          <p:cTn id="8" fill="hold">
-                            <p:stCondLst>
-                              <p:cond delay="0"/>
-                            </p:stCondLst>
-                            <p:childTnLst>
-                              <p:par>
-                                <p:cTn id="9" presetClass="entr" nodeType="clickEffect" presetSubtype="0" presetID="1" grpId="2" fill="hold">
-                                  <p:stCondLst>
-                                    <p:cond delay="0"/>
-                                  </p:stCondLst>
-                                  <p:iterate type="el" backwards="0">
-                                    <p:tmAbs val="0"/>
-                                  </p:iterate>
-                                  <p:childTnLst>
-                                    <p:set>
-                                      <p:cBhvr>
-                                        <p:cTn id="10" fill="hold"/>
-                                        <p:tgtEl>
-                                          <p:spTgt spid="227"/>
-                                        </p:tgtEl>
-                                        <p:attrNameLst>
-                                          <p:attrName>style.visibility</p:attrName>
-                                        </p:attrNameLst>
-                                      </p:cBhvr>
-                                      <p:to>
-                                        <p:strVal val="visible"/>
-                                      </p:to>
-                                    </p:set>
-                                  </p:childTnLst>
-                                </p:cTn>
-                              </p:par>
-                            </p:childTnLst>
-                          </p:cTn>
-                        </p:par>
-                      </p:childTnLst>
-                    </p:cTn>
-                  </p:par>
-                </p:childTnLst>
-              </p:cTn>
-              <p:prevCondLst>
-                <p:cond evt="onPrev">
-                  <p:tgtEl>
-                    <p:sldTgt/>
-                  </p:tgtEl>
-                </p:cond>
-              </p:prevCondLst>
-              <p:nextCondLst>
-                <p:cond evt="onNext">
-                  <p:tgtEl>
-                    <p:sldTgt/>
-                  </p:tgtEl>
-                </p:cond>
-              </p:nextCondLst>
-            </p:seq>
-          </p:childTnLst>
-        </p:cTn>
-      </p:par>
-    </p:tnLst>
-    <p:bldLst>
-      <p:bldP build="whole" bldLvl="1" animBg="1" rev="0" advAuto="0" spid="227" grpId="2"/>
-      <p:bldP build="whole" bldLvl="1" animBg="1" rev="0" advAuto="0" spid="228" grpId="1"/>
-    </p:bldLst>
-  </p:timing>
-</p:sld>
-</file>
-
-<file path=ppt/slides/slide8.xml><?xml version="1.0" encoding="utf-8"?>
-<p:sld xmlns:a="http://schemas.openxmlformats.org/drawingml/2006/main" xmlns:r="http://schemas.openxmlformats.org/officeDocument/2006/relationships" xmlns:p="http://schemas.openxmlformats.org/presentationml/2006/main" xmlns:m="http://schemas.openxmlformats.org/officeDocument/2006/math" xmlns:a14="http://schemas.microsoft.com/office/drawing/2010/main" showMasterSp="1" showMasterPhAnim="1">
-  <p:cSld>
-    <p:spTree>
-      <p:nvGrpSpPr>
-        <p:cNvPr id="1" name=""/>
-        <p:cNvGrpSpPr/>
-        <p:nvPr/>
-      </p:nvGrpSpPr>
-      <p:grpSpPr>
-        <a:xfrm>
-          <a:off x="0" y="0"/>
-          <a:ext cx="0" cy="0"/>
-          <a:chOff x="0" y="0"/>
-          <a:chExt cx="0" cy="0"/>
-        </a:xfrm>
-      </p:grpSpPr>
-      <p:grpSp>
-        <p:nvGrpSpPr>
-          <p:cNvPr id="234" name="Google Shape;118;p19"/>
-          <p:cNvGrpSpPr/>
-          <p:nvPr/>
-        </p:nvGrpSpPr>
-        <p:grpSpPr>
-          <a:xfrm>
-            <a:off x="2448811" y="72865"/>
-            <a:ext cx="6244203" cy="914171"/>
-            <a:chOff x="-1" y="0"/>
-            <a:chExt cx="6244202" cy="914170"/>
-          </a:xfrm>
-        </p:grpSpPr>
-        <p:sp>
-          <p:nvSpPr>
-            <p:cNvPr id="230" name="Rectangle"/>
-            <p:cNvSpPr/>
-            <p:nvPr/>
-          </p:nvSpPr>
-          <p:spPr>
-            <a:xfrm>
-              <a:off x="-2" y="0"/>
-              <a:ext cx="5574802" cy="914171"/>
-            </a:xfrm>
-            <a:prstGeom prst="rect">
-              <a:avLst/>
-            </a:prstGeom>
-            <a:noFill/>
-            <a:ln w="25400" cap="flat">
-              <a:solidFill>
-                <a:schemeClr val="accent1"/>
-              </a:solidFill>
-              <a:prstDash val="solid"/>
-              <a:round/>
-            </a:ln>
-            <a:effectLst/>
-          </p:spPr>
-          <p:txBody>
-            <a:bodyPr wrap="square" lIns="0" tIns="0" rIns="0" bIns="0" numCol="1" anchor="t">
-              <a:noAutofit/>
-            </a:bodyPr>
-            <a:lstStyle/>
-            <a:p>
-              <a:pPr defTabSz="795527">
-                <a:defRPr sz="1200">
-                  <a:solidFill>
-                    <a:schemeClr val="accent5"/>
-                  </a:solidFill>
-                </a:defRPr>
-              </a:pPr>
-            </a:p>
-          </p:txBody>
-        </p:sp>
-        <p:grpSp>
-          <p:nvGrpSpPr>
-            <p:cNvPr id="233" name="Do now…"/>
-            <p:cNvGrpSpPr/>
-            <p:nvPr/>
-          </p:nvGrpSpPr>
-          <p:grpSpPr>
-            <a:xfrm>
-              <a:off x="11594" y="11594"/>
-              <a:ext cx="6232608" cy="890981"/>
-              <a:chOff x="-1" y="-1"/>
-              <a:chExt cx="6232606" cy="890979"/>
-            </a:xfrm>
-          </p:grpSpPr>
-          <p:sp>
-            <p:nvSpPr>
-              <p:cNvPr id="231" name="Rectangle"/>
-              <p:cNvSpPr/>
-              <p:nvPr/>
-            </p:nvSpPr>
-            <p:spPr>
-              <a:xfrm>
-                <a:off x="-2" y="-2"/>
-                <a:ext cx="6232608" cy="890981"/>
-              </a:xfrm>
-              <a:prstGeom prst="rect">
-                <a:avLst/>
-              </a:prstGeom>
-              <a:solidFill>
-                <a:srgbClr val="FFFFFF"/>
-              </a:solidFill>
-              <a:ln w="25400" cap="flat">
-                <a:solidFill>
-                  <a:schemeClr val="accent1"/>
-                </a:solidFill>
-                <a:prstDash val="solid"/>
-                <a:round/>
-              </a:ln>
-              <a:effectLst/>
-            </p:spPr>
-            <p:txBody>
-              <a:bodyPr wrap="square" lIns="0" tIns="0" rIns="0" bIns="0" numCol="1" anchor="t">
-                <a:noAutofit/>
-              </a:bodyPr>
-              <a:lstStyle/>
-              <a:p>
-                <a:pPr defTabSz="507148">
-                  <a:defRPr sz="1300">
-                    <a:solidFill>
-                      <a:schemeClr val="accent5"/>
-                    </a:solidFill>
-                  </a:defRPr>
-                </a:pPr>
-              </a:p>
-            </p:txBody>
-          </p:sp>
-          <p:sp>
-            <p:nvSpPr>
-              <p:cNvPr id="232" name="Mini-lesson…"/>
-              <p:cNvSpPr txBox="1"/>
-              <p:nvPr/>
-            </p:nvSpPr>
-            <p:spPr>
-              <a:xfrm>
-                <a:off x="15569" y="15569"/>
-                <a:ext cx="6201466" cy="859839"/>
-              </a:xfrm>
-              <a:prstGeom prst="rect">
-                <a:avLst/>
-              </a:prstGeom>
-              <a:noFill/>
-              <a:ln w="12700" cap="flat">
-                <a:noFill/>
-                <a:miter lim="400000"/>
-              </a:ln>
-              <a:effectLst/>
-              <a:extLst>
-                <a:ext uri="{C572A759-6A51-4108-AA02-DFA0A04FC94B}">
-                  <ma14:wrappingTextBoxFlag xmlns:ma14="http://schemas.microsoft.com/office/mac/drawingml/2011/main" val="1"/>
-                </a:ext>
-              </a:extLst>
-            </p:spPr>
-            <p:txBody>
-              <a:bodyPr wrap="square" lIns="91421" tIns="91421" rIns="91421" bIns="91421" numCol="1" anchor="t">
-                <a:normAutofit fontScale="100000" lnSpcReduction="0"/>
-              </a:bodyPr>
-              <a:lstStyle/>
-              <a:p>
-                <a:pPr defTabSz="476719">
-                  <a:defRPr sz="1879">
-                    <a:latin typeface="+mn-lt"/>
-                    <a:ea typeface="+mn-ea"/>
-                    <a:cs typeface="+mn-cs"/>
-                    <a:sym typeface="Arial"/>
-                  </a:defRPr>
-                </a:pPr>
-                <a:r>
-                  <a:t>Activity</a:t>
-                </a:r>
-              </a:p>
-              <a:p>
-                <a:pPr defTabSz="476719">
-                  <a:defRPr sz="1222">
-                    <a:solidFill>
-                      <a:schemeClr val="accent5"/>
-                    </a:solidFill>
-                  </a:defRPr>
-                </a:pPr>
-                <a:r>
-                  <a:rPr>
-                    <a:solidFill>
-                      <a:schemeClr val="accent1"/>
-                    </a:solidFill>
-                  </a:rPr>
-                  <a:t>Keep your </a:t>
-                </a:r>
-                <a:r>
-                  <a:rPr b="1">
-                    <a:solidFill>
-                      <a:schemeClr val="accent1"/>
-                    </a:solidFill>
-                  </a:rPr>
-                  <a:t>notebook </a:t>
-                </a:r>
-                <a:r>
-                  <a:rPr>
-                    <a:solidFill>
-                      <a:schemeClr val="accent1"/>
-                    </a:solidFill>
-                  </a:rPr>
-                  <a:t>out</a:t>
-                </a:r>
-                <a:r>
-                  <a:rPr>
-                    <a:solidFill>
-                      <a:schemeClr val="accent1"/>
-                    </a:solidFill>
-                  </a:rPr>
-                  <a:t>. Work with a partner to identify the </a:t>
-                </a:r>
-                <a:r>
-                  <a:rPr b="1">
-                    <a:solidFill>
-                      <a:schemeClr val="accent1"/>
-                    </a:solidFill>
-                  </a:rPr>
-                  <a:t>data</a:t>
-                </a:r>
-                <a:r>
-                  <a:rPr>
-                    <a:solidFill>
-                      <a:schemeClr val="accent1"/>
-                    </a:solidFill>
-                  </a:rPr>
-                  <a:t> and </a:t>
-                </a:r>
-                <a:r>
-                  <a:rPr b="1">
-                    <a:solidFill>
-                      <a:schemeClr val="accent1"/>
-                    </a:solidFill>
-                  </a:rPr>
-                  <a:t>methods</a:t>
-                </a:r>
-                <a:r>
-                  <a:rPr>
-                    <a:solidFill>
-                      <a:schemeClr val="accent1"/>
-                    </a:solidFill>
-                  </a:rPr>
-                  <a:t> needed to build a </a:t>
-                </a:r>
-                <a:r>
-                  <a:t>SavingsAccount</a:t>
-                </a:r>
-                <a:r>
-                  <a:rPr>
-                    <a:solidFill>
-                      <a:schemeClr val="accent1"/>
-                    </a:solidFill>
-                  </a:rPr>
-                  <a:t> class.</a:t>
-                </a:r>
-              </a:p>
-            </p:txBody>
-          </p:sp>
-        </p:grpSp>
-      </p:grpSp>
-      <p:sp>
-        <p:nvSpPr>
-          <p:cNvPr id="235" name="be sure to:"/>
-          <p:cNvSpPr txBox="1"/>
-          <p:nvPr/>
-        </p:nvSpPr>
-        <p:spPr>
-          <a:xfrm>
-            <a:off x="766699" y="1332103"/>
-            <a:ext cx="1283446" cy="304801"/>
-          </a:xfrm>
-          <a:prstGeom prst="rect">
-            <a:avLst/>
-          </a:prstGeom>
-          <a:ln w="12700">
-            <a:miter lim="400000"/>
-          </a:ln>
-          <a:extLst>
-            <a:ext uri="{C572A759-6A51-4108-AA02-DFA0A04FC94B}">
-              <ma14:wrappingTextBoxFlag xmlns:ma14="http://schemas.microsoft.com/office/mac/drawingml/2011/main" val="1"/>
-            </a:ext>
-          </a:extLst>
-        </p:spPr>
-        <p:txBody>
-          <a:bodyPr wrap="none" lIns="0" tIns="0" rIns="0" bIns="0">
-            <a:spAutoFit/>
-          </a:bodyPr>
-          <a:lstStyle/>
-          <a:p>
-            <a:pPr defTabSz="507148">
-              <a:defRPr sz="2000">
-                <a:solidFill>
-                  <a:schemeClr val="accent5"/>
-                </a:solidFill>
-              </a:defRPr>
-            </a:pPr>
-            <a:r>
-              <a:t>be sure to:</a:t>
-            </a:r>
-            <a:r>
-              <a:rPr>
-                <a:solidFill>
-                  <a:schemeClr val="accent5">
-                    <a:lumOff val="-9843"/>
-                  </a:schemeClr>
-                </a:solidFill>
-              </a:rPr>
-              <a:t> </a:t>
-            </a:r>
-          </a:p>
-        </p:txBody>
-      </p:sp>
-      <p:pic>
-        <p:nvPicPr>
-          <p:cNvPr id="236" name="Image" descr="Image"/>
-          <p:cNvPicPr>
-            <a:picLocks noChangeAspect="1"/>
-          </p:cNvPicPr>
-          <p:nvPr/>
-        </p:nvPicPr>
-        <p:blipFill>
-          <a:blip r:embed="rId3">
-            <a:extLst/>
-          </a:blip>
-          <a:stretch>
-            <a:fillRect/>
-          </a:stretch>
-        </p:blipFill>
-        <p:spPr>
-          <a:xfrm>
-            <a:off x="4192192" y="1320257"/>
-            <a:ext cx="4062104" cy="2976128"/>
-          </a:xfrm>
-          <a:prstGeom prst="rect">
-            <a:avLst/>
-          </a:prstGeom>
-          <a:ln w="12700">
-            <a:miter lim="400000"/>
-          </a:ln>
-        </p:spPr>
-      </p:pic>
-      <p:sp>
-        <p:nvSpPr>
-          <p:cNvPr id="237" name="Work with a partner.…"/>
-          <p:cNvSpPr txBox="1"/>
-          <p:nvPr/>
-        </p:nvSpPr>
-        <p:spPr>
-          <a:xfrm>
-            <a:off x="672315" y="1727306"/>
-            <a:ext cx="2877133" cy="2159001"/>
-          </a:xfrm>
-          <a:prstGeom prst="rect">
-            <a:avLst/>
-          </a:prstGeom>
-          <a:ln w="12700">
-            <a:miter lim="400000"/>
-          </a:ln>
-          <a:extLst>
-            <a:ext uri="{C572A759-6A51-4108-AA02-DFA0A04FC94B}">
-              <ma14:wrappingTextBoxFlag xmlns:ma14="http://schemas.microsoft.com/office/mac/drawingml/2011/main" val="1"/>
-            </a:ext>
-          </a:extLst>
-        </p:spPr>
-        <p:txBody>
-          <a:bodyPr lIns="0" tIns="0" rIns="0" bIns="0">
-            <a:spAutoFit/>
-          </a:bodyPr>
-          <a:lstStyle/>
-          <a:p>
-            <a:pPr marL="187157" indent="-187157">
-              <a:buSzPct val="100000"/>
-              <a:buAutoNum type="arabicPeriod" startAt="1"/>
-              <a:defRPr>
-                <a:solidFill>
-                  <a:schemeClr val="accent3">
-                    <a:lumOff val="-9098"/>
-                  </a:schemeClr>
-                </a:solidFill>
-              </a:defRPr>
-            </a:pPr>
-            <a:r>
-              <a:t>Work with a partner.</a:t>
-            </a:r>
-          </a:p>
-          <a:p>
-            <a:pPr marL="187157" indent="-187157">
-              <a:buSzPct val="100000"/>
-              <a:buAutoNum type="arabicPeriod" startAt="1"/>
-              <a:defRPr>
-                <a:solidFill>
-                  <a:schemeClr val="accent3">
-                    <a:lumOff val="-9098"/>
-                  </a:schemeClr>
-                </a:solidFill>
-              </a:defRPr>
-            </a:pPr>
-            <a:r>
-              <a:t>Identify the crucial </a:t>
-            </a:r>
-            <a:r>
-              <a:rPr>
-                <a:solidFill>
-                  <a:schemeClr val="accent5"/>
-                </a:solidFill>
-              </a:rPr>
-              <a:t>data</a:t>
-            </a:r>
-            <a:r>
-              <a:t> and </a:t>
-            </a:r>
-            <a:r>
-              <a:rPr>
-                <a:solidFill>
-                  <a:schemeClr val="accent5"/>
-                </a:solidFill>
-              </a:rPr>
-              <a:t>methods</a:t>
-            </a:r>
-            <a:r>
-              <a:t> that you need to store.</a:t>
-            </a:r>
-          </a:p>
-          <a:p>
-            <a:pPr marL="187157" indent="-187157">
-              <a:buSzPct val="100000"/>
-              <a:buAutoNum type="arabicPeriod" startAt="1"/>
-              <a:defRPr>
-                <a:solidFill>
-                  <a:schemeClr val="accent3">
-                    <a:lumOff val="-9098"/>
-                  </a:schemeClr>
-                </a:solidFill>
-              </a:defRPr>
-            </a:pPr>
-            <a:r>
-              <a:t>For each piece of information, decide whether it should be </a:t>
-            </a:r>
-            <a:r>
-              <a:rPr>
-                <a:solidFill>
-                  <a:schemeClr val="accent5"/>
-                </a:solidFill>
-              </a:rPr>
-              <a:t>accessible</a:t>
-            </a:r>
-            <a:r>
-              <a:t>, </a:t>
-            </a:r>
-            <a:r>
-              <a:rPr>
-                <a:solidFill>
-                  <a:schemeClr val="accent5"/>
-                </a:solidFill>
-              </a:rPr>
-              <a:t>modifiable</a:t>
-            </a:r>
-            <a:r>
-              <a:t>, </a:t>
-            </a:r>
-            <a:r>
-              <a:rPr>
-                <a:solidFill>
-                  <a:schemeClr val="accent5"/>
-                </a:solidFill>
-              </a:rPr>
-              <a:t>both</a:t>
-            </a:r>
-            <a:r>
-              <a:t>, or </a:t>
-            </a:r>
-            <a:r>
-              <a:rPr>
-                <a:solidFill>
-                  <a:schemeClr val="accent5"/>
-                </a:solidFill>
-              </a:rPr>
-              <a:t>neither</a:t>
-            </a:r>
-            <a:r>
-              <a:t>. </a:t>
-            </a:r>
-          </a:p>
-          <a:p>
-            <a:pPr marL="187157" indent="-187157">
-              <a:buSzPct val="100000"/>
-              <a:buAutoNum type="arabicPeriod" startAt="1"/>
-              <a:defRPr>
-                <a:solidFill>
-                  <a:schemeClr val="accent3">
-                    <a:lumOff val="-9098"/>
-                  </a:schemeClr>
-                </a:solidFill>
-              </a:defRPr>
-            </a:pPr>
-            <a:r>
-              <a:t>Once you finish, begin implementing with your partner in CodeHS sandbox.</a:t>
-            </a:r>
-          </a:p>
-        </p:txBody>
-      </p:sp>
-    </p:spTree>
-  </p:cSld>
-  <p:clrMapOvr>
-    <a:masterClrMapping/>
-  </p:clrMapOvr>
-  <p:transition xmlns:p14="http://schemas.microsoft.com/office/powerpoint/2010/main" spd="med" advClick="1"/>
-</p:sld>
-</file>
-
-<file path=ppt/slides/slide9.xml><?xml version="1.0" encoding="utf-8"?>
-<p:sld xmlns:a="http://schemas.openxmlformats.org/drawingml/2006/main" xmlns:r="http://schemas.openxmlformats.org/officeDocument/2006/relationships" xmlns:p="http://schemas.openxmlformats.org/presentationml/2006/main" xmlns:m="http://schemas.openxmlformats.org/officeDocument/2006/math" xmlns:a14="http://schemas.microsoft.com/office/drawing/2010/main" showMasterSp="1" showMasterPhAnim="1">
-  <p:cSld>
-    <p:spTree>
-      <p:nvGrpSpPr>
-        <p:cNvPr id="1" name=""/>
-        <p:cNvGrpSpPr/>
-        <p:nvPr/>
-      </p:nvGrpSpPr>
-      <p:grpSpPr>
-        <a:xfrm>
-          <a:off x="0" y="0"/>
-          <a:ext cx="0" cy="0"/>
-          <a:chOff x="0" y="0"/>
-          <a:chExt cx="0" cy="0"/>
-        </a:xfrm>
-      </p:grpSpPr>
-      <p:sp>
-        <p:nvSpPr>
-          <p:cNvPr id="241" name="e"/>
-          <p:cNvSpPr txBox="1"/>
-          <p:nvPr>
-            <p:ph type="title"/>
-          </p:nvPr>
-        </p:nvSpPr>
-        <p:spPr>
-          <a:prstGeom prst="rect">
-            <a:avLst/>
-          </a:prstGeom>
-        </p:spPr>
-        <p:txBody>
-          <a:bodyPr/>
-          <a:lstStyle>
-            <a:lvl1pPr defTabSz="886968">
-              <a:defRPr sz="2910"/>
-            </a:lvl1pPr>
-          </a:lstStyle>
-          <a:p>
-            <a:pPr/>
-            <a:r>
-              <a:t>e</a:t>
-            </a:r>
-          </a:p>
-        </p:txBody>
-      </p:sp>
-      <p:sp>
-        <p:nvSpPr>
-          <p:cNvPr id="242" name="How do you determine if information should be accessible, modifiable, both, or neither.…"/>
-          <p:cNvSpPr txBox="1"/>
-          <p:nvPr/>
-        </p:nvSpPr>
-        <p:spPr>
-          <a:xfrm>
-            <a:off x="778973" y="1924050"/>
-            <a:ext cx="3278433" cy="1295401"/>
-          </a:xfrm>
-          <a:prstGeom prst="rect">
-            <a:avLst/>
-          </a:prstGeom>
-          <a:ln w="12700">
-            <a:miter lim="400000"/>
-          </a:ln>
-          <a:extLst>
-            <a:ext uri="{C572A759-6A51-4108-AA02-DFA0A04FC94B}">
-              <ma14:wrappingTextBoxFlag xmlns:ma14="http://schemas.microsoft.com/office/mac/drawingml/2011/main" val="1"/>
-            </a:ext>
-          </a:extLst>
-        </p:spPr>
-        <p:txBody>
-          <a:bodyPr lIns="0" tIns="0" rIns="0" bIns="0">
-            <a:spAutoFit/>
-          </a:bodyPr>
-          <a:lstStyle/>
-          <a:p>
-            <a:pPr marL="187157" indent="-187157">
-              <a:buSzPct val="100000"/>
-              <a:buAutoNum type="arabicPeriod" startAt="1"/>
-            </a:pPr>
-            <a:r>
-              <a:t>How do you determine if information should be </a:t>
-            </a:r>
-            <a:r>
-              <a:rPr>
-                <a:solidFill>
-                  <a:schemeClr val="accent5"/>
-                </a:solidFill>
-              </a:rPr>
-              <a:t>accessible</a:t>
-            </a:r>
-            <a:r>
-              <a:t>, </a:t>
-            </a:r>
-            <a:r>
-              <a:rPr>
-                <a:solidFill>
-                  <a:schemeClr val="accent5"/>
-                </a:solidFill>
-              </a:rPr>
-              <a:t>modifiable</a:t>
-            </a:r>
-            <a:r>
-              <a:t>, </a:t>
-            </a:r>
-            <a:r>
-              <a:rPr>
-                <a:solidFill>
-                  <a:schemeClr val="accent5"/>
-                </a:solidFill>
-              </a:rPr>
-              <a:t>both</a:t>
-            </a:r>
-            <a:r>
-              <a:t>, or </a:t>
-            </a:r>
-            <a:r>
-              <a:rPr>
-                <a:solidFill>
-                  <a:schemeClr val="accent5"/>
-                </a:solidFill>
-              </a:rPr>
-              <a:t>neither</a:t>
-            </a:r>
-            <a:r>
-              <a:t>. </a:t>
-            </a:r>
-          </a:p>
-          <a:p>
-            <a:pPr marL="187157" indent="-187157">
-              <a:buSzPct val="100000"/>
-              <a:buAutoNum type="arabicPeriod" startAt="1"/>
-            </a:pPr>
-            <a:r>
-              <a:t>Why is it useful to </a:t>
-            </a:r>
-            <a:r>
-              <a:rPr>
-                <a:solidFill>
-                  <a:schemeClr val="accent3"/>
-                </a:solidFill>
-              </a:rPr>
-              <a:t>encapsulate</a:t>
-            </a:r>
-            <a:r>
-              <a:t> information?</a:t>
-            </a:r>
-          </a:p>
-        </p:txBody>
-      </p:sp>
-      <p:pic>
-        <p:nvPicPr>
-          <p:cNvPr id="243" name="Image" descr="Image"/>
-          <p:cNvPicPr>
-            <a:picLocks noChangeAspect="1"/>
-          </p:cNvPicPr>
-          <p:nvPr/>
-        </p:nvPicPr>
-        <p:blipFill>
-          <a:blip r:embed="rId3">
-            <a:extLst/>
-          </a:blip>
-          <a:stretch>
-            <a:fillRect/>
-          </a:stretch>
-        </p:blipFill>
-        <p:spPr>
-          <a:xfrm>
-            <a:off x="4616052" y="1554712"/>
-            <a:ext cx="3053022" cy="2034076"/>
-          </a:xfrm>
-          <a:prstGeom prst="rect">
-            <a:avLst/>
-          </a:prstGeom>
-          <a:ln w="12700">
-            <a:miter lim="400000"/>
-          </a:ln>
-        </p:spPr>
-      </p:pic>
-      <p:sp>
-        <p:nvSpPr>
-          <p:cNvPr id="244" name="Reflection: Thinking about thinking…"/>
-          <p:cNvSpPr txBox="1"/>
-          <p:nvPr/>
-        </p:nvSpPr>
-        <p:spPr>
-          <a:xfrm>
-            <a:off x="1404467" y="357128"/>
-            <a:ext cx="7302728" cy="939691"/>
-          </a:xfrm>
-          <a:prstGeom prst="rect">
-            <a:avLst/>
-          </a:prstGeom>
-          <a:solidFill>
-            <a:srgbClr val="FFFFFF"/>
-          </a:solidFill>
-          <a:ln w="25400">
-            <a:solidFill>
-              <a:schemeClr val="accent1"/>
-            </a:solidFill>
-          </a:ln>
-          <a:extLst>
-            <a:ext uri="{C572A759-6A51-4108-AA02-DFA0A04FC94B}">
-              <ma14:wrappingTextBoxFlag xmlns:ma14="http://schemas.microsoft.com/office/mac/drawingml/2011/main" val="1"/>
-            </a:ext>
-          </a:extLst>
-        </p:spPr>
-        <p:txBody>
-          <a:bodyPr lIns="91422" tIns="91422" rIns="91422" bIns="91422">
-            <a:normAutofit fontScale="100000" lnSpcReduction="0"/>
-          </a:bodyPr>
-          <a:lstStyle/>
-          <a:p>
-            <a:pPr defTabSz="813816">
-              <a:defRPr sz="2100">
-                <a:latin typeface="+mn-lt"/>
-                <a:ea typeface="+mn-ea"/>
-                <a:cs typeface="+mn-cs"/>
-                <a:sym typeface="Arial"/>
-              </a:defRPr>
-            </a:pPr>
-            <a:r>
-              <a:t>Reflection: Thinking about thinking</a:t>
-            </a:r>
-          </a:p>
-          <a:p>
-            <a:pPr defTabSz="813816">
-              <a:defRPr sz="1200">
-                <a:solidFill>
-                  <a:schemeClr val="accent5"/>
-                </a:solidFill>
-              </a:defRPr>
-            </a:pPr>
-            <a:r>
-              <a:t>be sure to:</a:t>
-            </a:r>
-            <a:r>
-              <a:rPr>
-                <a:solidFill>
-                  <a:schemeClr val="accent5">
-                    <a:lumOff val="-9843"/>
-                  </a:schemeClr>
-                </a:solidFill>
-              </a:rPr>
-              <a:t> </a:t>
-            </a:r>
-            <a:r>
-              <a:rPr>
-                <a:solidFill>
-                  <a:schemeClr val="accent3">
-                    <a:lumOff val="-9098"/>
-                  </a:schemeClr>
-                </a:solidFill>
-              </a:rPr>
-              <a:t>Answer each question below with a complete sentence.</a:t>
-            </a:r>
-          </a:p>
-        </p:txBody>
-      </p:sp>
-    </p:spTree>
-  </p:cSld>
-  <p:clrMapOvr>
-    <a:masterClrMapping/>
-  </p:clrMapOvr>
-  <p:transition xmlns:p14="http://schemas.microsoft.com/office/powerpoint/2010/main" spd="med" advClick="1"/>
-  <p:timing>
-    <p:tnLst>
-      <p:par>
-        <p:cTn id="1" nodeType="tmRoot" restart="never" dur="indefinite" fill="hold">
-          <p:childTnLst>
-            <p:seq concurrent="1" prevAc="none" nextAc="seek">
-              <p:cTn id="2" nodeType="mainSeq" dur="indefinite" fill="hold">
-                <p:childTnLst>
-                  <p:par>
-                    <p:cTn id="3" fill="hold">
-                      <p:stCondLst>
-                        <p:cond delay="indefinite"/>
-                      </p:stCondLst>
-                      <p:childTnLst>
-                        <p:par>
-                          <p:cTn id="4" fill="hold">
-                            <p:stCondLst>
-                              <p:cond delay="0"/>
-                            </p:stCondLst>
-                            <p:childTnLst>
-                              <p:par>
-                                <p:cTn id="5" presetClass="entr" nodeType="clickEffect" presetSubtype="0" presetID="1" grpId="1" fill="hold">
-                                  <p:stCondLst>
-                                    <p:cond delay="0"/>
-                                  </p:stCondLst>
-                                  <p:iterate type="el" backwards="0">
-                                    <p:tmAbs val="0"/>
-                                  </p:iterate>
-                                  <p:childTnLst>
-                                    <p:set>
-                                      <p:cBhvr>
-                                        <p:cTn id="6" fill="hold"/>
-                                        <p:tgtEl>
-                                          <p:spTgt spid="242">
-                                            <p:bg/>
-                                          </p:spTgt>
-                                        </p:tgtEl>
-                                        <p:attrNameLst>
-                                          <p:attrName>style.visibility</p:attrName>
-                                        </p:attrNameLst>
-                                      </p:cBhvr>
-                                      <p:to>
-                                        <p:strVal val="visible"/>
-                                      </p:to>
-                                    </p:set>
-                                  </p:childTnLst>
-                                </p:cTn>
-                              </p:par>
-                              <p:par>
-                                <p:cTn id="7" presetClass="entr" nodeType="withEffect" presetSubtype="0" presetID="1" grpId="1" fill="hold">
-                                  <p:stCondLst>
-                                    <p:cond delay="0"/>
-                                  </p:stCondLst>
-                                  <p:iterate type="el" backwards="0">
-                                    <p:tmAbs val="0"/>
-                                  </p:iterate>
-                                  <p:childTnLst>
-                                    <p:set>
-                                      <p:cBhvr>
-                                        <p:cTn id="8" fill="hold"/>
-                                        <p:tgtEl>
-                                          <p:spTgt spid="242">
-                                            <p:txEl>
-                                              <p:pRg st="0" end="0"/>
-                                            </p:txEl>
-                                          </p:spTgt>
-                                        </p:tgtEl>
-                                        <p:attrNameLst>
-                                          <p:attrName>style.visibility</p:attrName>
-                                        </p:attrNameLst>
-                                      </p:cBhvr>
-                                      <p:to>
-                                        <p:strVal val="visible"/>
-                                      </p:to>
-                                    </p:set>
-                                  </p:childTnLst>
-                                </p:cTn>
-                              </p:par>
-                            </p:childTnLst>
-                          </p:cTn>
-                        </p:par>
-                      </p:childTnLst>
-                    </p:cTn>
-                  </p:par>
-                  <p:par>
-                    <p:cTn id="9" fill="hold">
-                      <p:stCondLst>
-                        <p:cond delay="indefinite"/>
-                      </p:stCondLst>
-                      <p:childTnLst>
-                        <p:par>
-                          <p:cTn id="10" fill="hold">
-                            <p:stCondLst>
-                              <p:cond delay="0"/>
-                            </p:stCondLst>
-                            <p:childTnLst>
-                              <p:par>
-                                <p:cTn id="11" presetClass="entr" nodeType="clickEffect" presetSubtype="0" presetID="1" grpId="1" fill="hold">
-                                  <p:stCondLst>
-                                    <p:cond delay="0"/>
-                                  </p:stCondLst>
-                                  <p:iterate type="el" backwards="0">
-                                    <p:tmAbs val="0"/>
-                                  </p:iterate>
-                                  <p:childTnLst>
-                                    <p:set>
-                                      <p:cBhvr>
-                                        <p:cTn id="12" fill="hold"/>
-                                        <p:tgtEl>
-                                          <p:spTgt spid="242">
-                                            <p:txEl>
-                                              <p:pRg st="1" end="1"/>
-                                            </p:txEl>
-                                          </p:spTgt>
-                                        </p:tgtEl>
-                                        <p:attrNameLst>
-                                          <p:attrName>style.visibility</p:attrName>
-                                        </p:attrNameLst>
-                                      </p:cBhvr>
-                                      <p:to>
-                                        <p:strVal val="visible"/>
-                                      </p:to>
-                                    </p:set>
-                                  </p:childTnLst>
-                                </p:cTn>
-                              </p:par>
-                            </p:childTnLst>
-                          </p:cTn>
-                        </p:par>
-                      </p:childTnLst>
-                    </p:cTn>
-                  </p:par>
-                  <p:par>
-                    <p:cTn id="13" fill="hold">
-                      <p:stCondLst>
-                        <p:cond delay="indefinite"/>
-                      </p:stCondLst>
-                      <p:childTnLst>
-                        <p:par>
-                          <p:cTn id="14" fill="hold">
-                            <p:stCondLst>
-                              <p:cond delay="0"/>
-                            </p:stCondLst>
-                            <p:childTnLst>
-                              <p:par>
-                                <p:cTn id="15" presetClass="entr" nodeType="clickEffect" presetSubtype="0" presetID="1" grpId="1" fill="hold">
-                                  <p:stCondLst>
-                                    <p:cond delay="0"/>
-                                  </p:stCondLst>
-                                  <p:iterate type="el" backwards="0">
-                                    <p:tmAbs val="0"/>
-                                  </p:iterate>
-                                  <p:childTnLst>
-                                    <p:set>
-                                      <p:cBhvr>
-                                        <p:cTn id="16" fill="hold"/>
-                                        <p:tgtEl>
-                                          <p:spTgt spid="242">
+                                          <p:spTgt spid="232">
                                             <p:txEl>
                                               <p:pRg st="2" end="2"/>
                                             </p:txEl>
@@ -8966,7 +7511,7 @@
       </p:par>
     </p:tnLst>
     <p:bldLst>
-      <p:bldP build="p" bldLvl="5" animBg="1" rev="0" advAuto="0" spid="242" grpId="1"/>
+      <p:bldP build="p" bldLvl="5" animBg="1" rev="0" advAuto="0" spid="232" grpId="1"/>
     </p:bldLst>
   </p:timing>
 </p:sld>
@@ -9015,14 +7560,14 @@
     </a:clrScheme>
     <a:fontScheme name="Swiss">
       <a:majorFont>
+        <a:latin typeface="Arial"/>
+        <a:ea typeface="Arial"/>
+        <a:cs typeface="Arial"/>
+      </a:majorFont>
+      <a:minorFont>
         <a:latin typeface="Helvetica"/>
         <a:ea typeface="Helvetica"/>
         <a:cs typeface="Helvetica"/>
-      </a:majorFont>
-      <a:minorFont>
-        <a:latin typeface="Arial"/>
-        <a:ea typeface="Arial"/>
-        <a:cs typeface="Arial"/>
       </a:minorFont>
     </a:fontScheme>
     <a:fmtScheme name="Swiss">
@@ -9206,7 +7751,7 @@
             <a:latin typeface="+mj-lt"/>
             <a:ea typeface="+mj-ea"/>
             <a:cs typeface="+mj-cs"/>
-            <a:sym typeface="Helvetica"/>
+            <a:sym typeface="Arial"/>
           </a:defRPr>
         </a:defPPr>
         <a:lvl1pPr marL="0" marR="0" indent="0" algn="l" defTabSz="914400" rtl="0" fontAlgn="auto" latinLnBrk="1" hangingPunct="0">
@@ -9777,7 +8322,7 @@
             <a:latin typeface="+mj-lt"/>
             <a:ea typeface="+mj-ea"/>
             <a:cs typeface="+mj-cs"/>
-            <a:sym typeface="Helvetica"/>
+            <a:sym typeface="Arial"/>
           </a:defRPr>
         </a:defPPr>
         <a:lvl1pPr marL="0" marR="0" indent="0" algn="l" defTabSz="914400" rtl="0" fontAlgn="auto" latinLnBrk="1" hangingPunct="0">
@@ -10069,14 +8614,14 @@
     </a:clrScheme>
     <a:fontScheme name="Swiss">
       <a:majorFont>
+        <a:latin typeface="Arial"/>
+        <a:ea typeface="Arial"/>
+        <a:cs typeface="Arial"/>
+      </a:majorFont>
+      <a:minorFont>
         <a:latin typeface="Helvetica"/>
         <a:ea typeface="Helvetica"/>
         <a:cs typeface="Helvetica"/>
-      </a:majorFont>
-      <a:minorFont>
-        <a:latin typeface="Arial"/>
-        <a:ea typeface="Arial"/>
-        <a:cs typeface="Arial"/>
       </a:minorFont>
     </a:fontScheme>
     <a:fmtScheme name="Swiss">
@@ -10260,7 +8805,7 @@
             <a:latin typeface="+mj-lt"/>
             <a:ea typeface="+mj-ea"/>
             <a:cs typeface="+mj-cs"/>
-            <a:sym typeface="Helvetica"/>
+            <a:sym typeface="Arial"/>
           </a:defRPr>
         </a:defPPr>
         <a:lvl1pPr marL="0" marR="0" indent="0" algn="l" defTabSz="914400" rtl="0" fontAlgn="auto" latinLnBrk="1" hangingPunct="0">
@@ -10831,7 +9376,7 @@
             <a:latin typeface="+mj-lt"/>
             <a:ea typeface="+mj-ea"/>
             <a:cs typeface="+mj-cs"/>
-            <a:sym typeface="Helvetica"/>
+            <a:sym typeface="Arial"/>
           </a:defRPr>
         </a:defPPr>
         <a:lvl1pPr marL="0" marR="0" indent="0" algn="l" defTabSz="914400" rtl="0" fontAlgn="auto" latinLnBrk="1" hangingPunct="0">
